--- a/dia3/lecture3_modeling.pptx
+++ b/dia3/lecture3_modeling.pptx
@@ -231,7 +231,7 @@
           <a:p>
             <a:fld id="{9EC8F33C-A7AA-43A7-BCA9-F081EA0B4664}" type="datetimeFigureOut">
               <a:rPr lang="en-US" smtClean="0"/>
-              <a:t>1/10/2019</a:t>
+              <a:t>1/11/2019</a:t>
             </a:fld>
             <a:endParaRPr lang="en-US"/>
           </a:p>
@@ -580,7 +580,7 @@
           </a:ln>
           <a:extLst>
             <a:ext uri="{909E8E84-426E-40dd-AFC4-6F175D3DCCD1}">
-              <a14:hiddenFill xmlns="" xmlns:a14="http://schemas.microsoft.com/office/drawing/2010/main">
+              <a14:hiddenFill xmlns:a14="http://schemas.microsoft.com/office/drawing/2010/main" xmlns="">
                 <a:solidFill>
                   <a:srgbClr val="FFFFFF"/>
                 </a:solidFill>
@@ -623,7 +623,7 @@
           </a:ln>
           <a:extLst>
             <a:ext uri="{909E8E84-426E-40dd-AFC4-6F175D3DCCD1}">
-              <a14:hiddenFill xmlns="" xmlns:a14="http://schemas.microsoft.com/office/drawing/2010/main">
+              <a14:hiddenFill xmlns:a14="http://schemas.microsoft.com/office/drawing/2010/main" xmlns="">
                 <a:noFill/>
               </a14:hiddenFill>
             </a:ext>
@@ -722,7 +722,7 @@
           <a:p>
             <a:fld id="{9A356AEA-056F-417E-9B38-4BA8743FE6C4}" type="datetime1">
               <a:rPr lang="en-US" smtClean="0"/>
-              <a:t>1/10/2019</a:t>
+              <a:t>1/11/2019</a:t>
             </a:fld>
             <a:endParaRPr lang="en-US"/>
           </a:p>
@@ -909,7 +909,7 @@
           <a:p>
             <a:fld id="{09867F7C-1948-4907-9EBC-DD38682B5188}" type="datetime1">
               <a:rPr lang="en-US" smtClean="0"/>
-              <a:t>1/10/2019</a:t>
+              <a:t>1/11/2019</a:t>
             </a:fld>
             <a:endParaRPr lang="en-US"/>
           </a:p>
@@ -1105,7 +1105,7 @@
           <a:p>
             <a:fld id="{A5996870-3492-4879-A20C-50CF7F25E309}" type="datetime1">
               <a:rPr lang="en-US" smtClean="0"/>
-              <a:t>1/10/2019</a:t>
+              <a:t>1/11/2019</a:t>
             </a:fld>
             <a:endParaRPr lang="en-US"/>
           </a:p>
@@ -1357,7 +1357,7 @@
           <a:p>
             <a:fld id="{3339509F-2835-4D20-8448-C5CCD453FC4A}" type="datetime1">
               <a:rPr lang="en-US" smtClean="0"/>
-              <a:t>1/10/2019</a:t>
+              <a:t>1/11/2019</a:t>
             </a:fld>
             <a:endParaRPr lang="en-US"/>
           </a:p>
@@ -1581,7 +1581,7 @@
           <a:p>
             <a:fld id="{7A6EDDDE-DBE4-4114-B865-EC3A2920782E}" type="datetime1">
               <a:rPr lang="en-US" smtClean="0"/>
-              <a:t>1/10/2019</a:t>
+              <a:t>1/11/2019</a:t>
             </a:fld>
             <a:endParaRPr lang="en-US"/>
           </a:p>
@@ -1889,7 +1889,7 @@
           <a:p>
             <a:fld id="{8DA96907-43AE-4B1E-B5FF-6853ADDA5697}" type="datetime1">
               <a:rPr lang="en-US" smtClean="0"/>
-              <a:t>1/10/2019</a:t>
+              <a:t>1/11/2019</a:t>
             </a:fld>
             <a:endParaRPr lang="en-US"/>
           </a:p>
@@ -2057,7 +2057,7 @@
           <a:p>
             <a:fld id="{2E65DF97-DE0F-4515-8F8D-0E1C627BC4E9}" type="datetime1">
               <a:rPr lang="en-US" smtClean="0"/>
-              <a:t>1/10/2019</a:t>
+              <a:t>1/11/2019</a:t>
             </a:fld>
             <a:endParaRPr lang="en-US"/>
           </a:p>
@@ -2369,7 +2369,7 @@
           <a:p>
             <a:fld id="{23B9FD00-80D5-4EA7-B536-8F4F2C3959C9}" type="datetime1">
               <a:rPr lang="en-US" smtClean="0"/>
-              <a:t>1/10/2019</a:t>
+              <a:t>1/11/2019</a:t>
             </a:fld>
             <a:endParaRPr lang="en-US"/>
           </a:p>
@@ -2681,7 +2681,7 @@
           <a:p>
             <a:fld id="{DAC77084-4DB4-4A23-9870-BF49183ACB4C}" type="datetime1">
               <a:rPr lang="en-US" smtClean="0"/>
-              <a:t>1/10/2019</a:t>
+              <a:t>1/11/2019</a:t>
             </a:fld>
             <a:endParaRPr lang="en-US"/>
           </a:p>
@@ -2867,7 +2867,7 @@
           <a:p>
             <a:fld id="{6E487ECE-0D8C-4AFB-BD35-997F06E0971C}" type="datetime1">
               <a:rPr lang="en-US" smtClean="0"/>
-              <a:t>1/10/2019</a:t>
+              <a:t>1/11/2019</a:t>
             </a:fld>
             <a:endParaRPr lang="en-US"/>
           </a:p>
@@ -3076,7 +3076,7 @@
           <a:p>
             <a:fld id="{D4F6DC8D-78A1-49CC-B033-F77D87B04958}" type="datetime1">
               <a:rPr lang="en-US" smtClean="0"/>
-              <a:t>1/10/2019</a:t>
+              <a:t>1/11/2019</a:t>
             </a:fld>
             <a:endParaRPr lang="en-US"/>
           </a:p>
@@ -3379,7 +3379,7 @@
           <a:p>
             <a:fld id="{3BCF4A7C-A413-48DA-9211-5240CAEE1DD4}" type="datetime1">
               <a:rPr lang="en-US" smtClean="0"/>
-              <a:t>1/10/2019</a:t>
+              <a:t>1/11/2019</a:t>
             </a:fld>
             <a:endParaRPr lang="en-US"/>
           </a:p>
@@ -3821,7 +3821,7 @@
           <a:p>
             <a:fld id="{AAE887C4-8D00-4515-BD6B-6D6B646F02F7}" type="datetime1">
               <a:rPr lang="en-US" smtClean="0"/>
-              <a:t>1/10/2019</a:t>
+              <a:t>1/11/2019</a:t>
             </a:fld>
             <a:endParaRPr lang="en-US"/>
           </a:p>
@@ -3956,7 +3956,7 @@
           <a:p>
             <a:fld id="{10C13C5A-776A-4D2B-A91E-2ACB7D90E7CC}" type="datetime1">
               <a:rPr lang="en-US" smtClean="0"/>
-              <a:t>1/10/2019</a:t>
+              <a:t>1/11/2019</a:t>
             </a:fld>
             <a:endParaRPr lang="en-US"/>
           </a:p>
@@ -4069,7 +4069,7 @@
           <a:p>
             <a:fld id="{00A5D59F-6FC3-492C-BAE3-F50C9D1FBA31}" type="datetime1">
               <a:rPr lang="en-US" smtClean="0"/>
-              <a:t>1/10/2019</a:t>
+              <a:t>1/11/2019</a:t>
             </a:fld>
             <a:endParaRPr lang="en-US"/>
           </a:p>
@@ -4362,7 +4362,7 @@
           <a:p>
             <a:fld id="{CD78B45F-E474-4F2F-801A-58FC9FE22655}" type="datetime1">
               <a:rPr lang="en-US" smtClean="0"/>
-              <a:t>1/10/2019</a:t>
+              <a:t>1/11/2019</a:t>
             </a:fld>
             <a:endParaRPr lang="en-US"/>
           </a:p>
@@ -4636,7 +4636,7 @@
           <a:p>
             <a:fld id="{FDF35450-A835-4587-8F84-782057674F92}" type="datetime1">
               <a:rPr lang="en-US" smtClean="0"/>
-              <a:t>1/10/2019</a:t>
+              <a:t>1/11/2019</a:t>
             </a:fld>
             <a:endParaRPr lang="en-US"/>
           </a:p>
@@ -4758,17 +4758,17 @@
           </a:ln>
           <a:extLst>
             <a:ext uri="{FAA26D3D-D897-4be2-8F04-BA451C77F1D7}">
-              <ma14:placeholderFlag xmlns="" xmlns:ma14="http://schemas.microsoft.com/office/mac/drawingml/2011/main" val="1"/>
+              <ma14:placeholderFlag xmlns:ma14="http://schemas.microsoft.com/office/mac/drawingml/2011/main" xmlns="" val="1"/>
             </a:ext>
             <a:ext uri="{909E8E84-426E-40dd-AFC4-6F175D3DCCD1}">
-              <a14:hiddenFill xmlns="" xmlns:a14="http://schemas.microsoft.com/office/drawing/2010/main">
+              <a14:hiddenFill xmlns:a14="http://schemas.microsoft.com/office/drawing/2010/main" xmlns="">
                 <a:solidFill>
                   <a:srgbClr val="FFFFFF"/>
                 </a:solidFill>
               </a14:hiddenFill>
             </a:ext>
             <a:ext uri="{91240B29-F687-4f45-9708-019B960494DF}">
-              <a14:hiddenLine xmlns="" xmlns:a14="http://schemas.microsoft.com/office/drawing/2010/main" w="9525">
+              <a14:hiddenLine xmlns:a14="http://schemas.microsoft.com/office/drawing/2010/main" xmlns="" w="9525">
                 <a:solidFill>
                   <a:srgbClr val="000000"/>
                 </a:solidFill>
@@ -4820,17 +4820,17 @@
           </a:ln>
           <a:extLst>
             <a:ext uri="{FAA26D3D-D897-4be2-8F04-BA451C77F1D7}">
-              <ma14:placeholderFlag xmlns="" xmlns:ma14="http://schemas.microsoft.com/office/mac/drawingml/2011/main" val="1"/>
+              <ma14:placeholderFlag xmlns:ma14="http://schemas.microsoft.com/office/mac/drawingml/2011/main" xmlns="" val="1"/>
             </a:ext>
             <a:ext uri="{909E8E84-426E-40dd-AFC4-6F175D3DCCD1}">
-              <a14:hiddenFill xmlns="" xmlns:a14="http://schemas.microsoft.com/office/drawing/2010/main">
+              <a14:hiddenFill xmlns:a14="http://schemas.microsoft.com/office/drawing/2010/main" xmlns="">
                 <a:solidFill>
                   <a:srgbClr val="FFFFFF"/>
                 </a:solidFill>
               </a14:hiddenFill>
             </a:ext>
             <a:ext uri="{91240B29-F687-4f45-9708-019B960494DF}">
-              <a14:hiddenLine xmlns="" xmlns:a14="http://schemas.microsoft.com/office/drawing/2010/main" w="9525">
+              <a14:hiddenLine xmlns:a14="http://schemas.microsoft.com/office/drawing/2010/main" xmlns="" w="9525">
                 <a:solidFill>
                   <a:srgbClr val="000000"/>
                 </a:solidFill>
@@ -4930,7 +4930,7 @@
           <a:p>
             <a:fld id="{F6803E09-2A09-4EEA-8E99-292225B5EDFC}" type="datetime1">
               <a:rPr lang="en-US" smtClean="0"/>
-              <a:t>1/10/2019</a:t>
+              <a:t>1/11/2019</a:t>
             </a:fld>
             <a:endParaRPr lang="en-US"/>
           </a:p>
@@ -5098,7 +5098,7 @@
           </a:ln>
           <a:extLst>
             <a:ext uri="{909E8E84-426E-40dd-AFC4-6F175D3DCCD1}">
-              <a14:hiddenFill xmlns="" xmlns:a14="http://schemas.microsoft.com/office/drawing/2010/main">
+              <a14:hiddenFill xmlns:a14="http://schemas.microsoft.com/office/drawing/2010/main" xmlns="">
                 <a:solidFill>
                   <a:srgbClr val="FFFFFF"/>
                 </a:solidFill>
@@ -5141,7 +5141,7 @@
           </a:ln>
           <a:extLst>
             <a:ext uri="{909E8E84-426E-40dd-AFC4-6F175D3DCCD1}">
-              <a14:hiddenFill xmlns="" xmlns:a14="http://schemas.microsoft.com/office/drawing/2010/main">
+              <a14:hiddenFill xmlns:a14="http://schemas.microsoft.com/office/drawing/2010/main" xmlns="">
                 <a:noFill/>
               </a14:hiddenFill>
             </a:ext>
@@ -5626,7 +5626,7 @@
           <p:cNvPr id="2" name="Title 1">
             <a:extLst>
               <a:ext uri="{FF2B5EF4-FFF2-40B4-BE49-F238E27FC236}">
-                <a16:creationId xmlns:a16="http://schemas.microsoft.com/office/drawing/2014/main" id="{4819A39B-28BB-4873-9914-8FEE18891DD4}"/>
+                <a16:creationId xmlns:a16="http://schemas.microsoft.com/office/drawing/2014/main" xmlns="" id="{4819A39B-28BB-4873-9914-8FEE18891DD4}"/>
               </a:ext>
             </a:extLst>
           </p:cNvPr>
@@ -5657,7 +5657,7 @@
           <p:cNvPr id="5" name="Subtitle 2">
             <a:extLst>
               <a:ext uri="{FF2B5EF4-FFF2-40B4-BE49-F238E27FC236}">
-                <a16:creationId xmlns:a16="http://schemas.microsoft.com/office/drawing/2014/main" id="{2BECD79D-0B3A-44C2-A155-03EC2A6A5D3B}"/>
+                <a16:creationId xmlns:a16="http://schemas.microsoft.com/office/drawing/2014/main" xmlns="" id="{2BECD79D-0B3A-44C2-A155-03EC2A6A5D3B}"/>
               </a:ext>
             </a:extLst>
           </p:cNvPr>
@@ -5680,17 +5680,17 @@
           </a:ln>
           <a:extLst>
             <a:ext uri="{FAA26D3D-D897-4be2-8F04-BA451C77F1D7}">
-              <ma14:placeholderFlag xmlns="" xmlns:ma14="http://schemas.microsoft.com/office/mac/drawingml/2011/main" val="1"/>
+              <ma14:placeholderFlag xmlns:ma14="http://schemas.microsoft.com/office/mac/drawingml/2011/main" xmlns="" val="1"/>
             </a:ext>
             <a:ext uri="{909E8E84-426E-40dd-AFC4-6F175D3DCCD1}">
-              <a14:hiddenFill xmlns="" xmlns:a14="http://schemas.microsoft.com/office/drawing/2010/main">
+              <a14:hiddenFill xmlns:a14="http://schemas.microsoft.com/office/drawing/2010/main" xmlns="">
                 <a:solidFill>
                   <a:srgbClr val="FFFFFF"/>
                 </a:solidFill>
               </a14:hiddenFill>
             </a:ext>
             <a:ext uri="{91240B29-F687-4f45-9708-019B960494DF}">
-              <a14:hiddenLine xmlns="" xmlns:a14="http://schemas.microsoft.com/office/drawing/2010/main" w="9525">
+              <a14:hiddenLine xmlns:a14="http://schemas.microsoft.com/office/drawing/2010/main" xmlns="" w="9525">
                 <a:solidFill>
                   <a:srgbClr val="000000"/>
                 </a:solidFill>
@@ -6363,17 +6363,17 @@
           </a:ln>
           <a:extLst>
             <a:ext uri="{FAA26D3D-D897-4be2-8F04-BA451C77F1D7}">
-              <ma14:placeholderFlag xmlns="" xmlns:ma14="http://schemas.microsoft.com/office/mac/drawingml/2011/main" val="1"/>
+              <ma14:placeholderFlag xmlns:ma14="http://schemas.microsoft.com/office/mac/drawingml/2011/main" xmlns="" val="1"/>
             </a:ext>
             <a:ext uri="{909E8E84-426E-40dd-AFC4-6F175D3DCCD1}">
-              <a14:hiddenFill xmlns="" xmlns:a14="http://schemas.microsoft.com/office/drawing/2010/main">
+              <a14:hiddenFill xmlns:a14="http://schemas.microsoft.com/office/drawing/2010/main" xmlns="">
                 <a:solidFill>
                   <a:srgbClr val="FFFFFF"/>
                 </a:solidFill>
               </a14:hiddenFill>
             </a:ext>
             <a:ext uri="{91240B29-F687-4f45-9708-019B960494DF}">
-              <a14:hiddenLine xmlns="" xmlns:a14="http://schemas.microsoft.com/office/drawing/2010/main" w="9525">
+              <a14:hiddenLine xmlns:a14="http://schemas.microsoft.com/office/drawing/2010/main" xmlns="" w="9525">
                 <a:solidFill>
                   <a:srgbClr val="000000"/>
                 </a:solidFill>
@@ -6962,7 +6962,11 @@
           <a:p>
             <a:r>
               <a:rPr lang="en-US" dirty="0" smtClean="0"/>
-              <a:t>Convergence does not mean the model fits well</a:t>
+              <a:t>MCMC convergence </a:t>
+            </a:r>
+            <a:r>
+              <a:rPr lang="en-US" dirty="0" smtClean="0"/>
+              <a:t>does not mean the model fits well</a:t>
             </a:r>
           </a:p>
           <a:p>
@@ -7828,7 +7832,7 @@
           <p:cNvPr id="2" name="Title 1">
             <a:extLst>
               <a:ext uri="{FF2B5EF4-FFF2-40B4-BE49-F238E27FC236}">
-                <a16:creationId xmlns:a16="http://schemas.microsoft.com/office/drawing/2014/main" id="{3F85E31D-5021-4B9C-A2F6-6670EA453677}"/>
+                <a16:creationId xmlns:a16="http://schemas.microsoft.com/office/drawing/2014/main" xmlns="" id="{3F85E31D-5021-4B9C-A2F6-6670EA453677}"/>
               </a:ext>
             </a:extLst>
           </p:cNvPr>
@@ -7857,7 +7861,7 @@
           <p:cNvPr id="3" name="Content Placeholder 2">
             <a:extLst>
               <a:ext uri="{FF2B5EF4-FFF2-40B4-BE49-F238E27FC236}">
-                <a16:creationId xmlns:a16="http://schemas.microsoft.com/office/drawing/2014/main" id="{28B492CE-B56B-411E-ACCC-F83AC37AA46D}"/>
+                <a16:creationId xmlns:a16="http://schemas.microsoft.com/office/drawing/2014/main" xmlns="" id="{28B492CE-B56B-411E-ACCC-F83AC37AA46D}"/>
               </a:ext>
             </a:extLst>
           </p:cNvPr>
@@ -7974,7 +7978,7 @@
           <p:cNvPr id="4" name="Slide Number Placeholder 3">
             <a:extLst>
               <a:ext uri="{FF2B5EF4-FFF2-40B4-BE49-F238E27FC236}">
-                <a16:creationId xmlns:a16="http://schemas.microsoft.com/office/drawing/2014/main" id="{EC538D91-6F8B-42BB-A135-BD948D230469}"/>
+                <a16:creationId xmlns:a16="http://schemas.microsoft.com/office/drawing/2014/main" xmlns="" id="{EC538D91-6F8B-42BB-A135-BD948D230469}"/>
               </a:ext>
             </a:extLst>
           </p:cNvPr>

--- a/dia3/lecture3_modeling.pptx
+++ b/dia3/lecture3_modeling.pptx
@@ -5,7 +5,7 @@
     <p:sldMasterId id="2147483660" r:id="rId1"/>
   </p:sldMasterIdLst>
   <p:notesMasterIdLst>
-    <p:notesMasterId r:id="rId22"/>
+    <p:notesMasterId r:id="rId20"/>
   </p:notesMasterIdLst>
   <p:sldIdLst>
     <p:sldId id="323" r:id="rId2"/>
@@ -18,16 +18,14 @@
     <p:sldId id="338" r:id="rId9"/>
     <p:sldId id="334" r:id="rId10"/>
     <p:sldId id="343" r:id="rId11"/>
-    <p:sldId id="344" r:id="rId12"/>
-    <p:sldId id="345" r:id="rId13"/>
-    <p:sldId id="346" r:id="rId14"/>
+    <p:sldId id="354" r:id="rId12"/>
+    <p:sldId id="344" r:id="rId13"/>
+    <p:sldId id="345" r:id="rId14"/>
     <p:sldId id="347" r:id="rId15"/>
     <p:sldId id="348" r:id="rId16"/>
     <p:sldId id="349" r:id="rId17"/>
     <p:sldId id="350" r:id="rId18"/>
-    <p:sldId id="351" r:id="rId19"/>
-    <p:sldId id="352" r:id="rId20"/>
-    <p:sldId id="353" r:id="rId21"/>
+    <p:sldId id="353" r:id="rId19"/>
   </p:sldIdLst>
   <p:sldSz cx="9144000" cy="6858000" type="screen4x3"/>
   <p:notesSz cx="6858000" cy="9144000"/>
@@ -231,7 +229,7 @@
           <a:p>
             <a:fld id="{9EC8F33C-A7AA-43A7-BCA9-F081EA0B4664}" type="datetimeFigureOut">
               <a:rPr lang="en-US" smtClean="0"/>
-              <a:t>1/11/2019</a:t>
+              <a:t>1/15/2019</a:t>
             </a:fld>
             <a:endParaRPr lang="en-US"/>
           </a:p>
@@ -722,7 +720,7 @@
           <a:p>
             <a:fld id="{9A356AEA-056F-417E-9B38-4BA8743FE6C4}" type="datetime1">
               <a:rPr lang="en-US" smtClean="0"/>
-              <a:t>1/11/2019</a:t>
+              <a:t>1/15/2019</a:t>
             </a:fld>
             <a:endParaRPr lang="en-US"/>
           </a:p>
@@ -909,7 +907,7 @@
           <a:p>
             <a:fld id="{09867F7C-1948-4907-9EBC-DD38682B5188}" type="datetime1">
               <a:rPr lang="en-US" smtClean="0"/>
-              <a:t>1/11/2019</a:t>
+              <a:t>1/15/2019</a:t>
             </a:fld>
             <a:endParaRPr lang="en-US"/>
           </a:p>
@@ -1105,7 +1103,7 @@
           <a:p>
             <a:fld id="{A5996870-3492-4879-A20C-50CF7F25E309}" type="datetime1">
               <a:rPr lang="en-US" smtClean="0"/>
-              <a:t>1/11/2019</a:t>
+              <a:t>1/15/2019</a:t>
             </a:fld>
             <a:endParaRPr lang="en-US"/>
           </a:p>
@@ -1357,7 +1355,7 @@
           <a:p>
             <a:fld id="{3339509F-2835-4D20-8448-C5CCD453FC4A}" type="datetime1">
               <a:rPr lang="en-US" smtClean="0"/>
-              <a:t>1/11/2019</a:t>
+              <a:t>1/15/2019</a:t>
             </a:fld>
             <a:endParaRPr lang="en-US"/>
           </a:p>
@@ -1581,7 +1579,7 @@
           <a:p>
             <a:fld id="{7A6EDDDE-DBE4-4114-B865-EC3A2920782E}" type="datetime1">
               <a:rPr lang="en-US" smtClean="0"/>
-              <a:t>1/11/2019</a:t>
+              <a:t>1/15/2019</a:t>
             </a:fld>
             <a:endParaRPr lang="en-US"/>
           </a:p>
@@ -1889,7 +1887,7 @@
           <a:p>
             <a:fld id="{8DA96907-43AE-4B1E-B5FF-6853ADDA5697}" type="datetime1">
               <a:rPr lang="en-US" smtClean="0"/>
-              <a:t>1/11/2019</a:t>
+              <a:t>1/15/2019</a:t>
             </a:fld>
             <a:endParaRPr lang="en-US"/>
           </a:p>
@@ -2057,7 +2055,7 @@
           <a:p>
             <a:fld id="{2E65DF97-DE0F-4515-8F8D-0E1C627BC4E9}" type="datetime1">
               <a:rPr lang="en-US" smtClean="0"/>
-              <a:t>1/11/2019</a:t>
+              <a:t>1/15/2019</a:t>
             </a:fld>
             <a:endParaRPr lang="en-US"/>
           </a:p>
@@ -2369,7 +2367,7 @@
           <a:p>
             <a:fld id="{23B9FD00-80D5-4EA7-B536-8F4F2C3959C9}" type="datetime1">
               <a:rPr lang="en-US" smtClean="0"/>
-              <a:t>1/11/2019</a:t>
+              <a:t>1/15/2019</a:t>
             </a:fld>
             <a:endParaRPr lang="en-US"/>
           </a:p>
@@ -2681,7 +2679,7 @@
           <a:p>
             <a:fld id="{DAC77084-4DB4-4A23-9870-BF49183ACB4C}" type="datetime1">
               <a:rPr lang="en-US" smtClean="0"/>
-              <a:t>1/11/2019</a:t>
+              <a:t>1/15/2019</a:t>
             </a:fld>
             <a:endParaRPr lang="en-US"/>
           </a:p>
@@ -2867,7 +2865,7 @@
           <a:p>
             <a:fld id="{6E487ECE-0D8C-4AFB-BD35-997F06E0971C}" type="datetime1">
               <a:rPr lang="en-US" smtClean="0"/>
-              <a:t>1/11/2019</a:t>
+              <a:t>1/15/2019</a:t>
             </a:fld>
             <a:endParaRPr lang="en-US"/>
           </a:p>
@@ -3076,7 +3074,7 @@
           <a:p>
             <a:fld id="{D4F6DC8D-78A1-49CC-B033-F77D87B04958}" type="datetime1">
               <a:rPr lang="en-US" smtClean="0"/>
-              <a:t>1/11/2019</a:t>
+              <a:t>1/15/2019</a:t>
             </a:fld>
             <a:endParaRPr lang="en-US"/>
           </a:p>
@@ -3379,7 +3377,7 @@
           <a:p>
             <a:fld id="{3BCF4A7C-A413-48DA-9211-5240CAEE1DD4}" type="datetime1">
               <a:rPr lang="en-US" smtClean="0"/>
-              <a:t>1/11/2019</a:t>
+              <a:t>1/15/2019</a:t>
             </a:fld>
             <a:endParaRPr lang="en-US"/>
           </a:p>
@@ -3821,7 +3819,7 @@
           <a:p>
             <a:fld id="{AAE887C4-8D00-4515-BD6B-6D6B646F02F7}" type="datetime1">
               <a:rPr lang="en-US" smtClean="0"/>
-              <a:t>1/11/2019</a:t>
+              <a:t>1/15/2019</a:t>
             </a:fld>
             <a:endParaRPr lang="en-US"/>
           </a:p>
@@ -3956,7 +3954,7 @@
           <a:p>
             <a:fld id="{10C13C5A-776A-4D2B-A91E-2ACB7D90E7CC}" type="datetime1">
               <a:rPr lang="en-US" smtClean="0"/>
-              <a:t>1/11/2019</a:t>
+              <a:t>1/15/2019</a:t>
             </a:fld>
             <a:endParaRPr lang="en-US"/>
           </a:p>
@@ -4069,7 +4067,7 @@
           <a:p>
             <a:fld id="{00A5D59F-6FC3-492C-BAE3-F50C9D1FBA31}" type="datetime1">
               <a:rPr lang="en-US" smtClean="0"/>
-              <a:t>1/11/2019</a:t>
+              <a:t>1/15/2019</a:t>
             </a:fld>
             <a:endParaRPr lang="en-US"/>
           </a:p>
@@ -4362,7 +4360,7 @@
           <a:p>
             <a:fld id="{CD78B45F-E474-4F2F-801A-58FC9FE22655}" type="datetime1">
               <a:rPr lang="en-US" smtClean="0"/>
-              <a:t>1/11/2019</a:t>
+              <a:t>1/15/2019</a:t>
             </a:fld>
             <a:endParaRPr lang="en-US"/>
           </a:p>
@@ -4636,7 +4634,7 @@
           <a:p>
             <a:fld id="{FDF35450-A835-4587-8F84-782057674F92}" type="datetime1">
               <a:rPr lang="en-US" smtClean="0"/>
-              <a:t>1/11/2019</a:t>
+              <a:t>1/15/2019</a:t>
             </a:fld>
             <a:endParaRPr lang="en-US"/>
           </a:p>
@@ -4930,7 +4928,7 @@
           <a:p>
             <a:fld id="{F6803E09-2A09-4EEA-8E99-292225B5EDFC}" type="datetime1">
               <a:rPr lang="en-US" smtClean="0"/>
-              <a:t>1/11/2019</a:t>
+              <a:t>1/15/2019</a:t>
             </a:fld>
             <a:endParaRPr lang="en-US"/>
           </a:p>
@@ -5645,10 +5643,10 @@
           <a:lstStyle/>
           <a:p>
             <a:r>
-              <a:rPr lang="es-ES" dirty="0" smtClean="0"/>
-              <a:t>Inferencia Bayesiana </a:t>
-            </a:r>
-            <a:endParaRPr lang="es-CL" noProof="0" dirty="0"/>
+              <a:rPr lang="es-419" noProof="0" dirty="0" smtClean="0"/>
+              <a:t>Construyendo modelos Bayesianos</a:t>
+            </a:r>
+            <a:endParaRPr lang="es-419" noProof="0" dirty="0"/>
           </a:p>
         </p:txBody>
       </p:sp>
@@ -5992,10 +5990,10 @@
           <a:lstStyle/>
           <a:p>
             <a:r>
-              <a:rPr lang="en-US" dirty="0" smtClean="0"/>
-              <a:t>Exercise</a:t>
-            </a:r>
-            <a:endParaRPr lang="en-US" dirty="0"/>
+              <a:rPr lang="es-419" dirty="0" smtClean="0"/>
+              <a:t>Ejemplo</a:t>
+            </a:r>
+            <a:endParaRPr lang="es-419" noProof="0" dirty="0"/>
           </a:p>
         </p:txBody>
       </p:sp>
@@ -6020,63 +6018,117 @@
           <a:lstStyle/>
           <a:p>
             <a:r>
-              <a:rPr lang="en-US" dirty="0" smtClean="0"/>
-              <a:t>Track 20 animals over a year, expect that between 10 and 20 will survive (S) (i.e., binomial likelihood)</a:t>
-            </a:r>
-          </a:p>
-          <a:p>
-            <a:r>
-              <a:rPr lang="en-US" dirty="0" smtClean="0"/>
-              <a:t>Let probability of survival = p =</a:t>
-            </a:r>
-            <a:r>
-              <a:rPr lang="en-US" dirty="0" err="1" smtClean="0"/>
+              <a:rPr lang="es-419" noProof="0" dirty="0" smtClean="0"/>
+              <a:t>Se marca 20 animales, y esperas que entre 10 y 20 vayan a sobrevivir </a:t>
+            </a:r>
+            <a:r>
+              <a:rPr lang="es-419" noProof="0" dirty="0" smtClean="0"/>
+              <a:t>(S) </a:t>
+            </a:r>
+            <a:r>
+              <a:rPr lang="es-419" noProof="0" dirty="0" smtClean="0"/>
+              <a:t>(i.e., binomial verosimilitud)</a:t>
+            </a:r>
+          </a:p>
+          <a:p>
+            <a:r>
+              <a:rPr lang="es-419" noProof="0" dirty="0" smtClean="0"/>
+              <a:t>La probabilidad de sobrevivencia =p</a:t>
+            </a:r>
+            <a:r>
+              <a:rPr lang="es-419" noProof="0" dirty="0" smtClean="0"/>
+              <a:t>=</a:t>
+            </a:r>
+            <a:r>
+              <a:rPr lang="es-419" noProof="0" dirty="0" err="1" smtClean="0"/>
               <a:t>ilogit</a:t>
             </a:r>
             <a:r>
-              <a:rPr lang="en-US" dirty="0" smtClean="0"/>
-              <a:t>(theta) </a:t>
-            </a:r>
-            <a:r>
-              <a:rPr lang="en-US" dirty="0"/>
-              <a:t>where </a:t>
-            </a:r>
-            <a:r>
-              <a:rPr lang="en-US" dirty="0" err="1"/>
+              <a:rPr lang="es-419" noProof="0" dirty="0" smtClean="0"/>
+              <a:t>(theta</a:t>
+            </a:r>
+            <a:r>
+              <a:rPr lang="es-419" noProof="0" dirty="0" smtClean="0"/>
+              <a:t>) </a:t>
+            </a:r>
+            <a:r>
+              <a:rPr lang="es-419" noProof="0" dirty="0" smtClean="0"/>
+              <a:t>donde </a:t>
+            </a:r>
+            <a:r>
+              <a:rPr lang="es-419" noProof="0" dirty="0" err="1" smtClean="0"/>
               <a:t>ilogit</a:t>
             </a:r>
             <a:r>
-              <a:rPr lang="en-US" dirty="0"/>
-              <a:t>=1/(1+exp(-x))</a:t>
-            </a:r>
-            <a:endParaRPr lang="en-US" dirty="0" smtClean="0"/>
-          </a:p>
-          <a:p>
-            <a:r>
-              <a:rPr lang="en-US" dirty="0" smtClean="0"/>
-              <a:t>Assume prior: </a:t>
-            </a:r>
-            <a:r>
-              <a:rPr lang="en-US" dirty="0" err="1" smtClean="0"/>
+              <a:rPr lang="es-419" noProof="0" dirty="0" smtClean="0"/>
+              <a:t>=1</a:t>
+            </a:r>
+            <a:r>
+              <a:rPr lang="es-419" noProof="0" dirty="0" smtClean="0"/>
+              <a:t>/(1+exp</a:t>
+            </a:r>
+            <a:r>
+              <a:rPr lang="es-419" noProof="0" dirty="0" smtClean="0"/>
+              <a:t>(-theta))</a:t>
+            </a:r>
+            <a:endParaRPr lang="es-419" noProof="0" dirty="0" smtClean="0"/>
+          </a:p>
+          <a:p>
+            <a:r>
+              <a:rPr lang="es-419" noProof="0" dirty="0" smtClean="0"/>
+              <a:t>Suponga que la prior es: </a:t>
+            </a:r>
+            <a:r>
+              <a:rPr lang="es-419" noProof="0" dirty="0" err="1" smtClean="0"/>
               <a:t>theta~N</a:t>
             </a:r>
             <a:r>
-              <a:rPr lang="en-US" dirty="0" smtClean="0"/>
+              <a:rPr lang="es-419" noProof="0" dirty="0" smtClean="0"/>
               <a:t>(0,100)</a:t>
             </a:r>
           </a:p>
           <a:p>
             <a:r>
-              <a:rPr lang="en-US" dirty="0" smtClean="0"/>
-              <a:t>Plot the implied prior on p and the prior predictive distribution for S</a:t>
-            </a:r>
-          </a:p>
-          <a:p>
-            <a:r>
-              <a:rPr lang="en-US" dirty="0" smtClean="0"/>
-              <a:t>Recalibrate theta to match our prior knowledge</a:t>
-            </a:r>
-            <a:endParaRPr lang="en-US" dirty="0"/>
+              <a:rPr lang="es-419" noProof="0" dirty="0" smtClean="0"/>
+              <a:t>En R: </a:t>
+            </a:r>
+            <a:r>
+              <a:rPr lang="es-419" noProof="0" dirty="0" err="1" smtClean="0"/>
+              <a:t>Plotea</a:t>
+            </a:r>
+            <a:r>
+              <a:rPr lang="es-419" noProof="0" dirty="0" smtClean="0"/>
+              <a:t> la prior implicada de p, y la </a:t>
+            </a:r>
+            <a:r>
+              <a:rPr lang="es-419" i="1" noProof="0" dirty="0" smtClean="0"/>
+              <a:t>prior </a:t>
+            </a:r>
+            <a:r>
+              <a:rPr lang="es-419" i="1" noProof="0" dirty="0" err="1" smtClean="0"/>
+              <a:t>predictive</a:t>
+            </a:r>
+            <a:r>
+              <a:rPr lang="es-419" i="1" noProof="0" dirty="0" smtClean="0"/>
+              <a:t> </a:t>
+            </a:r>
+            <a:r>
+              <a:rPr lang="es-419" i="1" noProof="0" dirty="0" err="1" smtClean="0"/>
+              <a:t>distribution</a:t>
+            </a:r>
+            <a:r>
+              <a:rPr lang="es-419" noProof="0" dirty="0" smtClean="0"/>
+              <a:t> </a:t>
+            </a:r>
+            <a:r>
+              <a:rPr lang="es-419" noProof="0" dirty="0" smtClean="0"/>
+              <a:t>de</a:t>
+            </a:r>
+            <a:r>
+              <a:rPr lang="es-419" noProof="0" dirty="0" smtClean="0"/>
+              <a:t> S</a:t>
+            </a:r>
+            <a:endParaRPr lang="es-419" noProof="0" dirty="0" smtClean="0"/>
           </a:p>
         </p:txBody>
       </p:sp>
@@ -6149,10 +6201,10 @@
           <a:lstStyle/>
           <a:p>
             <a:r>
-              <a:rPr lang="en-US" dirty="0" smtClean="0"/>
-              <a:t>Running the model</a:t>
-            </a:r>
-            <a:endParaRPr lang="en-US" dirty="0"/>
+              <a:rPr lang="es-419" dirty="0" smtClean="0"/>
+              <a:t>Ejemplo</a:t>
+            </a:r>
+            <a:endParaRPr lang="es-419" noProof="0" dirty="0"/>
           </a:p>
         </p:txBody>
       </p:sp>
@@ -6168,7 +6220,231 @@
         </p:nvSpPr>
         <p:spPr>
           <a:xfrm>
-            <a:off x="457200" y="3568149"/>
+            <a:off x="457200" y="954158"/>
+            <a:ext cx="8229600" cy="5176768"/>
+          </a:xfrm>
+        </p:spPr>
+        <p:txBody>
+          <a:bodyPr/>
+          <a:lstStyle/>
+          <a:p>
+            <a:r>
+              <a:rPr lang="es-419" noProof="0" dirty="0" smtClean="0"/>
+              <a:t>Se marca 20 animales, y esperas que entre 10 y 20 vayan a sobrevivir </a:t>
+            </a:r>
+            <a:r>
+              <a:rPr lang="es-419" noProof="0" dirty="0" smtClean="0"/>
+              <a:t>(=S) </a:t>
+            </a:r>
+          </a:p>
+          <a:p>
+            <a:r>
+              <a:rPr lang="es-419" dirty="0" smtClean="0"/>
+              <a:t>Es una </a:t>
+            </a:r>
+            <a:r>
+              <a:rPr lang="es-419" noProof="0" dirty="0" smtClean="0"/>
+              <a:t>binomial verosimilitud</a:t>
+            </a:r>
+            <a:endParaRPr lang="es-419" noProof="0" dirty="0" smtClean="0"/>
+          </a:p>
+          <a:p>
+            <a:r>
+              <a:rPr lang="es-419" noProof="0" dirty="0" smtClean="0"/>
+              <a:t>La probabilidad de sobrevivencia =p</a:t>
+            </a:r>
+            <a:r>
+              <a:rPr lang="es-419" noProof="0" dirty="0" smtClean="0"/>
+              <a:t>=</a:t>
+            </a:r>
+            <a:r>
+              <a:rPr lang="es-419" noProof="0" dirty="0" err="1" smtClean="0"/>
+              <a:t>ilogit</a:t>
+            </a:r>
+            <a:r>
+              <a:rPr lang="es-419" noProof="0" dirty="0" smtClean="0"/>
+              <a:t>(theta</a:t>
+            </a:r>
+            <a:r>
+              <a:rPr lang="es-419" noProof="0" dirty="0" smtClean="0"/>
+              <a:t>) </a:t>
+            </a:r>
+            <a:r>
+              <a:rPr lang="es-419" noProof="0" dirty="0" smtClean="0"/>
+              <a:t>donde </a:t>
+            </a:r>
+            <a:r>
+              <a:rPr lang="es-419" noProof="0" dirty="0" err="1" smtClean="0"/>
+              <a:t>ilogit</a:t>
+            </a:r>
+            <a:r>
+              <a:rPr lang="es-419" noProof="0" dirty="0" smtClean="0"/>
+              <a:t>=1</a:t>
+            </a:r>
+            <a:r>
+              <a:rPr lang="es-419" noProof="0" dirty="0" smtClean="0"/>
+              <a:t>/(1+exp</a:t>
+            </a:r>
+            <a:r>
+              <a:rPr lang="es-419" noProof="0" dirty="0" smtClean="0"/>
+              <a:t>(-theta))</a:t>
+            </a:r>
+            <a:endParaRPr lang="es-419" noProof="0" dirty="0" smtClean="0"/>
+          </a:p>
+          <a:p>
+            <a:r>
+              <a:rPr lang="es-419" noProof="0" dirty="0" smtClean="0"/>
+              <a:t>Suponga que la prior es: </a:t>
+            </a:r>
+            <a:r>
+              <a:rPr lang="es-419" noProof="0" dirty="0" err="1" smtClean="0"/>
+              <a:t>theta~N</a:t>
+            </a:r>
+            <a:r>
+              <a:rPr lang="es-419" noProof="0" dirty="0" smtClean="0"/>
+              <a:t>(0,100)</a:t>
+            </a:r>
+          </a:p>
+          <a:p>
+            <a:r>
+              <a:rPr lang="es-419" noProof="0" dirty="0" smtClean="0"/>
+              <a:t>En R: </a:t>
+            </a:r>
+            <a:r>
+              <a:rPr lang="es-419" noProof="0" dirty="0" err="1" smtClean="0"/>
+              <a:t>Plotea</a:t>
+            </a:r>
+            <a:r>
+              <a:rPr lang="es-419" noProof="0" dirty="0" smtClean="0"/>
+              <a:t> la prior implicada de p, y la </a:t>
+            </a:r>
+            <a:r>
+              <a:rPr lang="es-419" i="1" noProof="0" dirty="0" smtClean="0"/>
+              <a:t>prior </a:t>
+            </a:r>
+            <a:r>
+              <a:rPr lang="es-419" i="1" noProof="0" dirty="0" err="1" smtClean="0"/>
+              <a:t>predictive</a:t>
+            </a:r>
+            <a:r>
+              <a:rPr lang="es-419" i="1" noProof="0" dirty="0" smtClean="0"/>
+              <a:t> </a:t>
+            </a:r>
+            <a:r>
+              <a:rPr lang="es-419" i="1" noProof="0" dirty="0" err="1" smtClean="0"/>
+              <a:t>distribution</a:t>
+            </a:r>
+            <a:r>
+              <a:rPr lang="es-419" noProof="0" dirty="0" smtClean="0"/>
+              <a:t> </a:t>
+            </a:r>
+            <a:r>
+              <a:rPr lang="es-419" noProof="0" dirty="0" smtClean="0"/>
+              <a:t>de</a:t>
+            </a:r>
+            <a:r>
+              <a:rPr lang="es-419" noProof="0" dirty="0" smtClean="0"/>
+              <a:t> S</a:t>
+            </a:r>
+          </a:p>
+          <a:p>
+            <a:r>
+              <a:rPr lang="es-419" dirty="0" smtClean="0"/>
+              <a:t>Por lo menos N(1, 0.5) es una mejor prior</a:t>
+            </a:r>
+            <a:endParaRPr lang="es-419" noProof="0" dirty="0" smtClean="0"/>
+          </a:p>
+        </p:txBody>
+      </p:sp>
+      <p:sp>
+        <p:nvSpPr>
+          <p:cNvPr id="4" name="Slide Number Placeholder 3"/>
+          <p:cNvSpPr>
+            <a:spLocks noGrp="1"/>
+          </p:cNvSpPr>
+          <p:nvPr>
+            <p:ph type="sldNum" sz="quarter" idx="12"/>
+          </p:nvPr>
+        </p:nvSpPr>
+        <p:spPr/>
+        <p:txBody>
+          <a:bodyPr/>
+          <a:lstStyle/>
+          <a:p>
+            <a:fld id="{A90099C9-4CB8-9A40-B745-9AB270505907}" type="slidenum">
+              <a:rPr lang="en-US" smtClean="0"/>
+              <a:t>11</a:t>
+            </a:fld>
+            <a:endParaRPr lang="en-US"/>
+          </a:p>
+        </p:txBody>
+      </p:sp>
+    </p:spTree>
+    <p:extLst>
+      <p:ext uri="{BB962C8B-B14F-4D97-AF65-F5344CB8AC3E}">
+        <p14:creationId xmlns:p14="http://schemas.microsoft.com/office/powerpoint/2010/main" val="820303049"/>
+      </p:ext>
+    </p:extLst>
+  </p:cSld>
+  <p:clrMapOvr>
+    <a:masterClrMapping/>
+  </p:clrMapOvr>
+</p:sld>
+</file>
+
+<file path=ppt/slides/slide12.xml><?xml version="1.0" encoding="utf-8"?>
+<p:sld xmlns:a="http://schemas.openxmlformats.org/drawingml/2006/main" xmlns:r="http://schemas.openxmlformats.org/officeDocument/2006/relationships" xmlns:p="http://schemas.openxmlformats.org/presentationml/2006/main">
+  <p:cSld>
+    <p:spTree>
+      <p:nvGrpSpPr>
+        <p:cNvPr id="1" name=""/>
+        <p:cNvGrpSpPr/>
+        <p:nvPr/>
+      </p:nvGrpSpPr>
+      <p:grpSpPr>
+        <a:xfrm>
+          <a:off x="0" y="0"/>
+          <a:ext cx="0" cy="0"/>
+          <a:chOff x="0" y="0"/>
+          <a:chExt cx="0" cy="0"/>
+        </a:xfrm>
+      </p:grpSpPr>
+      <p:sp>
+        <p:nvSpPr>
+          <p:cNvPr id="2" name="Title 1"/>
+          <p:cNvSpPr>
+            <a:spLocks noGrp="1"/>
+          </p:cNvSpPr>
+          <p:nvPr>
+            <p:ph type="title"/>
+          </p:nvPr>
+        </p:nvSpPr>
+        <p:spPr/>
+        <p:txBody>
+          <a:bodyPr/>
+          <a:lstStyle/>
+          <a:p>
+            <a:r>
+              <a:rPr lang="es-419" noProof="0" dirty="0" smtClean="0"/>
+              <a:t>Ejemplo</a:t>
+            </a:r>
+            <a:endParaRPr lang="es-419" noProof="0" dirty="0"/>
+          </a:p>
+        </p:txBody>
+      </p:sp>
+      <p:sp>
+        <p:nvSpPr>
+          <p:cNvPr id="3" name="Content Placeholder 2"/>
+          <p:cNvSpPr>
+            <a:spLocks noGrp="1"/>
+          </p:cNvSpPr>
+          <p:nvPr>
+            <p:ph idx="1"/>
+          </p:nvPr>
+        </p:nvSpPr>
+        <p:spPr>
+          <a:xfrm>
+            <a:off x="457200" y="3471478"/>
             <a:ext cx="8229600" cy="2474842"/>
           </a:xfrm>
         </p:spPr>
@@ -6180,18 +6456,18 @@
               <a:buNone/>
             </a:pPr>
             <a:r>
-              <a:rPr lang="en-US" sz="2000" dirty="0" smtClean="0">
+              <a:rPr lang="es-419" sz="2400" noProof="0" dirty="0" err="1" smtClean="0">
                 <a:latin typeface="Courier New" panose="02070309020205020404" pitchFamily="49" charset="0"/>
                 <a:cs typeface="Courier New" panose="02070309020205020404" pitchFamily="49" charset="0"/>
               </a:rPr>
-              <a:t>model </a:t>
-            </a:r>
-            <a:r>
-              <a:rPr lang="en-US" sz="2000" dirty="0">
+              <a:t>model</a:t>
+            </a:r>
+            <a:r>
+              <a:rPr lang="es-419" sz="2400" noProof="0" dirty="0" smtClean="0">
                 <a:latin typeface="Courier New" panose="02070309020205020404" pitchFamily="49" charset="0"/>
                 <a:cs typeface="Courier New" panose="02070309020205020404" pitchFamily="49" charset="0"/>
               </a:rPr>
-              <a:t>{</a:t>
+              <a:t> {</a:t>
             </a:r>
           </a:p>
           <a:p>
@@ -6199,20 +6475,53 @@
               <a:buNone/>
             </a:pPr>
             <a:r>
-              <a:rPr lang="en-US" sz="2000" dirty="0">
+              <a:rPr lang="es-419" sz="2400" noProof="0" dirty="0" smtClean="0">
+                <a:latin typeface="Courier New" panose="02070309020205020404" pitchFamily="49" charset="0"/>
+                <a:cs typeface="Courier New" panose="02070309020205020404" pitchFamily="49" charset="0"/>
+              </a:rPr>
+              <a:t>  # Prior</a:t>
+            </a:r>
+          </a:p>
+          <a:p>
+            <a:pPr marL="0" indent="0">
+              <a:buNone/>
+            </a:pPr>
+            <a:r>
+              <a:rPr lang="es-419" sz="2400" noProof="0" dirty="0" smtClean="0">
                 <a:latin typeface="Courier New" panose="02070309020205020404" pitchFamily="49" charset="0"/>
                 <a:cs typeface="Courier New" panose="02070309020205020404" pitchFamily="49" charset="0"/>
               </a:rPr>
               <a:t>  </a:t>
             </a:r>
             <a:r>
-              <a:rPr lang="en-US" sz="2000" dirty="0" smtClean="0">
+              <a:rPr lang="es-419" sz="2400" noProof="0" dirty="0" err="1" smtClean="0">
                 <a:latin typeface="Courier New" panose="02070309020205020404" pitchFamily="49" charset="0"/>
                 <a:cs typeface="Courier New" panose="02070309020205020404" pitchFamily="49" charset="0"/>
               </a:rPr>
-              <a:t># Prior</a:t>
-            </a:r>
-            <a:endParaRPr lang="en-US" sz="2000" dirty="0">
+              <a:t>theta~dnorm</a:t>
+            </a:r>
+            <a:r>
+              <a:rPr lang="es-419" sz="2400" noProof="0" dirty="0" smtClean="0">
+                <a:latin typeface="Courier New" panose="02070309020205020404" pitchFamily="49" charset="0"/>
+                <a:cs typeface="Courier New" panose="02070309020205020404" pitchFamily="49" charset="0"/>
+              </a:rPr>
+              <a:t>(mu, </a:t>
+            </a:r>
+            <a:r>
+              <a:rPr lang="es-419" sz="2400" noProof="0" dirty="0" smtClean="0">
+                <a:latin typeface="Courier New" panose="02070309020205020404" pitchFamily="49" charset="0"/>
+                <a:cs typeface="Courier New" panose="02070309020205020404" pitchFamily="49" charset="0"/>
+              </a:rPr>
+              <a:t>1</a:t>
+            </a:r>
+            <a:r>
+              <a:rPr lang="es-419" sz="2400" noProof="0" dirty="0" smtClean="0">
+                <a:latin typeface="Courier New" panose="02070309020205020404" pitchFamily="49" charset="0"/>
+                <a:cs typeface="Courier New" panose="02070309020205020404" pitchFamily="49" charset="0"/>
+              </a:rPr>
+              <a:t>/(sigma*sigma))</a:t>
+            </a:r>
+            <a:endParaRPr lang="es-419" sz="2400" noProof="0" dirty="0" smtClean="0">
               <a:latin typeface="Courier New" panose="02070309020205020404" pitchFamily="49" charset="0"/>
               <a:cs typeface="Courier New" panose="02070309020205020404" pitchFamily="49" charset="0"/>
             </a:endParaRPr>
@@ -6222,25 +6531,25 @@
               <a:buNone/>
             </a:pPr>
             <a:r>
-              <a:rPr lang="en-US" sz="2000" dirty="0">
+              <a:rPr lang="es-419" sz="2400" noProof="0" dirty="0" smtClean="0">
                 <a:latin typeface="Courier New" panose="02070309020205020404" pitchFamily="49" charset="0"/>
                 <a:cs typeface="Courier New" panose="02070309020205020404" pitchFamily="49" charset="0"/>
               </a:rPr>
               <a:t>  </a:t>
             </a:r>
             <a:r>
-              <a:rPr lang="en-US" sz="2000" dirty="0" err="1">
+              <a:rPr lang="es-419" sz="2400" noProof="0" dirty="0" err="1" smtClean="0">
                 <a:latin typeface="Courier New" panose="02070309020205020404" pitchFamily="49" charset="0"/>
                 <a:cs typeface="Courier New" panose="02070309020205020404" pitchFamily="49" charset="0"/>
               </a:rPr>
-              <a:t>theta~dnorm</a:t>
-            </a:r>
-            <a:r>
-              <a:rPr lang="en-US" sz="2000" dirty="0">
+              <a:t>logit</a:t>
+            </a:r>
+            <a:r>
+              <a:rPr lang="es-419" sz="2400" noProof="0" dirty="0" smtClean="0">
                 <a:latin typeface="Courier New" panose="02070309020205020404" pitchFamily="49" charset="0"/>
                 <a:cs typeface="Courier New" panose="02070309020205020404" pitchFamily="49" charset="0"/>
               </a:rPr>
-              <a:t>(1, 1/(.5*.5))</a:t>
+              <a:t>(p) &lt;- theta</a:t>
             </a:r>
           </a:p>
           <a:p>
@@ -6248,73 +6557,65 @@
               <a:buNone/>
             </a:pPr>
             <a:r>
-              <a:rPr lang="en-US" sz="2000" dirty="0">
+              <a:rPr lang="es-419" sz="2400" noProof="0" dirty="0" smtClean="0">
                 <a:latin typeface="Courier New" panose="02070309020205020404" pitchFamily="49" charset="0"/>
                 <a:cs typeface="Courier New" panose="02070309020205020404" pitchFamily="49" charset="0"/>
               </a:rPr>
-              <a:t>  logit(p) &lt;- theta</a:t>
-            </a:r>
+              <a:t>  # </a:t>
+            </a:r>
+            <a:r>
+              <a:rPr lang="es-419" sz="2400" noProof="0" dirty="0" err="1" smtClean="0">
+                <a:latin typeface="Courier New" panose="02070309020205020404" pitchFamily="49" charset="0"/>
+                <a:cs typeface="Courier New" panose="02070309020205020404" pitchFamily="49" charset="0"/>
+              </a:rPr>
+              <a:t>likelihood</a:t>
+            </a:r>
+            <a:endParaRPr lang="es-419" sz="2400" noProof="0" dirty="0" smtClean="0">
+              <a:latin typeface="Courier New" panose="02070309020205020404" pitchFamily="49" charset="0"/>
+              <a:cs typeface="Courier New" panose="02070309020205020404" pitchFamily="49" charset="0"/>
+            </a:endParaRPr>
           </a:p>
           <a:p>
             <a:pPr marL="0" indent="0">
               <a:buNone/>
             </a:pPr>
             <a:r>
-              <a:rPr lang="en-US" sz="2000" dirty="0">
-                <a:latin typeface="Courier New" panose="02070309020205020404" pitchFamily="49" charset="0"/>
-                <a:cs typeface="Courier New" panose="02070309020205020404" pitchFamily="49" charset="0"/>
-              </a:rPr>
-              <a:t>  # likelihood</a:t>
-            </a:r>
-          </a:p>
-          <a:p>
-            <a:pPr marL="0" indent="0">
-              <a:buNone/>
-            </a:pPr>
-            <a:r>
-              <a:rPr lang="en-US" sz="2000" dirty="0">
+              <a:rPr lang="es-419" sz="2400" noProof="0" dirty="0" smtClean="0">
                 <a:latin typeface="Courier New" panose="02070309020205020404" pitchFamily="49" charset="0"/>
                 <a:cs typeface="Courier New" panose="02070309020205020404" pitchFamily="49" charset="0"/>
               </a:rPr>
               <a:t>  y ~ </a:t>
             </a:r>
             <a:r>
-              <a:rPr lang="en-US" sz="2000" dirty="0" err="1">
+              <a:rPr lang="es-419" sz="2400" noProof="0" dirty="0" err="1" smtClean="0">
                 <a:latin typeface="Courier New" panose="02070309020205020404" pitchFamily="49" charset="0"/>
                 <a:cs typeface="Courier New" panose="02070309020205020404" pitchFamily="49" charset="0"/>
               </a:rPr>
               <a:t>dbin</a:t>
             </a:r>
             <a:r>
-              <a:rPr lang="en-US" sz="2000" dirty="0">
+              <a:rPr lang="es-419" sz="2400" noProof="0" dirty="0" smtClean="0">
                 <a:latin typeface="Courier New" panose="02070309020205020404" pitchFamily="49" charset="0"/>
                 <a:cs typeface="Courier New" panose="02070309020205020404" pitchFamily="49" charset="0"/>
               </a:rPr>
-              <a:t>(p, </a:t>
-            </a:r>
-            <a:r>
-              <a:rPr lang="en-US" sz="2000" dirty="0" smtClean="0">
-                <a:latin typeface="Courier New" panose="02070309020205020404" pitchFamily="49" charset="0"/>
-                <a:cs typeface="Courier New" panose="02070309020205020404" pitchFamily="49" charset="0"/>
-              </a:rPr>
-              <a:t>N)</a:t>
-            </a:r>
-            <a:endParaRPr lang="en-US" sz="2000" dirty="0">
-              <a:latin typeface="Courier New" panose="02070309020205020404" pitchFamily="49" charset="0"/>
-              <a:cs typeface="Courier New" panose="02070309020205020404" pitchFamily="49" charset="0"/>
-            </a:endParaRPr>
+              <a:t>(p, N)</a:t>
+            </a:r>
           </a:p>
           <a:p>
             <a:pPr marL="0" indent="0">
               <a:buNone/>
             </a:pPr>
             <a:r>
-              <a:rPr lang="en-US" sz="2000" dirty="0">
+              <a:rPr lang="es-419" sz="2400" noProof="0" dirty="0" smtClean="0">
                 <a:latin typeface="Courier New" panose="02070309020205020404" pitchFamily="49" charset="0"/>
                 <a:cs typeface="Courier New" panose="02070309020205020404" pitchFamily="49" charset="0"/>
               </a:rPr>
               <a:t>}</a:t>
             </a:r>
+            <a:endParaRPr lang="es-419" sz="2400" noProof="0" dirty="0">
+              <a:latin typeface="Courier New" panose="02070309020205020404" pitchFamily="49" charset="0"/>
+              <a:cs typeface="Courier New" panose="02070309020205020404" pitchFamily="49" charset="0"/>
+            </a:endParaRPr>
           </a:p>
         </p:txBody>
       </p:sp>
@@ -6335,7 +6636,7 @@
           <a:p>
             <a:fld id="{A90099C9-4CB8-9A40-B745-9AB270505907}" type="slidenum">
               <a:rPr lang="en-US" smtClean="0"/>
-              <a:t>11</a:t>
+              <a:t>12</a:t>
             </a:fld>
             <a:endParaRPr lang="en-US"/>
           </a:p>
@@ -6581,24 +6882,25 @@
           <a:p>
             <a:pPr defTabSz="914400"/>
             <a:r>
-              <a:rPr lang="en-US" kern="0" dirty="0" smtClean="0"/>
-              <a:t>Once happy with the model, introduce the data and fit it (draw samples)</a:t>
+              <a:rPr lang="es-419" kern="0" noProof="1" smtClean="0"/>
+              <a:t>Entonces introduce los datos al modelo y adjusta con JAGS</a:t>
             </a:r>
           </a:p>
           <a:p>
             <a:pPr defTabSz="914400"/>
             <a:r>
-              <a:rPr lang="en-US" kern="0" dirty="0" smtClean="0"/>
-              <a:t>We check for signs of non-convergence</a:t>
-            </a:r>
-          </a:p>
-          <a:p>
-            <a:pPr defTabSz="914400"/>
-            <a:r>
-              <a:rPr lang="en-US" kern="0" dirty="0" smtClean="0"/>
-              <a:t>[Demo in R]</a:t>
-            </a:r>
-            <a:endParaRPr lang="en-US" sz="2000" kern="0" dirty="0">
+              <a:rPr lang="es-419" kern="0" noProof="1" smtClean="0"/>
+              <a:t>Chequea </a:t>
+            </a:r>
+            <a:r>
+              <a:rPr lang="es-419" kern="0" noProof="1" smtClean="0"/>
+              <a:t>por senals de no hay convergencia [</a:t>
+            </a:r>
+            <a:r>
+              <a:rPr lang="es-419" kern="0" noProof="1" smtClean="0"/>
+              <a:t>Demo in R]</a:t>
+            </a:r>
+            <a:endParaRPr lang="es-419" sz="2000" kern="0" noProof="1">
               <a:latin typeface="Courier New" panose="02070309020205020404" pitchFamily="49" charset="0"/>
               <a:cs typeface="Courier New" panose="02070309020205020404" pitchFamily="49" charset="0"/>
             </a:endParaRPr>
@@ -6609,154 +6911,6 @@
     <p:extLst>
       <p:ext uri="{BB962C8B-B14F-4D97-AF65-F5344CB8AC3E}">
         <p14:creationId xmlns:p14="http://schemas.microsoft.com/office/powerpoint/2010/main" val="215962344"/>
-      </p:ext>
-    </p:extLst>
-  </p:cSld>
-  <p:clrMapOvr>
-    <a:masterClrMapping/>
-  </p:clrMapOvr>
-</p:sld>
-</file>
-
-<file path=ppt/slides/slide12.xml><?xml version="1.0" encoding="utf-8"?>
-<p:sld xmlns:a="http://schemas.openxmlformats.org/drawingml/2006/main" xmlns:r="http://schemas.openxmlformats.org/officeDocument/2006/relationships" xmlns:p="http://schemas.openxmlformats.org/presentationml/2006/main">
-  <p:cSld>
-    <p:spTree>
-      <p:nvGrpSpPr>
-        <p:cNvPr id="1" name=""/>
-        <p:cNvGrpSpPr/>
-        <p:nvPr/>
-      </p:nvGrpSpPr>
-      <p:grpSpPr>
-        <a:xfrm>
-          <a:off x="0" y="0"/>
-          <a:ext cx="0" cy="0"/>
-          <a:chOff x="0" y="0"/>
-          <a:chExt cx="0" cy="0"/>
-        </a:xfrm>
-      </p:grpSpPr>
-      <p:sp>
-        <p:nvSpPr>
-          <p:cNvPr id="2" name="Title 1"/>
-          <p:cNvSpPr>
-            <a:spLocks noGrp="1"/>
-          </p:cNvSpPr>
-          <p:nvPr>
-            <p:ph type="title"/>
-          </p:nvPr>
-        </p:nvSpPr>
-        <p:spPr/>
-        <p:txBody>
-          <a:bodyPr/>
-          <a:lstStyle/>
-          <a:p>
-            <a:r>
-              <a:rPr lang="en-US" dirty="0" smtClean="0"/>
-              <a:t>Exercise</a:t>
-            </a:r>
-            <a:endParaRPr lang="en-US" dirty="0"/>
-          </a:p>
-        </p:txBody>
-      </p:sp>
-      <p:sp>
-        <p:nvSpPr>
-          <p:cNvPr id="3" name="Content Placeholder 2"/>
-          <p:cNvSpPr>
-            <a:spLocks noGrp="1"/>
-          </p:cNvSpPr>
-          <p:nvPr>
-            <p:ph idx="1"/>
-          </p:nvPr>
-        </p:nvSpPr>
-        <p:spPr/>
-        <p:txBody>
-          <a:bodyPr/>
-          <a:lstStyle/>
-          <a:p>
-            <a:r>
-              <a:rPr lang="en-US" dirty="0" smtClean="0"/>
-              <a:t>Update model and R code to accept 3 individual replicates of the experiment</a:t>
-            </a:r>
-          </a:p>
-          <a:p>
-            <a:pPr marL="0" indent="0">
-              <a:buNone/>
-            </a:pPr>
-            <a:r>
-              <a:rPr lang="pt-BR" sz="2400" dirty="0">
-                <a:latin typeface="Courier New" panose="02070309020205020404" pitchFamily="49" charset="0"/>
-                <a:cs typeface="Courier New" panose="02070309020205020404" pitchFamily="49" charset="0"/>
-              </a:rPr>
-              <a:t>dat2 &lt;- list(y=c(15, 12, 11), N=c(20,20,20), R=3)</a:t>
-            </a:r>
-          </a:p>
-          <a:p>
-            <a:pPr marL="0" indent="0">
-              <a:buNone/>
-            </a:pPr>
-            <a:r>
-              <a:rPr lang="pt-BR" sz="2400" dirty="0" smtClean="0">
-                <a:latin typeface="Courier New" panose="02070309020205020404" pitchFamily="49" charset="0"/>
-                <a:cs typeface="Courier New" panose="02070309020205020404" pitchFamily="49" charset="0"/>
-              </a:rPr>
-              <a:t>dat3 </a:t>
-            </a:r>
-            <a:r>
-              <a:rPr lang="pt-BR" sz="2400" dirty="0">
-                <a:latin typeface="Courier New" panose="02070309020205020404" pitchFamily="49" charset="0"/>
-                <a:cs typeface="Courier New" panose="02070309020205020404" pitchFamily="49" charset="0"/>
-              </a:rPr>
-              <a:t>&lt;- list(y=c(15, 12, 11, 12, 4, 15, 17, 12, 16, 14),</a:t>
-            </a:r>
-          </a:p>
-          <a:p>
-            <a:pPr marL="0" indent="0">
-              <a:buNone/>
-            </a:pPr>
-            <a:r>
-              <a:rPr lang="pt-BR" sz="2400" dirty="0">
-                <a:latin typeface="Courier New" panose="02070309020205020404" pitchFamily="49" charset="0"/>
-                <a:cs typeface="Courier New" panose="02070309020205020404" pitchFamily="49" charset="0"/>
-              </a:rPr>
-              <a:t>             N=rep(20, 10), R=10)</a:t>
-            </a:r>
-          </a:p>
-          <a:p>
-            <a:r>
-              <a:rPr lang="en-US" dirty="0" smtClean="0"/>
-              <a:t>Then repeat with data set 3. Plot priors vs posterior for theta.</a:t>
-            </a:r>
-            <a:endParaRPr lang="en-US" dirty="0"/>
-          </a:p>
-        </p:txBody>
-      </p:sp>
-      <p:sp>
-        <p:nvSpPr>
-          <p:cNvPr id="4" name="Slide Number Placeholder 3"/>
-          <p:cNvSpPr>
-            <a:spLocks noGrp="1"/>
-          </p:cNvSpPr>
-          <p:nvPr>
-            <p:ph type="sldNum" sz="quarter" idx="12"/>
-          </p:nvPr>
-        </p:nvSpPr>
-        <p:spPr/>
-        <p:txBody>
-          <a:bodyPr/>
-          <a:lstStyle/>
-          <a:p>
-            <a:fld id="{A90099C9-4CB8-9A40-B745-9AB270505907}" type="slidenum">
-              <a:rPr lang="en-US" smtClean="0"/>
-              <a:t>12</a:t>
-            </a:fld>
-            <a:endParaRPr lang="en-US"/>
-          </a:p>
-        </p:txBody>
-      </p:sp>
-    </p:spTree>
-    <p:extLst>
-      <p:ext uri="{BB962C8B-B14F-4D97-AF65-F5344CB8AC3E}">
-        <p14:creationId xmlns:p14="http://schemas.microsoft.com/office/powerpoint/2010/main" val="4009323578"/>
       </p:ext>
     </p:extLst>
   </p:cSld>
@@ -6799,10 +6953,10 @@
           <a:lstStyle/>
           <a:p>
             <a:r>
-              <a:rPr lang="en-US" dirty="0" smtClean="0"/>
-              <a:t>Checking the model</a:t>
-            </a:r>
-            <a:endParaRPr lang="en-US" dirty="0"/>
+              <a:rPr lang="es-419" noProof="0" dirty="0" smtClean="0"/>
+              <a:t>Ejercicio </a:t>
+            </a:r>
+            <a:endParaRPr lang="es-419" noProof="0" dirty="0"/>
           </a:p>
         </p:txBody>
       </p:sp>
@@ -6816,46 +6970,134 @@
             <p:ph idx="1"/>
           </p:nvPr>
         </p:nvSpPr>
-        <p:spPr/>
+        <p:spPr>
+          <a:xfrm>
+            <a:off x="457200" y="1002890"/>
+            <a:ext cx="8229600" cy="5128035"/>
+          </a:xfrm>
+        </p:spPr>
         <p:txBody>
           <a:bodyPr/>
           <a:lstStyle/>
           <a:p>
             <a:r>
-              <a:rPr lang="en-US" dirty="0" err="1" smtClean="0"/>
-              <a:t>Rember</a:t>
-            </a:r>
-            <a:r>
-              <a:rPr lang="en-US" dirty="0" smtClean="0"/>
-              <a:t> that MCMC is a method for fitting (drawing samples)</a:t>
-            </a:r>
-          </a:p>
-          <a:p>
-            <a:r>
-              <a:rPr lang="en-US" dirty="0" smtClean="0"/>
-              <a:t>Convergence does not mean the model fits well</a:t>
-            </a:r>
-          </a:p>
-          <a:p>
-            <a:r>
-              <a:rPr lang="en-US" dirty="0" smtClean="0"/>
-              <a:t>So how do we tell if our model is appropriate for the data?</a:t>
-            </a:r>
-          </a:p>
-          <a:p>
-            <a:r>
-              <a:rPr lang="en-US" dirty="0" smtClean="0"/>
-              <a:t>One common way is a </a:t>
-            </a:r>
-            <a:r>
-              <a:rPr lang="en-US" i="1" dirty="0" smtClean="0"/>
-              <a:t>posterior predictive distribution</a:t>
-            </a:r>
-            <a:r>
-              <a:rPr lang="en-US" dirty="0" smtClean="0"/>
-              <a:t>.</a:t>
-            </a:r>
-            <a:endParaRPr lang="en-US" dirty="0"/>
+              <a:rPr lang="es-419" noProof="0" dirty="0" smtClean="0"/>
+              <a:t>Actualiza el modelo JAGS (logistic2.jags) y código de R para usar datos de tres sitios independientes</a:t>
+            </a:r>
+            <a:endParaRPr lang="es-419" noProof="0" dirty="0" smtClean="0"/>
+          </a:p>
+          <a:p>
+            <a:pPr marL="0" indent="0">
+              <a:buNone/>
+            </a:pPr>
+            <a:r>
+              <a:rPr lang="es-419" sz="2400" noProof="0" dirty="0" smtClean="0">
+                <a:latin typeface="Courier New" panose="02070309020205020404" pitchFamily="49" charset="0"/>
+                <a:cs typeface="Courier New" panose="02070309020205020404" pitchFamily="49" charset="0"/>
+              </a:rPr>
+              <a:t>dat2 </a:t>
+            </a:r>
+            <a:r>
+              <a:rPr lang="es-419" sz="2400" noProof="0" dirty="0" smtClean="0">
+                <a:latin typeface="Courier New" panose="02070309020205020404" pitchFamily="49" charset="0"/>
+                <a:cs typeface="Courier New" panose="02070309020205020404" pitchFamily="49" charset="0"/>
+              </a:rPr>
+              <a:t>&lt;- </a:t>
+            </a:r>
+            <a:r>
+              <a:rPr lang="es-419" sz="2400" noProof="0" dirty="0" err="1" smtClean="0">
+                <a:latin typeface="Courier New" panose="02070309020205020404" pitchFamily="49" charset="0"/>
+                <a:cs typeface="Courier New" panose="02070309020205020404" pitchFamily="49" charset="0"/>
+              </a:rPr>
+              <a:t>list</a:t>
+            </a:r>
+            <a:r>
+              <a:rPr lang="es-419" sz="2400" noProof="0" dirty="0" smtClean="0">
+                <a:latin typeface="Courier New" panose="02070309020205020404" pitchFamily="49" charset="0"/>
+                <a:cs typeface="Courier New" panose="02070309020205020404" pitchFamily="49" charset="0"/>
+              </a:rPr>
+              <a:t>(y=c(15, 12, 11, 12, 4, 15, 17, </a:t>
+            </a:r>
+            <a:r>
+              <a:rPr lang="es-419" sz="2400" noProof="0" dirty="0" smtClean="0">
+                <a:latin typeface="Courier New" panose="02070309020205020404" pitchFamily="49" charset="0"/>
+                <a:cs typeface="Courier New" panose="02070309020205020404" pitchFamily="49" charset="0"/>
+              </a:rPr>
+              <a:t>1	 2</a:t>
+            </a:r>
+            <a:r>
+              <a:rPr lang="es-419" sz="2400" noProof="0" dirty="0" smtClean="0">
+                <a:latin typeface="Courier New" panose="02070309020205020404" pitchFamily="49" charset="0"/>
+                <a:cs typeface="Courier New" panose="02070309020205020404" pitchFamily="49" charset="0"/>
+              </a:rPr>
+              <a:t>, 16, 14),</a:t>
+            </a:r>
+          </a:p>
+          <a:p>
+            <a:pPr marL="0" indent="0">
+              <a:buNone/>
+            </a:pPr>
+            <a:r>
+              <a:rPr lang="es-419" sz="2400" noProof="0" dirty="0" smtClean="0">
+                <a:latin typeface="Courier New" panose="02070309020205020404" pitchFamily="49" charset="0"/>
+                <a:cs typeface="Courier New" panose="02070309020205020404" pitchFamily="49" charset="0"/>
+              </a:rPr>
+              <a:t>             N=</a:t>
+            </a:r>
+            <a:r>
+              <a:rPr lang="es-419" sz="2400" noProof="0" dirty="0" err="1" smtClean="0">
+                <a:latin typeface="Courier New" panose="02070309020205020404" pitchFamily="49" charset="0"/>
+                <a:cs typeface="Courier New" panose="02070309020205020404" pitchFamily="49" charset="0"/>
+              </a:rPr>
+              <a:t>rep</a:t>
+            </a:r>
+            <a:r>
+              <a:rPr lang="es-419" sz="2400" noProof="0" dirty="0" smtClean="0">
+                <a:latin typeface="Courier New" panose="02070309020205020404" pitchFamily="49" charset="0"/>
+                <a:cs typeface="Courier New" panose="02070309020205020404" pitchFamily="49" charset="0"/>
+              </a:rPr>
+              <a:t>(20, 10), </a:t>
+            </a:r>
+            <a:r>
+              <a:rPr lang="es-419" sz="2400" noProof="0" dirty="0" smtClean="0">
+                <a:latin typeface="Courier New" panose="02070309020205020404" pitchFamily="49" charset="0"/>
+                <a:cs typeface="Courier New" panose="02070309020205020404" pitchFamily="49" charset="0"/>
+              </a:rPr>
+              <a:t>R=10, mu=1, sigma=0.5)</a:t>
+            </a:r>
+            <a:endParaRPr lang="es-419" sz="2400" noProof="0" dirty="0" smtClean="0">
+              <a:latin typeface="Courier New" panose="02070309020205020404" pitchFamily="49" charset="0"/>
+              <a:cs typeface="Courier New" panose="02070309020205020404" pitchFamily="49" charset="0"/>
+            </a:endParaRPr>
+          </a:p>
+          <a:p>
+            <a:r>
+              <a:rPr lang="es-419" noProof="0" dirty="0" smtClean="0"/>
+              <a:t>[Pista: hay que usar </a:t>
+            </a:r>
+            <a:r>
+              <a:rPr lang="es-419" i="1" noProof="0" dirty="0" err="1" smtClean="0"/>
+              <a:t>for</a:t>
+            </a:r>
+            <a:r>
+              <a:rPr lang="es-419" i="1" noProof="0" dirty="0" smtClean="0"/>
+              <a:t> </a:t>
+            </a:r>
+            <a:r>
+              <a:rPr lang="es-419" i="1" noProof="0" dirty="0" err="1" smtClean="0"/>
+              <a:t>loop</a:t>
+            </a:r>
+            <a:r>
+              <a:rPr lang="es-419" dirty="0" smtClean="0"/>
+              <a:t>]</a:t>
+            </a:r>
+          </a:p>
+          <a:p>
+            <a:r>
+              <a:rPr lang="es-419" dirty="0" smtClean="0"/>
+              <a:t>Hace una comparación de la prior (PDF) vs posterior (histograma)</a:t>
+            </a:r>
+            <a:endParaRPr lang="es-419" noProof="0" dirty="0"/>
           </a:p>
         </p:txBody>
       </p:sp>
@@ -6885,7 +7127,7 @@
     </p:spTree>
     <p:extLst>
       <p:ext uri="{BB962C8B-B14F-4D97-AF65-F5344CB8AC3E}">
-        <p14:creationId xmlns:p14="http://schemas.microsoft.com/office/powerpoint/2010/main" val="2706302167"/>
+        <p14:creationId xmlns:p14="http://schemas.microsoft.com/office/powerpoint/2010/main" val="4009323578"/>
       </p:ext>
     </p:extLst>
   </p:cSld>
@@ -6928,10 +7170,22 @@
           <a:lstStyle/>
           <a:p>
             <a:r>
-              <a:rPr lang="en-US" dirty="0" smtClean="0"/>
-              <a:t>Posterior predictive distribution</a:t>
-            </a:r>
-            <a:endParaRPr lang="en-US" dirty="0"/>
+              <a:rPr lang="es-419" noProof="0" dirty="0" smtClean="0"/>
+              <a:t>Posterior </a:t>
+            </a:r>
+            <a:r>
+              <a:rPr lang="es-419" noProof="0" dirty="0" err="1" smtClean="0"/>
+              <a:t>predictive</a:t>
+            </a:r>
+            <a:r>
+              <a:rPr lang="es-419" noProof="0" dirty="0" smtClean="0"/>
+              <a:t> </a:t>
+            </a:r>
+            <a:r>
+              <a:rPr lang="es-419" noProof="0" dirty="0" err="1" smtClean="0"/>
+              <a:t>distribution</a:t>
+            </a:r>
+            <a:endParaRPr lang="es-419" noProof="0" dirty="0"/>
           </a:p>
         </p:txBody>
       </p:sp>
@@ -6951,44 +7205,50 @@
           <a:lstStyle/>
           <a:p>
             <a:r>
-              <a:rPr lang="en-US" dirty="0" err="1" smtClean="0"/>
-              <a:t>Rember</a:t>
-            </a:r>
-            <a:r>
-              <a:rPr lang="en-US" dirty="0" smtClean="0"/>
-              <a:t> that MCMC is a method for fitting (drawing samples)</a:t>
-            </a:r>
-          </a:p>
-          <a:p>
-            <a:r>
-              <a:rPr lang="en-US" dirty="0" smtClean="0"/>
-              <a:t>MCMC convergence </a:t>
-            </a:r>
-            <a:r>
-              <a:rPr lang="en-US" dirty="0" smtClean="0"/>
-              <a:t>does not mean the model fits well</a:t>
-            </a:r>
-          </a:p>
-          <a:p>
-            <a:r>
-              <a:rPr lang="en-US" dirty="0" smtClean="0"/>
-              <a:t>So how do we tell if our model is appropriate for the data?</a:t>
-            </a:r>
-          </a:p>
-          <a:p>
-            <a:r>
-              <a:rPr lang="en-US" dirty="0" smtClean="0"/>
-              <a:t>One common way is a </a:t>
-            </a:r>
-            <a:r>
-              <a:rPr lang="en-US" i="1" dirty="0" smtClean="0"/>
-              <a:t>posterior predictive distribution</a:t>
-            </a:r>
-            <a:r>
-              <a:rPr lang="en-US" dirty="0" smtClean="0"/>
+              <a:rPr lang="es-419" noProof="0" dirty="0" smtClean="0"/>
+              <a:t>Recuerda que MCMC es un método para generar muestras de la posterior</a:t>
+            </a:r>
+          </a:p>
+          <a:p>
+            <a:r>
+              <a:rPr lang="es-419" noProof="0" dirty="0" smtClean="0"/>
+              <a:t>Pero MCMC convergencia no significa que el ajuste del modelo es bueno. </a:t>
+            </a:r>
+            <a:endParaRPr lang="es-419" noProof="0" dirty="0" smtClean="0"/>
+          </a:p>
+          <a:p>
+            <a:r>
+              <a:rPr lang="es-419" noProof="0" dirty="0" smtClean="0"/>
+              <a:t>Entonces, como se puede saber si es bueno? Que la estructura del modelo es suficiente compleja? </a:t>
+            </a:r>
+            <a:endParaRPr lang="es-419" noProof="0" dirty="0" smtClean="0"/>
+          </a:p>
+          <a:p>
+            <a:r>
+              <a:rPr lang="es-419" noProof="0" dirty="0" smtClean="0"/>
+              <a:t>Una manera es a </a:t>
+            </a:r>
+            <a:r>
+              <a:rPr lang="es-419" i="1" noProof="0" dirty="0" smtClean="0"/>
+              <a:t>posterior </a:t>
+            </a:r>
+            <a:r>
+              <a:rPr lang="es-419" i="1" noProof="0" dirty="0" err="1" smtClean="0"/>
+              <a:t>predictive</a:t>
+            </a:r>
+            <a:r>
+              <a:rPr lang="es-419" i="1" noProof="0" dirty="0" smtClean="0"/>
+              <a:t> </a:t>
+            </a:r>
+            <a:r>
+              <a:rPr lang="es-419" i="1" noProof="0" dirty="0" err="1" smtClean="0"/>
+              <a:t>distribution</a:t>
+            </a:r>
+            <a:r>
+              <a:rPr lang="es-419" noProof="0" dirty="0" smtClean="0"/>
               <a:t>.</a:t>
             </a:r>
-            <a:endParaRPr lang="en-US" dirty="0"/>
+            <a:endParaRPr lang="es-419" noProof="0" dirty="0"/>
           </a:p>
         </p:txBody>
       </p:sp>
@@ -7061,10 +7321,22 @@
           <a:lstStyle/>
           <a:p>
             <a:r>
-              <a:rPr lang="en-US" dirty="0" smtClean="0"/>
-              <a:t>Posterior predictive distribution</a:t>
-            </a:r>
-            <a:endParaRPr lang="en-US" dirty="0"/>
+              <a:rPr lang="es-419" noProof="0" dirty="0" smtClean="0"/>
+              <a:t>Posterior </a:t>
+            </a:r>
+            <a:r>
+              <a:rPr lang="es-419" noProof="0" dirty="0" err="1" smtClean="0"/>
+              <a:t>predictive</a:t>
+            </a:r>
+            <a:r>
+              <a:rPr lang="es-419" noProof="0" dirty="0" smtClean="0"/>
+              <a:t> </a:t>
+            </a:r>
+            <a:r>
+              <a:rPr lang="es-419" noProof="0" dirty="0" err="1" smtClean="0"/>
+              <a:t>distribution</a:t>
+            </a:r>
+            <a:endParaRPr lang="es-419" noProof="0" dirty="0"/>
           </a:p>
         </p:txBody>
       </p:sp>
@@ -7084,28 +7356,67 @@
           <a:lstStyle/>
           <a:p>
             <a:r>
-              <a:rPr lang="en-US" dirty="0" smtClean="0"/>
-              <a:t>The idea is to replicate the data generating process given the posterior distribution</a:t>
-            </a:r>
-          </a:p>
-          <a:p>
-            <a:r>
-              <a:rPr lang="en-US" dirty="0" smtClean="0"/>
-              <a:t>Can do it in R or inside the model</a:t>
-            </a:r>
-          </a:p>
-          <a:p>
-            <a:r>
-              <a:rPr lang="en-US" dirty="0" smtClean="0"/>
-              <a:t>We then compare the observed data, to those that the model predicts *would be* observed</a:t>
-            </a:r>
-          </a:p>
-          <a:p>
-            <a:r>
-              <a:rPr lang="en-US" dirty="0" smtClean="0"/>
-              <a:t>The real data should fall within the observed, or the model is not adequately describing the process</a:t>
-            </a:r>
-            <a:endParaRPr lang="en-US" dirty="0"/>
+              <a:rPr lang="es-419" noProof="0" dirty="0" smtClean="0"/>
+              <a:t>La idea es replicar el proceso </a:t>
+            </a:r>
+            <a:r>
+              <a:rPr lang="es-419" dirty="0" smtClean="0"/>
+              <a:t>que genera los datos, dado la posterior</a:t>
+            </a:r>
+            <a:endParaRPr lang="es-419" noProof="0" dirty="0" smtClean="0"/>
+          </a:p>
+          <a:p>
+            <a:r>
+              <a:rPr lang="es-419" noProof="0" dirty="0" smtClean="0"/>
+              <a:t>Se puede hacerlo en R o JAGS</a:t>
+            </a:r>
+            <a:endParaRPr lang="es-419" noProof="0" dirty="0" smtClean="0"/>
+          </a:p>
+          <a:p>
+            <a:r>
+              <a:rPr lang="es-419" noProof="0" dirty="0" smtClean="0"/>
+              <a:t>Después, </a:t>
+            </a:r>
+            <a:r>
+              <a:rPr lang="es-419" dirty="0" smtClean="0"/>
+              <a:t>compara los datos observados (reales) con los que </a:t>
+            </a:r>
+            <a:r>
+              <a:rPr lang="es-419" b="1" dirty="0" smtClean="0"/>
+              <a:t>habría sido observado</a:t>
+            </a:r>
+            <a:r>
+              <a:rPr lang="es-419" dirty="0" smtClean="0"/>
+              <a:t> (</a:t>
+            </a:r>
+            <a:r>
+              <a:rPr lang="es-419" i="1" dirty="0" err="1" smtClean="0"/>
+              <a:t>the</a:t>
+            </a:r>
+            <a:r>
+              <a:rPr lang="es-419" i="1" dirty="0" smtClean="0"/>
+              <a:t> posterior </a:t>
+            </a:r>
+            <a:r>
+              <a:rPr lang="es-419" i="1" dirty="0" err="1" smtClean="0"/>
+              <a:t>predicted</a:t>
+            </a:r>
+            <a:r>
+              <a:rPr lang="es-419" i="1" dirty="0" smtClean="0"/>
+              <a:t> data</a:t>
+            </a:r>
+            <a:r>
+              <a:rPr lang="es-419" dirty="0" smtClean="0"/>
+              <a:t>)</a:t>
+            </a:r>
+            <a:endParaRPr lang="es-419" noProof="0" dirty="0" smtClean="0"/>
+          </a:p>
+          <a:p>
+            <a:r>
+              <a:rPr lang="es-419" dirty="0" smtClean="0"/>
+              <a:t>Los reales deben parecer como los precedidos, y si no el modelo no es suficiente </a:t>
+            </a:r>
+            <a:endParaRPr lang="es-419" noProof="0" dirty="0"/>
           </a:p>
         </p:txBody>
       </p:sp>
@@ -7178,10 +7489,22 @@
           <a:lstStyle/>
           <a:p>
             <a:r>
-              <a:rPr lang="en-US" dirty="0" smtClean="0"/>
-              <a:t>Posterior predictive distribution</a:t>
-            </a:r>
-            <a:endParaRPr lang="en-US" dirty="0"/>
+              <a:rPr lang="es-419" noProof="0" dirty="0" smtClean="0"/>
+              <a:t>Posterior </a:t>
+            </a:r>
+            <a:r>
+              <a:rPr lang="es-419" noProof="0" dirty="0" err="1" smtClean="0"/>
+              <a:t>predictive</a:t>
+            </a:r>
+            <a:r>
+              <a:rPr lang="es-419" noProof="0" dirty="0" smtClean="0"/>
+              <a:t> </a:t>
+            </a:r>
+            <a:r>
+              <a:rPr lang="es-419" noProof="0" dirty="0" err="1" smtClean="0"/>
+              <a:t>distribution</a:t>
+            </a:r>
+            <a:endParaRPr lang="es-419" noProof="0" dirty="0"/>
           </a:p>
         </p:txBody>
       </p:sp>
@@ -7201,53 +7524,98 @@
           <a:lstStyle/>
           <a:p>
             <a:r>
-              <a:rPr lang="en-US" dirty="0" smtClean="0"/>
-              <a:t>Specifically, if we have a posterior sample </a:t>
-            </a:r>
-            <a:r>
-              <a:rPr lang="el-GR" dirty="0" smtClean="0"/>
+              <a:rPr lang="es-419" noProof="0" dirty="0" smtClean="0"/>
+              <a:t>Es decir que si tenemos una muestra </a:t>
+            </a:r>
+            <a:r>
+              <a:rPr lang="es-419" i="1" noProof="0" dirty="0" smtClean="0"/>
+              <a:t>θ*</a:t>
+            </a:r>
+            <a:r>
+              <a:rPr lang="es-419" noProof="0" dirty="0" smtClean="0"/>
+              <a:t> </a:t>
+            </a:r>
+            <a:r>
+              <a:rPr lang="es-419" noProof="0" dirty="0" smtClean="0"/>
+              <a:t>después podemos simular otro dato </a:t>
+            </a:r>
+            <a:r>
+              <a:rPr lang="es-419" i="1" noProof="0" dirty="0" smtClean="0"/>
+              <a:t>y*</a:t>
+            </a:r>
+            <a:endParaRPr lang="es-419" noProof="0" dirty="0" smtClean="0"/>
+          </a:p>
+          <a:p>
+            <a:r>
+              <a:rPr lang="es-419" noProof="0" dirty="0" err="1" smtClean="0"/>
+              <a:t>E.g</a:t>
+            </a:r>
+            <a:r>
+              <a:rPr lang="es-419" noProof="0" dirty="0" smtClean="0"/>
+              <a:t>., </a:t>
+            </a:r>
+            <a:r>
+              <a:rPr lang="es-419" noProof="0" dirty="0" smtClean="0"/>
+              <a:t>en nuestro caso y</a:t>
+            </a:r>
+            <a:r>
+              <a:rPr lang="es-419" noProof="0" dirty="0" smtClean="0"/>
+              <a:t>*=</a:t>
+            </a:r>
+            <a:r>
+              <a:rPr lang="es-419" noProof="0" dirty="0" err="1" smtClean="0"/>
+              <a:t>rbinom</a:t>
+            </a:r>
+            <a:r>
+              <a:rPr lang="es-419" noProof="0" dirty="0" smtClean="0"/>
+              <a:t>(1, 20, p*). </a:t>
+            </a:r>
+            <a:r>
+              <a:rPr lang="es-419" noProof="0" dirty="0" smtClean="0"/>
+              <a:t>Se produce un dato. </a:t>
+            </a:r>
+          </a:p>
+          <a:p>
+            <a:r>
+              <a:rPr lang="es-419" dirty="0" smtClean="0"/>
+              <a:t>Repite por todos las muestras de </a:t>
+            </a:r>
+            <a:r>
+              <a:rPr lang="es-419" i="1" noProof="0" dirty="0" smtClean="0"/>
               <a:t>θ</a:t>
             </a:r>
             <a:r>
-              <a:rPr lang="en-US" dirty="0" smtClean="0"/>
-              <a:t>* then we can simulate a new data point y* by generating it from the process</a:t>
-            </a:r>
-          </a:p>
-          <a:p>
-            <a:r>
-              <a:rPr lang="en-US" dirty="0" smtClean="0"/>
-              <a:t>E.g., in our case y*=</a:t>
-            </a:r>
-            <a:r>
-              <a:rPr lang="en-US" dirty="0" err="1" smtClean="0"/>
-              <a:t>rbinom</a:t>
-            </a:r>
-            <a:r>
-              <a:rPr lang="en-US" dirty="0" smtClean="0"/>
-              <a:t>(1, 20, p*). This gives one predicted data point. Repeat for all values of </a:t>
-            </a:r>
-            <a:r>
-              <a:rPr lang="el-GR" dirty="0" smtClean="0"/>
-              <a:t>θ</a:t>
-            </a:r>
-            <a:r>
-              <a:rPr lang="en-US" dirty="0" smtClean="0"/>
-              <a:t>* to form a distribution.</a:t>
-            </a:r>
-          </a:p>
-          <a:p>
-            <a:r>
-              <a:rPr lang="en-US" dirty="0" smtClean="0"/>
-              <a:t>Then compare this (often visually) to the observed data</a:t>
-            </a:r>
-            <a:r>
-              <a:rPr lang="en-US" dirty="0"/>
+              <a:rPr lang="es-419" i="1" noProof="0" dirty="0" smtClean="0"/>
+              <a:t>*</a:t>
+            </a:r>
+            <a:r>
+              <a:rPr lang="es-419" noProof="0" dirty="0" smtClean="0"/>
               <a:t> </a:t>
             </a:r>
             <a:r>
-              <a:rPr lang="en-US" dirty="0" smtClean="0"/>
-              <a:t>and look for bad patterns</a:t>
-            </a:r>
+              <a:rPr lang="es-419" noProof="0" dirty="0" smtClean="0"/>
+              <a:t>para formar una distribución (</a:t>
+            </a:r>
+            <a:r>
+              <a:rPr lang="es-419" i="1" noProof="0" dirty="0" smtClean="0"/>
+              <a:t>posterior </a:t>
+            </a:r>
+            <a:r>
+              <a:rPr lang="es-419" i="1" noProof="0" dirty="0" err="1" smtClean="0"/>
+              <a:t>predictive</a:t>
+            </a:r>
+            <a:r>
+              <a:rPr lang="es-419" dirty="0"/>
+              <a:t>)</a:t>
+            </a:r>
+            <a:endParaRPr lang="es-419" noProof="0" dirty="0" smtClean="0"/>
+          </a:p>
+          <a:p>
+            <a:r>
+              <a:rPr lang="es-419" noProof="0" dirty="0" smtClean="0"/>
+              <a:t>Finalmente, compara eso (a veces visualmente) a los datos observados para encontrar patrones malos</a:t>
+            </a:r>
+            <a:endParaRPr lang="es-419" noProof="0" dirty="0" smtClean="0"/>
           </a:p>
         </p:txBody>
       </p:sp>
@@ -7320,10 +7688,10 @@
           <a:lstStyle/>
           <a:p>
             <a:r>
-              <a:rPr lang="en-US" dirty="0" smtClean="0"/>
+              <a:rPr lang="es-419" noProof="0" dirty="0" err="1" smtClean="0"/>
               <a:t>Exercise</a:t>
             </a:r>
-            <a:endParaRPr lang="en-US" dirty="0"/>
+            <a:endParaRPr lang="es-419" noProof="0" dirty="0"/>
           </a:p>
         </p:txBody>
       </p:sp>
@@ -7343,81 +7711,325 @@
           <a:lstStyle/>
           <a:p>
             <a:r>
-              <a:rPr lang="en-US" dirty="0" smtClean="0"/>
-              <a:t>Take the previous JAGS model and add a posterior predictive distribution, one for each replicate for each sample</a:t>
-            </a:r>
-          </a:p>
-          <a:p>
-            <a:r>
-              <a:rPr lang="en-US" dirty="0" smtClean="0"/>
-              <a:t>[Hint</a:t>
-            </a:r>
-            <a:r>
-              <a:rPr lang="en-US" dirty="0"/>
+              <a:rPr lang="es-419" noProof="0" dirty="0" err="1" smtClean="0"/>
+              <a:t>Take</a:t>
+            </a:r>
+            <a:r>
+              <a:rPr lang="es-419" noProof="0" dirty="0" smtClean="0"/>
+              <a:t> </a:t>
+            </a:r>
+            <a:r>
+              <a:rPr lang="es-419" noProof="0" dirty="0" err="1" smtClean="0"/>
+              <a:t>the</a:t>
+            </a:r>
+            <a:r>
+              <a:rPr lang="es-419" noProof="0" dirty="0" smtClean="0"/>
+              <a:t> </a:t>
+            </a:r>
+            <a:r>
+              <a:rPr lang="es-419" noProof="0" dirty="0" err="1" smtClean="0"/>
+              <a:t>previous</a:t>
+            </a:r>
+            <a:r>
+              <a:rPr lang="es-419" noProof="0" dirty="0" smtClean="0"/>
+              <a:t> JAGS </a:t>
+            </a:r>
+            <a:r>
+              <a:rPr lang="es-419" noProof="0" dirty="0" err="1" smtClean="0"/>
+              <a:t>model</a:t>
+            </a:r>
+            <a:r>
+              <a:rPr lang="es-419" noProof="0" dirty="0" smtClean="0"/>
+              <a:t> and </a:t>
+            </a:r>
+            <a:r>
+              <a:rPr lang="es-419" noProof="0" dirty="0" err="1" smtClean="0"/>
+              <a:t>add</a:t>
+            </a:r>
+            <a:r>
+              <a:rPr lang="es-419" noProof="0" dirty="0" smtClean="0"/>
+              <a:t> a posterior </a:t>
+            </a:r>
+            <a:r>
+              <a:rPr lang="es-419" noProof="0" dirty="0" err="1" smtClean="0"/>
+              <a:t>predictive</a:t>
+            </a:r>
+            <a:r>
+              <a:rPr lang="es-419" noProof="0" dirty="0" smtClean="0"/>
+              <a:t> </a:t>
+            </a:r>
+            <a:r>
+              <a:rPr lang="es-419" noProof="0" dirty="0" err="1" smtClean="0"/>
+              <a:t>distribution</a:t>
+            </a:r>
+            <a:r>
+              <a:rPr lang="es-419" noProof="0" dirty="0" smtClean="0"/>
+              <a:t>, </a:t>
+            </a:r>
+            <a:r>
+              <a:rPr lang="es-419" noProof="0" dirty="0" err="1" smtClean="0"/>
+              <a:t>one</a:t>
+            </a:r>
+            <a:r>
+              <a:rPr lang="es-419" noProof="0" dirty="0" smtClean="0"/>
+              <a:t> </a:t>
+            </a:r>
+            <a:r>
+              <a:rPr lang="es-419" noProof="0" dirty="0" err="1" smtClean="0"/>
+              <a:t>for</a:t>
+            </a:r>
+            <a:r>
+              <a:rPr lang="es-419" noProof="0" dirty="0" smtClean="0"/>
+              <a:t> </a:t>
+            </a:r>
+            <a:r>
+              <a:rPr lang="es-419" noProof="0" dirty="0" err="1" smtClean="0"/>
+              <a:t>each</a:t>
+            </a:r>
+            <a:r>
+              <a:rPr lang="es-419" noProof="0" dirty="0" smtClean="0"/>
+              <a:t> </a:t>
+            </a:r>
+            <a:r>
+              <a:rPr lang="es-419" noProof="0" dirty="0" err="1" smtClean="0"/>
+              <a:t>replicate</a:t>
+            </a:r>
+            <a:r>
+              <a:rPr lang="es-419" noProof="0" dirty="0" smtClean="0"/>
+              <a:t> </a:t>
+            </a:r>
+            <a:r>
+              <a:rPr lang="es-419" noProof="0" dirty="0" err="1" smtClean="0"/>
+              <a:t>for</a:t>
+            </a:r>
+            <a:r>
+              <a:rPr lang="es-419" noProof="0" dirty="0" smtClean="0"/>
+              <a:t> </a:t>
+            </a:r>
+            <a:r>
+              <a:rPr lang="es-419" noProof="0" dirty="0" err="1" smtClean="0"/>
+              <a:t>each</a:t>
+            </a:r>
+            <a:r>
+              <a:rPr lang="es-419" noProof="0" dirty="0" smtClean="0"/>
+              <a:t> </a:t>
+            </a:r>
+            <a:r>
+              <a:rPr lang="es-419" noProof="0" dirty="0" err="1" smtClean="0"/>
+              <a:t>sample</a:t>
+            </a:r>
+            <a:endParaRPr lang="es-419" noProof="0" dirty="0" smtClean="0"/>
+          </a:p>
+          <a:p>
+            <a:r>
+              <a:rPr lang="es-419" noProof="0" dirty="0" smtClean="0"/>
+              <a:t>[</a:t>
+            </a:r>
+            <a:r>
+              <a:rPr lang="es-419" noProof="0" dirty="0" err="1" smtClean="0"/>
+              <a:t>Hint</a:t>
+            </a:r>
+            <a:r>
+              <a:rPr lang="es-419" noProof="0" dirty="0" smtClean="0"/>
               <a:t>: </a:t>
             </a:r>
             <a:r>
-              <a:rPr lang="en-US" dirty="0" err="1"/>
+              <a:rPr lang="es-419" noProof="0" dirty="0" err="1" smtClean="0"/>
               <a:t>ypred</a:t>
             </a:r>
             <a:r>
-              <a:rPr lang="en-US" dirty="0"/>
+              <a:rPr lang="es-419" noProof="0" dirty="0" smtClean="0"/>
+              <a:t>[i] ~ </a:t>
+            </a:r>
+            <a:r>
+              <a:rPr lang="es-419" noProof="0" dirty="0" err="1" smtClean="0"/>
+              <a:t>dbin</a:t>
+            </a:r>
+            <a:r>
+              <a:rPr lang="es-419" noProof="0" dirty="0" smtClean="0"/>
+              <a:t>(</a:t>
+            </a:r>
+            <a:r>
+              <a:rPr lang="es-419" noProof="0" dirty="0" err="1" smtClean="0"/>
+              <a:t>p,N</a:t>
+            </a:r>
+            <a:r>
+              <a:rPr lang="es-419" noProof="0" dirty="0" smtClean="0"/>
+              <a:t>[i]) </a:t>
+            </a:r>
+            <a:r>
+              <a:rPr lang="es-419" noProof="0" dirty="0" err="1" smtClean="0"/>
+              <a:t>will</a:t>
+            </a:r>
+            <a:r>
+              <a:rPr lang="es-419" noProof="0" dirty="0" smtClean="0"/>
+              <a:t> </a:t>
+            </a:r>
+            <a:r>
+              <a:rPr lang="es-419" noProof="0" dirty="0" err="1" smtClean="0"/>
+              <a:t>actually</a:t>
+            </a:r>
+            <a:r>
+              <a:rPr lang="es-419" noProof="0" dirty="0" smtClean="0"/>
+              <a:t> do </a:t>
+            </a:r>
+            <a:r>
+              <a:rPr lang="es-419" noProof="0" dirty="0" err="1" smtClean="0"/>
+              <a:t>random</a:t>
+            </a:r>
+            <a:r>
+              <a:rPr lang="es-419" noProof="0" dirty="0" smtClean="0"/>
+              <a:t> </a:t>
+            </a:r>
+            <a:r>
+              <a:rPr lang="es-419" noProof="0" dirty="0" err="1" smtClean="0"/>
+              <a:t>number</a:t>
+            </a:r>
+            <a:r>
+              <a:rPr lang="es-419" noProof="0" dirty="0" smtClean="0"/>
+              <a:t> </a:t>
+            </a:r>
+            <a:r>
+              <a:rPr lang="es-419" noProof="0" dirty="0" err="1" smtClean="0"/>
+              <a:t>generation</a:t>
+            </a:r>
+            <a:r>
+              <a:rPr lang="es-419" noProof="0" dirty="0" smtClean="0"/>
+              <a:t> </a:t>
+            </a:r>
+            <a:r>
+              <a:rPr lang="es-419" noProof="0" dirty="0" err="1" smtClean="0"/>
+              <a:t>like</a:t>
+            </a:r>
+            <a:r>
+              <a:rPr lang="es-419" noProof="0" dirty="0" smtClean="0"/>
+              <a:t> </a:t>
+            </a:r>
+            <a:r>
+              <a:rPr lang="es-419" noProof="0" dirty="0" err="1" smtClean="0"/>
+              <a:t>rbinom</a:t>
+            </a:r>
+            <a:r>
+              <a:rPr lang="es-419" noProof="0" dirty="0" smtClean="0"/>
+              <a:t>]</a:t>
+            </a:r>
+          </a:p>
+          <a:p>
+            <a:r>
+              <a:rPr lang="es-419" noProof="0" dirty="0" err="1" smtClean="0"/>
+              <a:t>Plot</a:t>
+            </a:r>
+            <a:r>
+              <a:rPr lang="es-419" noProof="0" dirty="0" smtClean="0"/>
+              <a:t> </a:t>
+            </a:r>
+            <a:r>
+              <a:rPr lang="es-419" noProof="0" dirty="0" err="1" smtClean="0"/>
+              <a:t>the</a:t>
+            </a:r>
+            <a:r>
+              <a:rPr lang="es-419" noProof="0" dirty="0" smtClean="0"/>
+              <a:t> </a:t>
+            </a:r>
+            <a:r>
+              <a:rPr lang="es-419" noProof="0" dirty="0" err="1" smtClean="0"/>
+              <a:t>distribution</a:t>
+            </a:r>
+            <a:r>
+              <a:rPr lang="es-419" noProof="0" dirty="0" smtClean="0"/>
+              <a:t> of </a:t>
+            </a:r>
+            <a:r>
+              <a:rPr lang="es-419" noProof="0" dirty="0" err="1" smtClean="0"/>
+              <a:t>site</a:t>
+            </a:r>
+            <a:r>
+              <a:rPr lang="es-419" noProof="0" dirty="0" smtClean="0"/>
+              <a:t> vs </a:t>
+            </a:r>
+            <a:r>
+              <a:rPr lang="es-419" noProof="0" dirty="0" smtClean="0"/>
+              <a:t>posterior </a:t>
+            </a:r>
+            <a:r>
+              <a:rPr lang="es-419" noProof="0" dirty="0" err="1" smtClean="0"/>
+              <a:t>predictive</a:t>
+            </a:r>
+            <a:r>
+              <a:rPr lang="es-419" noProof="0" dirty="0" smtClean="0"/>
+              <a:t> and </a:t>
+            </a:r>
+            <a:r>
+              <a:rPr lang="es-419" noProof="0" dirty="0" err="1" smtClean="0"/>
+              <a:t>then</a:t>
+            </a:r>
+            <a:r>
+              <a:rPr lang="es-419" noProof="0" dirty="0" smtClean="0"/>
+              <a:t> </a:t>
+            </a:r>
+            <a:r>
+              <a:rPr lang="es-419" noProof="0" dirty="0" err="1" smtClean="0"/>
+              <a:t>add</a:t>
+            </a:r>
+            <a:r>
+              <a:rPr lang="es-419" noProof="0" dirty="0" smtClean="0"/>
+              <a:t> </a:t>
+            </a:r>
+            <a:r>
+              <a:rPr lang="es-419" noProof="0" dirty="0" err="1" smtClean="0"/>
+              <a:t>the</a:t>
+            </a:r>
+            <a:r>
+              <a:rPr lang="es-419" noProof="0" dirty="0" smtClean="0"/>
+              <a:t> real data </a:t>
+            </a:r>
+            <a:r>
+              <a:rPr lang="es-419" noProof="0" dirty="0" err="1" smtClean="0"/>
+              <a:t>on</a:t>
+            </a:r>
+            <a:r>
+              <a:rPr lang="es-419" noProof="0" dirty="0" smtClean="0"/>
+              <a:t> top</a:t>
+            </a:r>
+          </a:p>
+          <a:p>
+            <a:r>
+              <a:rPr lang="es-419" noProof="0" dirty="0" smtClean="0"/>
               <a:t>[</a:t>
             </a:r>
             <a:r>
-              <a:rPr lang="en-US" dirty="0" err="1"/>
-              <a:t>i</a:t>
-            </a:r>
-            <a:r>
-              <a:rPr lang="en-US" dirty="0"/>
-              <a:t>] ~ </a:t>
-            </a:r>
-            <a:r>
-              <a:rPr lang="en-US" dirty="0" err="1"/>
-              <a:t>dbin</a:t>
-            </a:r>
-            <a:r>
-              <a:rPr lang="en-US" dirty="0"/>
-              <a:t>(</a:t>
-            </a:r>
-            <a:r>
-              <a:rPr lang="en-US" dirty="0" err="1"/>
-              <a:t>p,N</a:t>
-            </a:r>
-            <a:r>
-              <a:rPr lang="en-US" dirty="0"/>
-              <a:t>[</a:t>
-            </a:r>
-            <a:r>
-              <a:rPr lang="en-US" dirty="0" err="1"/>
-              <a:t>i</a:t>
-            </a:r>
-            <a:r>
-              <a:rPr lang="en-US" dirty="0" smtClean="0"/>
-              <a:t>]) will actually do random number generation like </a:t>
-            </a:r>
-            <a:r>
-              <a:rPr lang="en-US" dirty="0" err="1" smtClean="0"/>
-              <a:t>rbinom</a:t>
-            </a:r>
-            <a:r>
-              <a:rPr lang="en-US" dirty="0"/>
+              <a:rPr lang="es-419" noProof="0" dirty="0" err="1" smtClean="0"/>
+              <a:t>Hint</a:t>
+            </a:r>
+            <a:r>
+              <a:rPr lang="es-419" noProof="0" dirty="0" smtClean="0"/>
+              <a:t>: use </a:t>
+            </a:r>
+            <a:r>
+              <a:rPr lang="es-419" noProof="0" dirty="0" err="1" smtClean="0"/>
+              <a:t>jittering</a:t>
+            </a:r>
+            <a:r>
+              <a:rPr lang="es-419" noProof="0" dirty="0" smtClean="0"/>
+              <a:t> </a:t>
+            </a:r>
+            <a:r>
+              <a:rPr lang="es-419" noProof="0" dirty="0" err="1" smtClean="0"/>
+              <a:t>for</a:t>
+            </a:r>
+            <a:r>
+              <a:rPr lang="es-419" noProof="0" dirty="0" smtClean="0"/>
+              <a:t> visual </a:t>
+            </a:r>
+            <a:r>
+              <a:rPr lang="es-419" noProof="0" dirty="0" err="1" smtClean="0"/>
+              <a:t>clarity</a:t>
+            </a:r>
+            <a:r>
+              <a:rPr lang="es-419" noProof="0" dirty="0" smtClean="0"/>
               <a:t>]</a:t>
             </a:r>
-            <a:endParaRPr lang="en-US" dirty="0" smtClean="0"/>
-          </a:p>
-          <a:p>
-            <a:r>
-              <a:rPr lang="en-US" dirty="0" smtClean="0"/>
-              <a:t>Plot the distribution of replicate vs posterior predictive and then add the real data on top</a:t>
-            </a:r>
-          </a:p>
-          <a:p>
-            <a:r>
-              <a:rPr lang="en-US" dirty="0" smtClean="0"/>
-              <a:t>[Hint: use jittering for visual clarity]</a:t>
-            </a:r>
-            <a:endParaRPr lang="en-US" dirty="0"/>
+            <a:endParaRPr lang="es-419" noProof="0" dirty="0"/>
           </a:p>
         </p:txBody>
       </p:sp>
@@ -7490,10 +8102,10 @@
           <a:lstStyle/>
           <a:p>
             <a:r>
-              <a:rPr lang="en-US" dirty="0" smtClean="0"/>
-              <a:t>Bayesian model selection</a:t>
-            </a:r>
-            <a:endParaRPr lang="en-US" dirty="0"/>
+              <a:rPr lang="es-419" noProof="0" dirty="0" err="1" smtClean="0"/>
+              <a:t>References</a:t>
+            </a:r>
+            <a:endParaRPr lang="es-419" noProof="0" dirty="0"/>
           </a:p>
         </p:txBody>
       </p:sp>
@@ -7507,74 +8119,50 @@
             <p:ph idx="1"/>
           </p:nvPr>
         </p:nvSpPr>
-        <p:spPr>
-          <a:xfrm>
-            <a:off x="457200" y="1172818"/>
-            <a:ext cx="8229600" cy="4958108"/>
-          </a:xfrm>
-        </p:spPr>
+        <p:spPr/>
         <p:txBody>
           <a:bodyPr/>
           <a:lstStyle/>
           <a:p>
             <a:r>
-              <a:rPr lang="en-US" dirty="0" smtClean="0"/>
-              <a:t>Model selection is not trivial. There are many existing tools and more being developed.</a:t>
-            </a:r>
-          </a:p>
-          <a:p>
-            <a:r>
-              <a:rPr lang="en-US" dirty="0" smtClean="0"/>
-              <a:t>According to Hobbs &amp; </a:t>
-            </a:r>
-            <a:r>
-              <a:rPr lang="en-US" dirty="0" err="1" smtClean="0"/>
+              <a:rPr lang="en-US" dirty="0" err="1"/>
               <a:t>Hooten</a:t>
             </a:r>
             <a:r>
-              <a:rPr lang="en-US" dirty="0" smtClean="0"/>
-              <a:t> (2018)</a:t>
-            </a:r>
-          </a:p>
-          <a:p>
-            <a:pPr marL="858837" lvl="1" indent="-514350">
-              <a:buFont typeface="+mj-lt"/>
-              <a:buAutoNum type="arabicPeriod"/>
-            </a:pPr>
-            <a:r>
-              <a:rPr lang="en-US" dirty="0" smtClean="0"/>
-              <a:t>Out of sample is the best approach if possible</a:t>
-            </a:r>
-          </a:p>
-          <a:p>
-            <a:pPr marL="858837" lvl="1" indent="-514350">
-              <a:buFont typeface="+mj-lt"/>
-              <a:buAutoNum type="arabicPeriod"/>
-            </a:pPr>
-            <a:r>
-              <a:rPr lang="en-US" dirty="0" smtClean="0"/>
-              <a:t>K-fold cross validation good but slow</a:t>
-            </a:r>
-          </a:p>
-          <a:p>
-            <a:pPr marL="858837" lvl="1" indent="-514350">
-              <a:buFont typeface="+mj-lt"/>
-              <a:buAutoNum type="arabicPeriod"/>
-            </a:pPr>
-            <a:r>
-              <a:rPr lang="en-US" dirty="0" smtClean="0"/>
-              <a:t>DIC is good when prediction is important and model is slow, works best when (# pars &lt;&lt; # data)</a:t>
-            </a:r>
-          </a:p>
-          <a:p>
-            <a:pPr marL="858837" lvl="1" indent="-514350">
-              <a:buFont typeface="+mj-lt"/>
-              <a:buAutoNum type="arabicPeriod"/>
-            </a:pPr>
-            <a:r>
-              <a:rPr lang="en-US" dirty="0" smtClean="0"/>
-              <a:t>WAIC good for hierarchical models</a:t>
-            </a:r>
+              <a:rPr lang="en-US" dirty="0"/>
+              <a:t>, M. B. and N. T. Hobbs (2015). "A guide to Bayesian model selection for ecologists." </a:t>
+            </a:r>
+            <a:r>
+              <a:rPr lang="en-US" u="sng" dirty="0"/>
+              <a:t>Ecological Monographs </a:t>
+            </a:r>
+            <a:r>
+              <a:rPr lang="en-US" b="1" u="sng" dirty="0"/>
+              <a:t>85(1): 3-28</a:t>
+            </a:r>
+            <a:r>
+              <a:rPr lang="en-US" b="1" u="sng" dirty="0" smtClean="0"/>
+              <a:t>.</a:t>
+            </a:r>
+          </a:p>
+          <a:p>
+            <a:r>
+              <a:rPr lang="en-US" dirty="0" err="1"/>
+              <a:t>Gelman</a:t>
+            </a:r>
+            <a:r>
+              <a:rPr lang="en-US" dirty="0"/>
+              <a:t>, A., J. B. Carlin, et al. (2014). </a:t>
+            </a:r>
+            <a:r>
+              <a:rPr lang="en-US" u="sng" dirty="0"/>
+              <a:t>Bayesian data analysis, Taylor &amp; Francis.</a:t>
+            </a:r>
+          </a:p>
+          <a:p>
+            <a:endParaRPr lang="en-US" b="1" u="sng" dirty="0"/>
+          </a:p>
+          <a:p>
             <a:endParaRPr lang="en-US" dirty="0"/>
           </a:p>
         </p:txBody>
@@ -7602,205 +8190,10 @@
           </a:p>
         </p:txBody>
       </p:sp>
-      <p:sp>
-        <p:nvSpPr>
-          <p:cNvPr id="5" name="TextBox 4"/>
-          <p:cNvSpPr txBox="1"/>
-          <p:nvPr/>
-        </p:nvSpPr>
-        <p:spPr>
-          <a:xfrm>
-            <a:off x="457200" y="6500191"/>
-            <a:ext cx="4472609" cy="369332"/>
-          </a:xfrm>
-          <a:prstGeom prst="rect">
-            <a:avLst/>
-          </a:prstGeom>
-          <a:noFill/>
-        </p:spPr>
-        <p:txBody>
-          <a:bodyPr wrap="square" rtlCol="0">
-            <a:spAutoFit/>
-          </a:bodyPr>
-          <a:lstStyle/>
-          <a:p>
-            <a:r>
-              <a:rPr lang="en-US" dirty="0" smtClean="0"/>
-              <a:t>Hobbs &amp; </a:t>
-            </a:r>
-            <a:r>
-              <a:rPr lang="en-US" dirty="0" err="1" smtClean="0"/>
-              <a:t>Hooten</a:t>
-            </a:r>
-            <a:r>
-              <a:rPr lang="en-US" dirty="0" smtClean="0"/>
-              <a:t> (2018)</a:t>
-            </a:r>
-            <a:endParaRPr lang="en-US" dirty="0"/>
-          </a:p>
-        </p:txBody>
-      </p:sp>
     </p:spTree>
     <p:extLst>
       <p:ext uri="{BB962C8B-B14F-4D97-AF65-F5344CB8AC3E}">
-        <p14:creationId xmlns:p14="http://schemas.microsoft.com/office/powerpoint/2010/main" val="1601783514"/>
-      </p:ext>
-    </p:extLst>
-  </p:cSld>
-  <p:clrMapOvr>
-    <a:masterClrMapping/>
-  </p:clrMapOvr>
-</p:sld>
-</file>
-
-<file path=ppt/slides/slide19.xml><?xml version="1.0" encoding="utf-8"?>
-<p:sld xmlns:a="http://schemas.openxmlformats.org/drawingml/2006/main" xmlns:r="http://schemas.openxmlformats.org/officeDocument/2006/relationships" xmlns:p="http://schemas.openxmlformats.org/presentationml/2006/main">
-  <p:cSld>
-    <p:spTree>
-      <p:nvGrpSpPr>
-        <p:cNvPr id="1" name=""/>
-        <p:cNvGrpSpPr/>
-        <p:nvPr/>
-      </p:nvGrpSpPr>
-      <p:grpSpPr>
-        <a:xfrm>
-          <a:off x="0" y="0"/>
-          <a:ext cx="0" cy="0"/>
-          <a:chOff x="0" y="0"/>
-          <a:chExt cx="0" cy="0"/>
-        </a:xfrm>
-      </p:grpSpPr>
-      <p:sp>
-        <p:nvSpPr>
-          <p:cNvPr id="2" name="Title 1"/>
-          <p:cNvSpPr>
-            <a:spLocks noGrp="1"/>
-          </p:cNvSpPr>
-          <p:nvPr>
-            <p:ph type="title"/>
-          </p:nvPr>
-        </p:nvSpPr>
-        <p:spPr/>
-        <p:txBody>
-          <a:bodyPr/>
-          <a:lstStyle/>
-          <a:p>
-            <a:r>
-              <a:rPr lang="en-US" dirty="0" smtClean="0"/>
-              <a:t>Bayesian model selection</a:t>
-            </a:r>
-            <a:endParaRPr lang="en-US" dirty="0"/>
-          </a:p>
-        </p:txBody>
-      </p:sp>
-      <p:sp>
-        <p:nvSpPr>
-          <p:cNvPr id="3" name="Content Placeholder 2"/>
-          <p:cNvSpPr>
-            <a:spLocks noGrp="1"/>
-          </p:cNvSpPr>
-          <p:nvPr>
-            <p:ph idx="1"/>
-          </p:nvPr>
-        </p:nvSpPr>
-        <p:spPr/>
-        <p:txBody>
-          <a:bodyPr/>
-          <a:lstStyle/>
-          <a:p>
-            <a:endParaRPr lang="en-US" dirty="0"/>
-          </a:p>
-        </p:txBody>
-      </p:sp>
-      <p:sp>
-        <p:nvSpPr>
-          <p:cNvPr id="4" name="Slide Number Placeholder 3"/>
-          <p:cNvSpPr>
-            <a:spLocks noGrp="1"/>
-          </p:cNvSpPr>
-          <p:nvPr>
-            <p:ph type="sldNum" sz="quarter" idx="12"/>
-          </p:nvPr>
-        </p:nvSpPr>
-        <p:spPr/>
-        <p:txBody>
-          <a:bodyPr/>
-          <a:lstStyle/>
-          <a:p>
-            <a:fld id="{A90099C9-4CB8-9A40-B745-9AB270505907}" type="slidenum">
-              <a:rPr lang="en-US" smtClean="0"/>
-              <a:t>19</a:t>
-            </a:fld>
-            <a:endParaRPr lang="en-US"/>
-          </a:p>
-        </p:txBody>
-      </p:sp>
-      <p:pic>
-        <p:nvPicPr>
-          <p:cNvPr id="5" name="Picture 4"/>
-          <p:cNvPicPr>
-            <a:picLocks noChangeAspect="1"/>
-          </p:cNvPicPr>
-          <p:nvPr/>
-        </p:nvPicPr>
-        <p:blipFill>
-          <a:blip r:embed="rId2"/>
-          <a:stretch>
-            <a:fillRect/>
-          </a:stretch>
-        </p:blipFill>
-        <p:spPr>
-          <a:xfrm>
-            <a:off x="65349" y="1071564"/>
-            <a:ext cx="9078651" cy="5301284"/>
-          </a:xfrm>
-          <a:prstGeom prst="rect">
-            <a:avLst/>
-          </a:prstGeom>
-        </p:spPr>
-      </p:pic>
-      <p:sp>
-        <p:nvSpPr>
-          <p:cNvPr id="6" name="TextBox 5"/>
-          <p:cNvSpPr txBox="1"/>
-          <p:nvPr/>
-        </p:nvSpPr>
-        <p:spPr>
-          <a:xfrm>
-            <a:off x="457200" y="6500191"/>
-            <a:ext cx="4472609" cy="369332"/>
-          </a:xfrm>
-          <a:prstGeom prst="rect">
-            <a:avLst/>
-          </a:prstGeom>
-          <a:noFill/>
-        </p:spPr>
-        <p:txBody>
-          <a:bodyPr wrap="square" rtlCol="0">
-            <a:spAutoFit/>
-          </a:bodyPr>
-          <a:lstStyle/>
-          <a:p>
-            <a:r>
-              <a:rPr lang="en-US" dirty="0" smtClean="0"/>
-              <a:t>Hobbs &amp; </a:t>
-            </a:r>
-            <a:r>
-              <a:rPr lang="en-US" dirty="0" err="1" smtClean="0"/>
-              <a:t>Hooten</a:t>
-            </a:r>
-            <a:r>
-              <a:rPr lang="en-US" dirty="0" smtClean="0"/>
-              <a:t> (2018)</a:t>
-            </a:r>
-            <a:endParaRPr lang="en-US" dirty="0"/>
-          </a:p>
-        </p:txBody>
-      </p:sp>
-    </p:spTree>
-    <p:extLst>
-      <p:ext uri="{BB962C8B-B14F-4D97-AF65-F5344CB8AC3E}">
-        <p14:creationId xmlns:p14="http://schemas.microsoft.com/office/powerpoint/2010/main" val="3985124899"/>
+        <p14:creationId xmlns:p14="http://schemas.microsoft.com/office/powerpoint/2010/main" val="2003360887"/>
       </p:ext>
     </p:extLst>
   </p:cSld>
@@ -7849,10 +8242,10 @@
           <a:lstStyle/>
           <a:p>
             <a:r>
-              <a:rPr lang="en-US" dirty="0" smtClean="0"/>
+              <a:rPr lang="es-419" noProof="0" dirty="0" err="1" smtClean="0"/>
               <a:t>Recap</a:t>
             </a:r>
-            <a:endParaRPr lang="en-US" dirty="0"/>
+            <a:endParaRPr lang="es-419" noProof="0" dirty="0"/>
           </a:p>
         </p:txBody>
       </p:sp>
@@ -7883,93 +8276,84 @@
           <a:lstStyle/>
           <a:p>
             <a:r>
-              <a:rPr lang="en-US" dirty="0" smtClean="0"/>
-              <a:t>The posterior probability of the parameters given data is: </a:t>
-            </a:r>
-          </a:p>
-          <a:p>
-            <a:r>
-              <a:rPr lang="es-CL" dirty="0" smtClean="0"/>
-              <a:t>P(</a:t>
-            </a:r>
-            <a:r>
-              <a:rPr lang="el-GR" dirty="0"/>
-              <a:t>θ </a:t>
-            </a:r>
-            <a:r>
-              <a:rPr lang="es-CL" dirty="0" smtClean="0"/>
-              <a:t>|y)=</a:t>
-            </a:r>
-            <a:r>
-              <a:rPr lang="es-CL" dirty="0" err="1" smtClean="0"/>
+              <a:rPr lang="es-419" noProof="0" dirty="0" smtClean="0"/>
+              <a:t>La posterior es: </a:t>
+            </a:r>
+          </a:p>
+          <a:p>
+            <a:r>
+              <a:rPr lang="es-419" noProof="0" dirty="0" smtClean="0"/>
+              <a:t>P(θ |y)=</a:t>
+            </a:r>
+            <a:r>
+              <a:rPr lang="es-419" noProof="0" dirty="0" err="1" smtClean="0"/>
               <a:t>cP</a:t>
             </a:r>
             <a:r>
-              <a:rPr lang="es-CL" dirty="0" smtClean="0"/>
-              <a:t>(</a:t>
-            </a:r>
-            <a:r>
-              <a:rPr lang="el-GR" dirty="0"/>
-              <a:t>θ</a:t>
-            </a:r>
-            <a:r>
-              <a:rPr lang="es-CL" dirty="0" smtClean="0"/>
-              <a:t>)P(y|</a:t>
-            </a:r>
-            <a:r>
-              <a:rPr lang="el-GR" dirty="0" smtClean="0"/>
-              <a:t>θ</a:t>
-            </a:r>
-            <a:r>
-              <a:rPr lang="es-CL" dirty="0" smtClean="0"/>
+              <a:rPr lang="es-419" noProof="0" dirty="0" smtClean="0"/>
+              <a:t>(θ)P(</a:t>
+            </a:r>
+            <a:r>
+              <a:rPr lang="es-419" noProof="0" dirty="0" err="1" smtClean="0"/>
+              <a:t>y|θ</a:t>
+            </a:r>
+            <a:r>
+              <a:rPr lang="es-419" noProof="0" dirty="0" smtClean="0"/>
               <a:t>)</a:t>
             </a:r>
           </a:p>
           <a:p>
             <a:r>
-              <a:rPr lang="es-CL" dirty="0" smtClean="0"/>
-              <a:t>Posterior </a:t>
-            </a:r>
-            <a:r>
-              <a:rPr lang="es-CL" dirty="0"/>
-              <a:t>= (</a:t>
-            </a:r>
-            <a:r>
-              <a:rPr lang="es-CL" dirty="0" err="1"/>
+              <a:rPr lang="es-419" noProof="0" dirty="0" smtClean="0"/>
+              <a:t>Posterior = (</a:t>
+            </a:r>
+            <a:r>
+              <a:rPr lang="es-419" noProof="0" dirty="0" err="1" smtClean="0"/>
               <a:t>constant</a:t>
             </a:r>
             <a:r>
-              <a:rPr lang="es-CL" dirty="0"/>
+              <a:rPr lang="es-419" noProof="0" dirty="0" smtClean="0"/>
               <a:t>)(prior)(</a:t>
             </a:r>
             <a:r>
-              <a:rPr lang="es-CL" dirty="0" err="1"/>
+              <a:rPr lang="es-419" noProof="0" dirty="0" err="1" smtClean="0"/>
               <a:t>likelihood</a:t>
             </a:r>
             <a:r>
-              <a:rPr lang="es-CL" dirty="0"/>
+              <a:rPr lang="es-419" noProof="0" dirty="0" smtClean="0"/>
               <a:t>) </a:t>
             </a:r>
-            <a:endParaRPr lang="es-CL" dirty="0" smtClean="0"/>
-          </a:p>
-          <a:p>
-            <a:r>
-              <a:rPr lang="en-US" dirty="0" smtClean="0"/>
-              <a:t>To do inference (mean, median, quantiles) we must integrate </a:t>
-            </a:r>
-          </a:p>
-          <a:p>
-            <a:r>
-              <a:rPr lang="en-US" dirty="0" smtClean="0"/>
-              <a:t>Integration is done with MCMC which draws correlated samples</a:t>
-            </a:r>
-          </a:p>
-          <a:p>
-            <a:r>
-              <a:rPr lang="en-US" dirty="0" smtClean="0"/>
-              <a:t>Must check for signs of non-convergence</a:t>
-            </a:r>
-            <a:endParaRPr lang="en-US" dirty="0"/>
+          </a:p>
+          <a:p>
+            <a:r>
+              <a:rPr lang="es-419" noProof="0" dirty="0" smtClean="0"/>
+              <a:t>Se usa MCMC para hacer integración, con muestras correlacionadas </a:t>
+            </a:r>
+          </a:p>
+          <a:p>
+            <a:r>
+              <a:rPr lang="es-419" noProof="0" dirty="0" smtClean="0"/>
+              <a:t>Usa las </a:t>
+            </a:r>
+            <a:r>
+              <a:rPr lang="es-419" noProof="0" dirty="0" smtClean="0"/>
+              <a:t>muestras </a:t>
+            </a:r>
+            <a:r>
+              <a:rPr lang="es-419" noProof="0" dirty="0" smtClean="0"/>
+              <a:t>para aproximar las probabilidades </a:t>
+            </a:r>
+          </a:p>
+          <a:p>
+            <a:r>
+              <a:rPr lang="es-419" noProof="0" dirty="0" smtClean="0"/>
+              <a:t>Hay que chequear para señales de no </a:t>
+            </a:r>
+            <a:r>
+              <a:rPr lang="es-419" noProof="0" dirty="0" smtClean="0"/>
+              <a:t>hay convergencia </a:t>
+            </a:r>
+            <a:endParaRPr lang="es-419" noProof="0" dirty="0"/>
           </a:p>
         </p:txBody>
       </p:sp>
@@ -8006,97 +8390,6 @@
     <p:extLst>
       <p:ext uri="{BB962C8B-B14F-4D97-AF65-F5344CB8AC3E}">
         <p14:creationId xmlns:p14="http://schemas.microsoft.com/office/powerpoint/2010/main" val="1596127496"/>
-      </p:ext>
-    </p:extLst>
-  </p:cSld>
-  <p:clrMapOvr>
-    <a:masterClrMapping/>
-  </p:clrMapOvr>
-</p:sld>
-</file>
-
-<file path=ppt/slides/slide20.xml><?xml version="1.0" encoding="utf-8"?>
-<p:sld xmlns:a="http://schemas.openxmlformats.org/drawingml/2006/main" xmlns:r="http://schemas.openxmlformats.org/officeDocument/2006/relationships" xmlns:p="http://schemas.openxmlformats.org/presentationml/2006/main">
-  <p:cSld>
-    <p:spTree>
-      <p:nvGrpSpPr>
-        <p:cNvPr id="1" name=""/>
-        <p:cNvGrpSpPr/>
-        <p:nvPr/>
-      </p:nvGrpSpPr>
-      <p:grpSpPr>
-        <a:xfrm>
-          <a:off x="0" y="0"/>
-          <a:ext cx="0" cy="0"/>
-          <a:chOff x="0" y="0"/>
-          <a:chExt cx="0" cy="0"/>
-        </a:xfrm>
-      </p:grpSpPr>
-      <p:sp>
-        <p:nvSpPr>
-          <p:cNvPr id="2" name="Title 1"/>
-          <p:cNvSpPr>
-            <a:spLocks noGrp="1"/>
-          </p:cNvSpPr>
-          <p:nvPr>
-            <p:ph type="title"/>
-          </p:nvPr>
-        </p:nvSpPr>
-        <p:spPr/>
-        <p:txBody>
-          <a:bodyPr/>
-          <a:lstStyle/>
-          <a:p>
-            <a:endParaRPr lang="en-US"/>
-          </a:p>
-        </p:txBody>
-      </p:sp>
-      <p:sp>
-        <p:nvSpPr>
-          <p:cNvPr id="3" name="Content Placeholder 2"/>
-          <p:cNvSpPr>
-            <a:spLocks noGrp="1"/>
-          </p:cNvSpPr>
-          <p:nvPr>
-            <p:ph idx="1"/>
-          </p:nvPr>
-        </p:nvSpPr>
-        <p:spPr/>
-        <p:txBody>
-          <a:bodyPr/>
-          <a:lstStyle/>
-          <a:p>
-            <a:endParaRPr lang="en-US"/>
-          </a:p>
-        </p:txBody>
-      </p:sp>
-      <p:sp>
-        <p:nvSpPr>
-          <p:cNvPr id="4" name="Slide Number Placeholder 3"/>
-          <p:cNvSpPr>
-            <a:spLocks noGrp="1"/>
-          </p:cNvSpPr>
-          <p:nvPr>
-            <p:ph type="sldNum" sz="quarter" idx="12"/>
-          </p:nvPr>
-        </p:nvSpPr>
-        <p:spPr/>
-        <p:txBody>
-          <a:bodyPr/>
-          <a:lstStyle/>
-          <a:p>
-            <a:fld id="{A90099C9-4CB8-9A40-B745-9AB270505907}" type="slidenum">
-              <a:rPr lang="en-US" smtClean="0"/>
-              <a:t>20</a:t>
-            </a:fld>
-            <a:endParaRPr lang="en-US"/>
-          </a:p>
-        </p:txBody>
-      </p:sp>
-    </p:spTree>
-    <p:extLst>
-      <p:ext uri="{BB962C8B-B14F-4D97-AF65-F5344CB8AC3E}">
-        <p14:creationId xmlns:p14="http://schemas.microsoft.com/office/powerpoint/2010/main" val="2003360887"/>
       </p:ext>
     </p:extLst>
   </p:cSld>
@@ -8139,10 +8432,10 @@
           <a:lstStyle/>
           <a:p>
             <a:r>
-              <a:rPr lang="en-US" dirty="0" smtClean="0"/>
-              <a:t>Building Bayesian models</a:t>
-            </a:r>
-            <a:endParaRPr lang="en-US" dirty="0"/>
+              <a:rPr lang="es-419" noProof="0" dirty="0" smtClean="0"/>
+              <a:t>Construyendo modelos Bayesianos</a:t>
+            </a:r>
+            <a:endParaRPr lang="es-419" noProof="0" dirty="0"/>
           </a:p>
         </p:txBody>
       </p:sp>
@@ -8167,14 +8460,13 @@
           <a:lstStyle/>
           <a:p>
             <a:r>
-              <a:rPr lang="en-US" dirty="0" err="1" smtClean="0"/>
+              <a:rPr lang="es-419" noProof="0" dirty="0" err="1" smtClean="0"/>
               <a:t>Gelman</a:t>
             </a:r>
             <a:r>
-              <a:rPr lang="en-US" dirty="0" smtClean="0"/>
-              <a:t> et al (2014) recommend three basic steps</a:t>
-            </a:r>
-            <a:endParaRPr lang="en-US" dirty="0"/>
+              <a:rPr lang="es-419" noProof="0" dirty="0" smtClean="0"/>
+              <a:t> et al (2014) recomiende tres pasos básicos: </a:t>
+            </a:r>
           </a:p>
           <a:p>
             <a:pPr marL="514350" indent="-514350">
@@ -8182,8 +8474,8 @@
               <a:buAutoNum type="arabicPeriod"/>
             </a:pPr>
             <a:r>
-              <a:rPr lang="en-US" dirty="0" smtClean="0"/>
-              <a:t>Set up a joint probability distribution for all observable and unobservable quantities, consistent with underlying expertise</a:t>
+              <a:rPr lang="es-419" sz="2800" noProof="0" dirty="0"/>
+              <a:t>Hacer un modelo colectivo por todos los cantidades (datos y parámetros) del problema </a:t>
             </a:r>
           </a:p>
           <a:p>
@@ -8192,8 +8484,16 @@
               <a:buAutoNum type="arabicPeriod"/>
             </a:pPr>
             <a:r>
-              <a:rPr lang="en-US" dirty="0" smtClean="0"/>
-              <a:t>Condition on the observed data and fit the model to get a posterior distribution</a:t>
+              <a:rPr lang="es-419" sz="2800" noProof="0" dirty="0"/>
+              <a:t>Condicionar el modelo a los datos observados y estimar la probabilidad </a:t>
+            </a:r>
+            <a:r>
+              <a:rPr lang="es-419" sz="2800" i="1" noProof="0" dirty="0"/>
+              <a:t>a posteriori</a:t>
+            </a:r>
+            <a:r>
+              <a:rPr lang="es-419" sz="2800" noProof="0" dirty="0"/>
+              <a:t> </a:t>
             </a:r>
           </a:p>
           <a:p>
@@ -8202,9 +8502,10 @@
               <a:buAutoNum type="arabicPeriod"/>
             </a:pPr>
             <a:r>
-              <a:rPr lang="en-US" dirty="0" smtClean="0"/>
-              <a:t>Evaluate the fit of the model. Are conclusions reasonable, sensitive to assumptions?</a:t>
-            </a:r>
+              <a:rPr lang="es-419" sz="2800" noProof="0" dirty="0"/>
+              <a:t>Evaluar el ajuste, realizar si necesario, y después hacer inferencia (calcular probabilidades). </a:t>
+            </a:r>
+            <a:endParaRPr lang="es-419" noProof="0" dirty="0"/>
           </a:p>
         </p:txBody>
       </p:sp>
@@ -8277,10 +8578,10 @@
           <a:lstStyle/>
           <a:p>
             <a:r>
-              <a:rPr lang="en-US" dirty="0" smtClean="0"/>
-              <a:t>Setting up the model: data generation</a:t>
-            </a:r>
-            <a:endParaRPr lang="en-US" dirty="0"/>
+              <a:rPr lang="es-419" noProof="0" dirty="0" smtClean="0"/>
+              <a:t>Defina el proceso del los datos</a:t>
+            </a:r>
+            <a:endParaRPr lang="es-419" noProof="0" dirty="0"/>
           </a:p>
         </p:txBody>
       </p:sp>
@@ -8305,51 +8606,51 @@
           <a:lstStyle/>
           <a:p>
             <a:r>
-              <a:rPr lang="en-US" dirty="0" smtClean="0"/>
-              <a:t>Specify the data-generating process</a:t>
+              <a:rPr lang="es-419" noProof="0" dirty="0" smtClean="0"/>
+              <a:t>Especifica el proceso de los datos</a:t>
             </a:r>
           </a:p>
           <a:p>
             <a:pPr lvl="1"/>
             <a:r>
-              <a:rPr lang="en-US" dirty="0" smtClean="0"/>
-              <a:t>What is the structure of the model?</a:t>
+              <a:rPr lang="es-419" noProof="0" dirty="0" smtClean="0"/>
+              <a:t>Cual es la estructura del modelo?</a:t>
             </a:r>
           </a:p>
           <a:p>
             <a:pPr lvl="1"/>
             <a:r>
-              <a:rPr lang="en-US" dirty="0" smtClean="0"/>
-              <a:t>What kind of data can arise from it?</a:t>
+              <a:rPr lang="es-419" noProof="0" dirty="0" smtClean="0"/>
+              <a:t>Que tipo de dato puede ser observado?</a:t>
             </a:r>
           </a:p>
           <a:p>
             <a:pPr lvl="1"/>
             <a:r>
-              <a:rPr lang="en-US" dirty="0" smtClean="0"/>
-              <a:t>These determine the likelihood</a:t>
-            </a:r>
-          </a:p>
-          <a:p>
-            <a:r>
-              <a:rPr lang="en-US" dirty="0" smtClean="0"/>
-              <a:t>E.g., somatic growth always increases and  can never be negative</a:t>
-            </a:r>
-          </a:p>
-          <a:p>
-            <a:r>
-              <a:rPr lang="en-US" dirty="0"/>
-              <a:t>I</a:t>
-            </a:r>
-            <a:r>
-              <a:rPr lang="en-US" dirty="0" smtClean="0"/>
-              <a:t>mperfect measurements can be lower than truth but never negative  </a:t>
-            </a:r>
-          </a:p>
-          <a:p>
-            <a:r>
-              <a:rPr lang="en-US" dirty="0" smtClean="0"/>
-              <a:t>So we chose a VB growth curve with log-normal error</a:t>
+              <a:rPr lang="es-419" noProof="0" dirty="0" smtClean="0"/>
+              <a:t>Esos definen la verosimilitud </a:t>
+            </a:r>
+          </a:p>
+          <a:p>
+            <a:r>
+              <a:rPr lang="es-419" noProof="0" dirty="0" err="1" smtClean="0"/>
+              <a:t>E.g</a:t>
+            </a:r>
+            <a:r>
+              <a:rPr lang="es-419" noProof="0" dirty="0" smtClean="0"/>
+              <a:t>., crecimiento no puede ser negativo y las longitudes no pueden ser negativas</a:t>
+            </a:r>
+          </a:p>
+          <a:p>
+            <a:r>
+              <a:rPr lang="es-419" noProof="0" dirty="0" smtClean="0"/>
+              <a:t>Observaciones imperfectas puede ser bajas de la verdad pero nunca negativa. </a:t>
+            </a:r>
+          </a:p>
+          <a:p>
+            <a:r>
+              <a:rPr lang="es-419" noProof="0" dirty="0" smtClean="0"/>
+              <a:t>Se elige una curva VB con una verosimilitud log-normal</a:t>
             </a:r>
           </a:p>
         </p:txBody>
@@ -8423,10 +8724,10 @@
           <a:lstStyle/>
           <a:p>
             <a:r>
-              <a:rPr lang="en-US" dirty="0" smtClean="0"/>
-              <a:t>Setting up the model: the prior</a:t>
-            </a:r>
-            <a:endParaRPr lang="en-US" dirty="0"/>
+              <a:rPr lang="es-419" noProof="0" dirty="0" smtClean="0"/>
+              <a:t>Elige la prior </a:t>
+            </a:r>
+            <a:endParaRPr lang="es-419" noProof="0" dirty="0"/>
           </a:p>
         </p:txBody>
       </p:sp>
@@ -8451,32 +8752,39 @@
           <a:lstStyle/>
           <a:p>
             <a:r>
-              <a:rPr lang="en-US" dirty="0" smtClean="0"/>
-              <a:t>Identify the unknown parameters of this process and specify priors</a:t>
-            </a:r>
-          </a:p>
-          <a:p>
-            <a:r>
-              <a:rPr lang="en-US" dirty="0" smtClean="0"/>
-              <a:t>This is the controversial “subjective” step</a:t>
-            </a:r>
-          </a:p>
-          <a:p>
-            <a:r>
-              <a:rPr lang="en-US" dirty="0" smtClean="0"/>
-              <a:t>Sometimes we have information from previous studies, while sometimes explicit expert opinion.</a:t>
-            </a:r>
-          </a:p>
-          <a:p>
-            <a:r>
-              <a:rPr lang="en-US" dirty="0" smtClean="0"/>
-              <a:t>Other times it is not as clear what to use.</a:t>
-            </a:r>
-          </a:p>
-          <a:p>
-            <a:r>
-              <a:rPr lang="en-US" dirty="0" smtClean="0"/>
-              <a:t>What do we “know” about a system **before** we have data?</a:t>
+              <a:rPr lang="es-419" noProof="0" dirty="0" smtClean="0"/>
+              <a:t>Identifica los parámetros desconocidos del proceso y </a:t>
+            </a:r>
+            <a:r>
+              <a:rPr lang="es-419" noProof="0" dirty="0" smtClean="0"/>
+              <a:t>especifica </a:t>
+            </a:r>
+            <a:r>
+              <a:rPr lang="es-419" noProof="0" dirty="0" err="1" smtClean="0"/>
+              <a:t>priors</a:t>
+            </a:r>
+            <a:r>
+              <a:rPr lang="es-419" noProof="0" dirty="0" smtClean="0"/>
+              <a:t> </a:t>
+            </a:r>
+            <a:endParaRPr lang="es-419" noProof="0" dirty="0" smtClean="0"/>
+          </a:p>
+          <a:p>
+            <a:r>
+              <a:rPr lang="es-419" noProof="0" dirty="0" smtClean="0"/>
+              <a:t>A veces hay información de estudios previos, o conocimiento del un experto</a:t>
+            </a:r>
+          </a:p>
+          <a:p>
+            <a:r>
+              <a:rPr lang="es-419" noProof="0" dirty="0" smtClean="0"/>
+              <a:t>A veces no es caro lo que debes usar</a:t>
+            </a:r>
+          </a:p>
+          <a:p>
+            <a:r>
+              <a:rPr lang="es-419" noProof="0" dirty="0" smtClean="0"/>
+              <a:t>La pregunta es: Que sabes del sistema antes de observar los datos</a:t>
             </a:r>
           </a:p>
         </p:txBody>
@@ -8550,10 +8858,14 @@
           <a:lstStyle/>
           <a:p>
             <a:r>
-              <a:rPr lang="en-US" dirty="0" smtClean="0"/>
-              <a:t>Advice for setting priors</a:t>
-            </a:r>
-            <a:endParaRPr lang="en-US" dirty="0"/>
+              <a:rPr lang="es-419" noProof="0" dirty="0" smtClean="0"/>
+              <a:t>Consejo para elegir </a:t>
+            </a:r>
+            <a:r>
+              <a:rPr lang="es-419" noProof="0" dirty="0" err="1" smtClean="0"/>
+              <a:t>priors</a:t>
+            </a:r>
+            <a:endParaRPr lang="es-419" noProof="0" dirty="0"/>
           </a:p>
         </p:txBody>
       </p:sp>
@@ -8578,66 +8890,169 @@
           <a:lstStyle/>
           <a:p>
             <a:r>
-              <a:rPr lang="en-US" dirty="0" smtClean="0"/>
-              <a:t>Terms “vague”, “weakly informative” etc. are not defined</a:t>
-            </a:r>
-          </a:p>
-          <a:p>
-            <a:r>
-              <a:rPr lang="en-US" dirty="0" smtClean="0"/>
-              <a:t>It is often best when parameters are roughly on unit scale</a:t>
-            </a:r>
+              <a:rPr lang="es-419" sz="2800" noProof="0" dirty="0" smtClean="0"/>
+              <a:t>Palabras “</a:t>
+            </a:r>
+            <a:r>
+              <a:rPr lang="es-419" sz="2800" i="1" noProof="0" dirty="0" smtClean="0"/>
+              <a:t>vague</a:t>
+            </a:r>
+            <a:r>
+              <a:rPr lang="es-419" sz="2800" noProof="0" dirty="0" smtClean="0"/>
+              <a:t>”, “</a:t>
+            </a:r>
+            <a:r>
+              <a:rPr lang="es-419" sz="2800" i="1" noProof="0" dirty="0" err="1" smtClean="0"/>
+              <a:t>weakly</a:t>
+            </a:r>
+            <a:r>
+              <a:rPr lang="es-419" sz="2800" i="1" noProof="0" dirty="0" smtClean="0"/>
+              <a:t> </a:t>
+            </a:r>
+            <a:r>
+              <a:rPr lang="es-419" sz="2800" i="1" noProof="0" dirty="0" err="1" smtClean="0"/>
+              <a:t>informative</a:t>
+            </a:r>
+            <a:r>
+              <a:rPr lang="es-419" sz="2800" noProof="0" dirty="0" smtClean="0"/>
+              <a:t>” </a:t>
+            </a:r>
+            <a:r>
+              <a:rPr lang="es-419" sz="2800" noProof="0" dirty="0" smtClean="0"/>
+              <a:t>etc. no son definidos</a:t>
+            </a:r>
+            <a:endParaRPr lang="es-419" sz="2800" noProof="0" dirty="0" smtClean="0"/>
+          </a:p>
+          <a:p>
+            <a:r>
+              <a:rPr lang="es-419" sz="2800" noProof="0" dirty="0" smtClean="0"/>
+              <a:t>A menudo es mejor cuando la escala de los parámetros es cerca de uno (</a:t>
+            </a:r>
+            <a:r>
+              <a:rPr lang="es-419" sz="2800" i="1" noProof="0" dirty="0" err="1" smtClean="0"/>
+              <a:t>unit</a:t>
+            </a:r>
+            <a:r>
+              <a:rPr lang="es-419" sz="2800" i="1" noProof="0" dirty="0" smtClean="0"/>
+              <a:t> </a:t>
+            </a:r>
+            <a:r>
+              <a:rPr lang="es-419" sz="2800" i="1" noProof="0" dirty="0" err="1" smtClean="0"/>
+              <a:t>scale</a:t>
+            </a:r>
+            <a:r>
+              <a:rPr lang="es-419" sz="2800" noProof="0" dirty="0" smtClean="0"/>
+              <a:t>)</a:t>
+            </a:r>
+            <a:endParaRPr lang="es-419" sz="2800" noProof="0" dirty="0" smtClean="0"/>
           </a:p>
           <a:p>
             <a:pPr lvl="1"/>
             <a:r>
-              <a:rPr lang="en-US" dirty="0" smtClean="0"/>
-              <a:t>E.g., standardize predictors, divide by scale</a:t>
-            </a:r>
+              <a:rPr lang="es-419" sz="2400" noProof="0" dirty="0" err="1" smtClean="0"/>
+              <a:t>E.g</a:t>
+            </a:r>
+            <a:r>
+              <a:rPr lang="es-419" sz="2400" noProof="0" dirty="0" smtClean="0"/>
+              <a:t>., </a:t>
+            </a:r>
+            <a:r>
+              <a:rPr lang="es-419" sz="2400" noProof="0" dirty="0" err="1" smtClean="0"/>
+              <a:t>estandardiza</a:t>
+            </a:r>
+            <a:r>
+              <a:rPr lang="es-419" sz="2400" noProof="0" dirty="0" smtClean="0"/>
+              <a:t> los predictores</a:t>
+            </a:r>
+            <a:r>
+              <a:rPr lang="es-419" sz="2400" noProof="0" dirty="0" smtClean="0"/>
+              <a:t>, </a:t>
+            </a:r>
+            <a:r>
+              <a:rPr lang="es-419" sz="2400" noProof="0" dirty="0" smtClean="0"/>
+              <a:t>divide por la escala</a:t>
+            </a:r>
+            <a:endParaRPr lang="es-419" sz="2400" noProof="0" dirty="0" smtClean="0"/>
           </a:p>
           <a:p>
             <a:pPr lvl="1"/>
             <a:r>
-              <a:rPr lang="en-US" dirty="0" smtClean="0"/>
-              <a:t>If true priors are easier to interpret</a:t>
-            </a:r>
-          </a:p>
-          <a:p>
-            <a:r>
-              <a:rPr lang="en-US" dirty="0" smtClean="0"/>
-              <a:t>Avoid hard constraints unless there’s a physical reason, e.g., </a:t>
-            </a:r>
-            <a:r>
-              <a:rPr lang="el-GR" dirty="0" smtClean="0"/>
-              <a:t>θ</a:t>
-            </a:r>
-            <a:r>
-              <a:rPr lang="en-US" dirty="0" smtClean="0"/>
-              <a:t>&gt;0 or 0&lt;p&lt;1.</a:t>
-            </a:r>
-          </a:p>
-          <a:p>
-            <a:r>
-              <a:rPr lang="en-US" dirty="0" smtClean="0"/>
-              <a:t>E.g., if you think </a:t>
-            </a:r>
-            <a:r>
-              <a:rPr lang="en-US" dirty="0"/>
-              <a:t>0</a:t>
-            </a:r>
-            <a:r>
-              <a:rPr lang="en-US" dirty="0" smtClean="0"/>
-              <a:t>&lt;</a:t>
-            </a:r>
-            <a:r>
-              <a:rPr lang="el-GR" dirty="0"/>
-              <a:t> θ </a:t>
-            </a:r>
-            <a:r>
-              <a:rPr lang="en-US" dirty="0" smtClean="0"/>
-              <a:t>&lt;1, use N(.5,.5) instead of U(0,1)</a:t>
-            </a:r>
-            <a:endParaRPr lang="en-US" dirty="0"/>
+              <a:rPr lang="es-419" sz="2400" noProof="0" dirty="0" smtClean="0"/>
+              <a:t>Así que las </a:t>
+            </a:r>
+            <a:r>
+              <a:rPr lang="es-419" sz="2400" noProof="0" dirty="0" err="1" smtClean="0"/>
+              <a:t>priors</a:t>
+            </a:r>
+            <a:r>
+              <a:rPr lang="es-419" sz="2400" noProof="0" dirty="0" smtClean="0"/>
+              <a:t> son mas fácil de entender </a:t>
+            </a:r>
+          </a:p>
+          <a:p>
+            <a:r>
+              <a:rPr lang="es-419" sz="2800" noProof="0" dirty="0" smtClean="0"/>
+              <a:t>Evita restricciones duras, a menos que hay una razón </a:t>
+            </a:r>
+            <a:r>
+              <a:rPr lang="es-419" sz="2800" noProof="0" dirty="0" smtClean="0"/>
+              <a:t>física,</a:t>
+            </a:r>
+            <a:r>
+              <a:rPr lang="es-419" sz="2800" noProof="0" dirty="0" smtClean="0"/>
+              <a:t> </a:t>
+            </a:r>
+            <a:r>
+              <a:rPr lang="es-419" sz="2800" noProof="0" dirty="0" err="1" smtClean="0"/>
+              <a:t>e.g</a:t>
+            </a:r>
+            <a:r>
+              <a:rPr lang="es-419" sz="2800" noProof="0" dirty="0" smtClean="0"/>
+              <a:t>., θ&gt;0 </a:t>
+            </a:r>
+            <a:r>
+              <a:rPr lang="es-419" sz="2800" noProof="0" dirty="0" err="1" smtClean="0"/>
+              <a:t>or</a:t>
+            </a:r>
+            <a:r>
+              <a:rPr lang="es-419" sz="2800" noProof="0" dirty="0" smtClean="0"/>
+              <a:t> 0&lt;p&lt;1.</a:t>
+            </a:r>
+          </a:p>
+          <a:p>
+            <a:r>
+              <a:rPr lang="es-419" sz="2800" noProof="0" dirty="0" err="1" smtClean="0"/>
+              <a:t>E.g</a:t>
+            </a:r>
+            <a:r>
+              <a:rPr lang="es-419" sz="2800" noProof="0" dirty="0" smtClean="0"/>
+              <a:t>., </a:t>
+            </a:r>
+            <a:r>
+              <a:rPr lang="es-419" sz="2800" noProof="0" dirty="0" smtClean="0"/>
+              <a:t>si piensas 0</a:t>
+            </a:r>
+            <a:r>
+              <a:rPr lang="es-419" sz="2800" noProof="0" dirty="0" smtClean="0"/>
+              <a:t>&lt; θ &lt;1, </a:t>
+            </a:r>
+            <a:r>
+              <a:rPr lang="es-419" sz="2800" noProof="0" dirty="0" smtClean="0"/>
+              <a:t>usa </a:t>
+            </a:r>
+            <a:r>
+              <a:rPr lang="es-419" sz="2800" noProof="0" dirty="0" smtClean="0"/>
+              <a:t>N(.5,.5) </a:t>
+            </a:r>
+            <a:r>
+              <a:rPr lang="es-419" sz="2800" noProof="0" dirty="0" smtClean="0"/>
+              <a:t>en lugar de U(0,1</a:t>
+            </a:r>
+            <a:r>
+              <a:rPr lang="es-419" sz="2800" noProof="0" dirty="0" smtClean="0"/>
+              <a:t>)</a:t>
+            </a:r>
+            <a:endParaRPr lang="es-419" sz="2800" noProof="0" dirty="0"/>
           </a:p>
         </p:txBody>
       </p:sp>
@@ -8739,10 +9154,18 @@
           <a:lstStyle/>
           <a:p>
             <a:r>
-              <a:rPr lang="en-US" dirty="0" smtClean="0"/>
-              <a:t>Setting up the model: the prior</a:t>
-            </a:r>
-            <a:endParaRPr lang="en-US" dirty="0"/>
+              <a:rPr lang="es-419" noProof="0" dirty="0" smtClean="0"/>
+              <a:t>Exploración de la </a:t>
+            </a:r>
+            <a:r>
+              <a:rPr lang="es-419" noProof="0" dirty="0" err="1" smtClean="0"/>
+              <a:t>priors</a:t>
+            </a:r>
+            <a:r>
+              <a:rPr lang="es-419" noProof="0" dirty="0" smtClean="0"/>
+              <a:t> </a:t>
+            </a:r>
+            <a:endParaRPr lang="es-419" noProof="0" dirty="0"/>
           </a:p>
         </p:txBody>
       </p:sp>
@@ -8767,21 +9190,109 @@
           <a:lstStyle/>
           <a:p>
             <a:r>
-              <a:rPr lang="en-US" dirty="0" smtClean="0"/>
-              <a:t>It is also recommended to plot the prior vs the marginal posterior after the fact.</a:t>
-            </a:r>
-          </a:p>
-          <a:p>
-            <a:r>
-              <a:rPr lang="en-US" dirty="0" smtClean="0"/>
-              <a:t>Exploring different priors like this can help gauge the sensitivity </a:t>
-            </a:r>
-          </a:p>
-          <a:p>
-            <a:endParaRPr lang="en-US" dirty="0" smtClean="0"/>
-          </a:p>
-          <a:p>
-            <a:endParaRPr lang="en-US" dirty="0" smtClean="0"/>
+              <a:rPr lang="es-419" noProof="0" dirty="0" smtClean="0"/>
+              <a:t>Se recomienda </a:t>
+            </a:r>
+            <a:r>
+              <a:rPr lang="es-419" noProof="0" dirty="0" err="1" smtClean="0"/>
+              <a:t>plotear</a:t>
+            </a:r>
+            <a:r>
+              <a:rPr lang="es-419" noProof="0" dirty="0" smtClean="0"/>
+              <a:t> la prior vs la posterior después de ajustarlo</a:t>
+            </a:r>
+          </a:p>
+          <a:p>
+            <a:r>
+              <a:rPr lang="es-419" noProof="0" dirty="0" smtClean="0"/>
+              <a:t>Explorar varias </a:t>
+            </a:r>
+            <a:r>
+              <a:rPr lang="es-419" noProof="0" dirty="0" err="1" smtClean="0"/>
+              <a:t>priors</a:t>
+            </a:r>
+            <a:r>
+              <a:rPr lang="es-419" noProof="0" dirty="0" smtClean="0"/>
+              <a:t> </a:t>
+            </a:r>
+            <a:r>
+              <a:rPr lang="es-419" noProof="0" dirty="0" err="1" smtClean="0"/>
+              <a:t>asi</a:t>
+            </a:r>
+            <a:r>
+              <a:rPr lang="es-419" noProof="0" dirty="0" smtClean="0"/>
+              <a:t> puede </a:t>
+            </a:r>
+            <a:r>
+              <a:rPr lang="es-419" noProof="0" dirty="0" err="1" smtClean="0"/>
+              <a:t>Exploring</a:t>
+            </a:r>
+            <a:r>
+              <a:rPr lang="es-419" noProof="0" dirty="0" smtClean="0"/>
+              <a:t> </a:t>
+            </a:r>
+            <a:r>
+              <a:rPr lang="es-419" noProof="0" dirty="0" err="1" smtClean="0"/>
+              <a:t>different</a:t>
+            </a:r>
+            <a:r>
+              <a:rPr lang="es-419" noProof="0" dirty="0" smtClean="0"/>
+              <a:t> </a:t>
+            </a:r>
+            <a:r>
+              <a:rPr lang="es-419" noProof="0" dirty="0" err="1" smtClean="0"/>
+              <a:t>priors</a:t>
+            </a:r>
+            <a:r>
+              <a:rPr lang="es-419" noProof="0" dirty="0" smtClean="0"/>
+              <a:t> </a:t>
+            </a:r>
+            <a:r>
+              <a:rPr lang="es-419" noProof="0" dirty="0" err="1" smtClean="0"/>
+              <a:t>like</a:t>
+            </a:r>
+            <a:r>
+              <a:rPr lang="es-419" noProof="0" dirty="0" smtClean="0"/>
+              <a:t> </a:t>
+            </a:r>
+            <a:r>
+              <a:rPr lang="es-419" noProof="0" dirty="0" err="1" smtClean="0"/>
+              <a:t>this</a:t>
+            </a:r>
+            <a:r>
+              <a:rPr lang="es-419" noProof="0" dirty="0" smtClean="0"/>
+              <a:t> can </a:t>
+            </a:r>
+            <a:r>
+              <a:rPr lang="es-419" noProof="0" dirty="0" err="1" smtClean="0"/>
+              <a:t>help</a:t>
+            </a:r>
+            <a:r>
+              <a:rPr lang="es-419" noProof="0" dirty="0" smtClean="0"/>
+              <a:t> gauge </a:t>
+            </a:r>
+            <a:r>
+              <a:rPr lang="es-419" noProof="0" dirty="0" err="1" smtClean="0"/>
+              <a:t>the</a:t>
+            </a:r>
+            <a:r>
+              <a:rPr lang="es-419" noProof="0" dirty="0" smtClean="0"/>
+              <a:t> </a:t>
+            </a:r>
+            <a:r>
+              <a:rPr lang="es-419" noProof="0" dirty="0" err="1" smtClean="0"/>
+              <a:t>sensitivity</a:t>
+            </a:r>
+            <a:r>
+              <a:rPr lang="es-419" noProof="0" dirty="0" smtClean="0"/>
+              <a:t> </a:t>
+            </a:r>
+          </a:p>
+          <a:p>
+            <a:endParaRPr lang="es-419" noProof="0" dirty="0" smtClean="0"/>
+          </a:p>
+          <a:p>
+            <a:endParaRPr lang="es-419" noProof="0" dirty="0" smtClean="0"/>
           </a:p>
         </p:txBody>
       </p:sp>
@@ -8854,10 +9365,26 @@
           <a:lstStyle/>
           <a:p>
             <a:r>
-              <a:rPr lang="en-US" dirty="0" smtClean="0"/>
-              <a:t>The prior predictive distribution</a:t>
-            </a:r>
-            <a:endParaRPr lang="en-US" dirty="0"/>
+              <a:rPr lang="es-419" noProof="0" dirty="0" err="1" smtClean="0"/>
+              <a:t>The</a:t>
+            </a:r>
+            <a:r>
+              <a:rPr lang="es-419" noProof="0" dirty="0" smtClean="0"/>
+              <a:t> prior </a:t>
+            </a:r>
+            <a:r>
+              <a:rPr lang="es-419" noProof="0" dirty="0" err="1" smtClean="0"/>
+              <a:t>predictive</a:t>
+            </a:r>
+            <a:r>
+              <a:rPr lang="es-419" noProof="0" dirty="0" smtClean="0"/>
+              <a:t> </a:t>
+            </a:r>
+            <a:r>
+              <a:rPr lang="es-419" noProof="0" dirty="0" err="1" smtClean="0"/>
+              <a:t>distribution</a:t>
+            </a:r>
+            <a:endParaRPr lang="es-419" noProof="0" dirty="0"/>
           </a:p>
         </p:txBody>
       </p:sp>
@@ -8882,62 +9409,226 @@
           <a:lstStyle/>
           <a:p>
             <a:r>
-              <a:rPr lang="en-US" dirty="0" smtClean="0"/>
-              <a:t>Almost always we know something. E.g.</a:t>
-            </a:r>
-            <a:r>
-              <a:rPr lang="en-US" dirty="0"/>
-              <a:t/>
+              <a:rPr lang="es-419" noProof="0" dirty="0" smtClean="0"/>
+              <a:t>Casi siempre se sabe algo, </a:t>
+            </a:r>
+            <a:r>
+              <a:rPr lang="es-419" noProof="0" dirty="0" err="1" smtClean="0"/>
+              <a:t>E.g</a:t>
+            </a:r>
+            <a:r>
+              <a:rPr lang="es-419" noProof="0" dirty="0" smtClean="0"/>
+              <a:t>.</a:t>
             </a:r>
             <a:br>
-              <a:rPr lang="en-US" dirty="0"/>
+              <a:rPr lang="es-419" noProof="0" dirty="0" smtClean="0"/>
             </a:br>
             <a:r>
-              <a:rPr lang="en-US" dirty="0"/>
-              <a:t>“we can be fairly sure that we won’t observe any particularly healthy </a:t>
-            </a:r>
-            <a:r>
-              <a:rPr lang="en-US" dirty="0" smtClean="0"/>
-              <a:t>[birds] cruising </a:t>
-            </a:r>
-            <a:r>
-              <a:rPr lang="en-US" dirty="0"/>
-              <a:t>near the speed of </a:t>
-            </a:r>
-            <a:r>
-              <a:rPr lang="en-US" dirty="0" smtClean="0"/>
-              <a:t>light”</a:t>
-            </a:r>
-            <a:r>
-              <a:rPr lang="en-US" baseline="30000" dirty="0" smtClean="0"/>
+              <a:rPr lang="es-419" noProof="0" dirty="0" smtClean="0"/>
+              <a:t>“</a:t>
+            </a:r>
+            <a:r>
+              <a:rPr lang="es-419" noProof="0" dirty="0" err="1" smtClean="0"/>
+              <a:t>we</a:t>
+            </a:r>
+            <a:r>
+              <a:rPr lang="es-419" noProof="0" dirty="0" smtClean="0"/>
+              <a:t> can be </a:t>
+            </a:r>
+            <a:r>
+              <a:rPr lang="es-419" noProof="0" dirty="0" err="1" smtClean="0"/>
+              <a:t>fairly</a:t>
+            </a:r>
+            <a:r>
+              <a:rPr lang="es-419" noProof="0" dirty="0" smtClean="0"/>
+              <a:t> </a:t>
+            </a:r>
+            <a:r>
+              <a:rPr lang="es-419" noProof="0" dirty="0" err="1" smtClean="0"/>
+              <a:t>sure</a:t>
+            </a:r>
+            <a:r>
+              <a:rPr lang="es-419" noProof="0" dirty="0" smtClean="0"/>
+              <a:t> </a:t>
+            </a:r>
+            <a:r>
+              <a:rPr lang="es-419" noProof="0" dirty="0" err="1" smtClean="0"/>
+              <a:t>that</a:t>
+            </a:r>
+            <a:r>
+              <a:rPr lang="es-419" noProof="0" dirty="0" smtClean="0"/>
+              <a:t> </a:t>
+            </a:r>
+            <a:r>
+              <a:rPr lang="es-419" noProof="0" dirty="0" err="1" smtClean="0"/>
+              <a:t>we</a:t>
+            </a:r>
+            <a:r>
+              <a:rPr lang="es-419" noProof="0" dirty="0" smtClean="0"/>
+              <a:t> </a:t>
+            </a:r>
+            <a:r>
+              <a:rPr lang="es-419" noProof="0" dirty="0" err="1" smtClean="0"/>
+              <a:t>won’t</a:t>
+            </a:r>
+            <a:r>
+              <a:rPr lang="es-419" noProof="0" dirty="0" smtClean="0"/>
+              <a:t> observe </a:t>
+            </a:r>
+            <a:r>
+              <a:rPr lang="es-419" noProof="0" dirty="0" err="1" smtClean="0"/>
+              <a:t>any</a:t>
+            </a:r>
+            <a:r>
+              <a:rPr lang="es-419" noProof="0" dirty="0" smtClean="0"/>
+              <a:t> </a:t>
+            </a:r>
+            <a:r>
+              <a:rPr lang="es-419" noProof="0" dirty="0" err="1" smtClean="0"/>
+              <a:t>particularly</a:t>
+            </a:r>
+            <a:r>
+              <a:rPr lang="es-419" noProof="0" dirty="0" smtClean="0"/>
+              <a:t> </a:t>
+            </a:r>
+            <a:r>
+              <a:rPr lang="es-419" noProof="0" dirty="0" err="1" smtClean="0"/>
+              <a:t>healthy</a:t>
+            </a:r>
+            <a:r>
+              <a:rPr lang="es-419" noProof="0" dirty="0" smtClean="0"/>
+              <a:t> [</a:t>
+            </a:r>
+            <a:r>
+              <a:rPr lang="es-419" noProof="0" dirty="0" err="1" smtClean="0"/>
+              <a:t>birds</a:t>
+            </a:r>
+            <a:r>
+              <a:rPr lang="es-419" noProof="0" dirty="0" smtClean="0"/>
+              <a:t>] </a:t>
+            </a:r>
+            <a:r>
+              <a:rPr lang="es-419" noProof="0" dirty="0" err="1" smtClean="0"/>
+              <a:t>cruising</a:t>
+            </a:r>
+            <a:r>
+              <a:rPr lang="es-419" noProof="0" dirty="0" smtClean="0"/>
+              <a:t> </a:t>
+            </a:r>
+            <a:r>
+              <a:rPr lang="es-419" noProof="0" dirty="0" err="1" smtClean="0"/>
+              <a:t>near</a:t>
+            </a:r>
+            <a:r>
+              <a:rPr lang="es-419" noProof="0" dirty="0" smtClean="0"/>
+              <a:t> </a:t>
+            </a:r>
+            <a:r>
+              <a:rPr lang="es-419" noProof="0" dirty="0" err="1" smtClean="0"/>
+              <a:t>the</a:t>
+            </a:r>
+            <a:r>
+              <a:rPr lang="es-419" noProof="0" dirty="0" smtClean="0"/>
+              <a:t> </a:t>
+            </a:r>
+            <a:r>
+              <a:rPr lang="es-419" noProof="0" dirty="0" err="1" smtClean="0"/>
+              <a:t>speed</a:t>
+            </a:r>
+            <a:r>
+              <a:rPr lang="es-419" noProof="0" dirty="0" smtClean="0"/>
+              <a:t> of light”</a:t>
+            </a:r>
+            <a:r>
+              <a:rPr lang="es-419" baseline="30000" noProof="0" dirty="0" smtClean="0"/>
               <a:t>1</a:t>
             </a:r>
           </a:p>
           <a:p>
             <a:r>
-              <a:rPr lang="en-US" dirty="0" smtClean="0"/>
-              <a:t>We identify a meaningful statistic (e.g., speed) and ensure that:</a:t>
+              <a:rPr lang="es-419" noProof="0" dirty="0" smtClean="0"/>
+              <a:t>Identifica una estadística importante (</a:t>
+            </a:r>
+            <a:r>
+              <a:rPr lang="es-419" noProof="0" dirty="0" err="1" smtClean="0"/>
+              <a:t>e.g</a:t>
+            </a:r>
+            <a:r>
+              <a:rPr lang="es-419" noProof="0" dirty="0" smtClean="0"/>
+              <a:t>., velocidad) con un umbral y verificar que:</a:t>
             </a:r>
           </a:p>
           <a:p>
             <a:pPr lvl="1"/>
             <a:r>
-              <a:rPr lang="en-US" dirty="0" smtClean="0"/>
-              <a:t>Few values are beyond the threshold (extreme is unreasonable but not impossible)  </a:t>
+              <a:rPr lang="es-419" noProof="0" dirty="0" smtClean="0"/>
+              <a:t>Pocos valores son mas </a:t>
+            </a:r>
+            <a:r>
+              <a:rPr lang="es-419" noProof="0" dirty="0" err="1" smtClean="0"/>
+              <a:t>alla</a:t>
+            </a:r>
+            <a:r>
+              <a:rPr lang="es-419" noProof="0" dirty="0" smtClean="0"/>
+              <a:t> del umbral (</a:t>
+            </a:r>
+            <a:r>
+              <a:rPr lang="es-419" i="1" noProof="0" dirty="0" smtClean="0"/>
+              <a:t>extreme </a:t>
+            </a:r>
+            <a:r>
+              <a:rPr lang="es-419" i="1" noProof="0" dirty="0" err="1" smtClean="0"/>
+              <a:t>is</a:t>
+            </a:r>
+            <a:r>
+              <a:rPr lang="es-419" i="1" noProof="0" dirty="0" smtClean="0"/>
+              <a:t> </a:t>
+            </a:r>
+            <a:r>
+              <a:rPr lang="es-419" i="1" noProof="0" dirty="0" err="1" smtClean="0"/>
+              <a:t>unreasonable</a:t>
+            </a:r>
+            <a:r>
+              <a:rPr lang="es-419" i="1" noProof="0" dirty="0" smtClean="0"/>
+              <a:t> </a:t>
+            </a:r>
+            <a:r>
+              <a:rPr lang="es-419" i="1" noProof="0" dirty="0" err="1" smtClean="0"/>
+              <a:t>but</a:t>
+            </a:r>
+            <a:r>
+              <a:rPr lang="es-419" i="1" noProof="0" dirty="0" smtClean="0"/>
+              <a:t> </a:t>
+            </a:r>
+            <a:r>
+              <a:rPr lang="es-419" i="1" noProof="0" dirty="0" err="1" smtClean="0"/>
+              <a:t>not</a:t>
+            </a:r>
+            <a:r>
+              <a:rPr lang="es-419" i="1" noProof="0" dirty="0" smtClean="0"/>
+              <a:t> </a:t>
+            </a:r>
+            <a:r>
+              <a:rPr lang="es-419" i="1" noProof="0" dirty="0" err="1" smtClean="0"/>
+              <a:t>impossible</a:t>
+            </a:r>
+            <a:r>
+              <a:rPr lang="es-419" noProof="0" dirty="0" smtClean="0"/>
+              <a:t>)  </a:t>
             </a:r>
           </a:p>
           <a:p>
             <a:pPr lvl="1"/>
             <a:r>
-              <a:rPr lang="en-US" dirty="0" smtClean="0"/>
-              <a:t>But not excessive values beyond them</a:t>
+              <a:rPr lang="es-419" noProof="0" dirty="0" smtClean="0"/>
+              <a:t>Pero no muchos </a:t>
             </a:r>
           </a:p>
           <a:p>
             <a:pPr lvl="1"/>
             <a:r>
-              <a:rPr lang="en-US" dirty="0" smtClean="0"/>
-              <a:t>This is *before* the data is added</a:t>
+              <a:rPr lang="es-419" noProof="0" dirty="0" smtClean="0"/>
+              <a:t>Es antes de saber los datos </a:t>
             </a:r>
           </a:p>
         </p:txBody>
@@ -9048,10 +9739,26 @@
           <a:lstStyle/>
           <a:p>
             <a:r>
-              <a:rPr lang="en-US" dirty="0" smtClean="0"/>
-              <a:t>The prior predictive distribution</a:t>
-            </a:r>
-            <a:endParaRPr lang="en-US" dirty="0"/>
+              <a:rPr lang="es-419" noProof="0" dirty="0" err="1" smtClean="0"/>
+              <a:t>The</a:t>
+            </a:r>
+            <a:r>
+              <a:rPr lang="es-419" noProof="0" dirty="0" smtClean="0"/>
+              <a:t> prior </a:t>
+            </a:r>
+            <a:r>
+              <a:rPr lang="es-419" noProof="0" dirty="0" err="1" smtClean="0"/>
+              <a:t>predictive</a:t>
+            </a:r>
+            <a:r>
+              <a:rPr lang="es-419" noProof="0" dirty="0" smtClean="0"/>
+              <a:t> </a:t>
+            </a:r>
+            <a:r>
+              <a:rPr lang="es-419" noProof="0" dirty="0" err="1" smtClean="0"/>
+              <a:t>distribution</a:t>
+            </a:r>
+            <a:endParaRPr lang="es-419" noProof="0" dirty="0"/>
           </a:p>
         </p:txBody>
       </p:sp>
@@ -9076,34 +9783,64 @@
           <a:lstStyle/>
           <a:p>
             <a:r>
-              <a:rPr lang="en-US" dirty="0" smtClean="0"/>
-              <a:t>Run model with priors and model structure</a:t>
-            </a:r>
-          </a:p>
-          <a:p>
-            <a:r>
-              <a:rPr lang="en-US" dirty="0" smtClean="0"/>
-              <a:t>But *no data*</a:t>
-            </a:r>
-          </a:p>
-          <a:p>
-            <a:r>
-              <a:rPr lang="en-US" dirty="0" smtClean="0"/>
-              <a:t>Plot histogram of meaningful statistic</a:t>
-            </a:r>
-          </a:p>
-          <a:p>
-            <a:r>
-              <a:rPr lang="en-US" dirty="0" smtClean="0"/>
-              <a:t>Is it realistic? </a:t>
-            </a:r>
-          </a:p>
-          <a:p>
-            <a:r>
-              <a:rPr lang="en-US" dirty="0" smtClean="0"/>
-              <a:t>If not, priors do not reflect your expertise</a:t>
-            </a:r>
-            <a:endParaRPr lang="en-US" dirty="0"/>
+              <a:rPr lang="es-419" noProof="0" dirty="0" smtClean="0"/>
+              <a:t>Corre el modelo con solo las </a:t>
+            </a:r>
+            <a:r>
+              <a:rPr lang="es-419" noProof="0" dirty="0" err="1" smtClean="0"/>
+              <a:t>priors</a:t>
+            </a:r>
+            <a:r>
+              <a:rPr lang="es-419" noProof="0" dirty="0" smtClean="0"/>
+              <a:t> </a:t>
+            </a:r>
+            <a:endParaRPr lang="es-419" noProof="0" dirty="0" smtClean="0"/>
+          </a:p>
+          <a:p>
+            <a:r>
+              <a:rPr lang="es-419" noProof="0" dirty="0" smtClean="0"/>
+              <a:t>En R o JAGS</a:t>
+            </a:r>
+            <a:endParaRPr lang="es-419" noProof="0" dirty="0" smtClean="0"/>
+          </a:p>
+          <a:p>
+            <a:r>
+              <a:rPr lang="es-419" noProof="0" dirty="0" err="1" smtClean="0"/>
+              <a:t>Plotea</a:t>
+            </a:r>
+            <a:r>
+              <a:rPr lang="es-419" noProof="0" dirty="0" smtClean="0"/>
+              <a:t> un histograma de la estadística </a:t>
+            </a:r>
+          </a:p>
+          <a:p>
+            <a:r>
+              <a:rPr lang="es-419" noProof="0" dirty="0" smtClean="0"/>
+              <a:t>Es realista? </a:t>
+            </a:r>
+          </a:p>
+          <a:p>
+            <a:r>
+              <a:rPr lang="es-419" noProof="0" dirty="0" smtClean="0"/>
+              <a:t>Si no, las </a:t>
+            </a:r>
+            <a:r>
+              <a:rPr lang="es-419" noProof="0" dirty="0" err="1" smtClean="0"/>
+              <a:t>priors</a:t>
+            </a:r>
+            <a:r>
+              <a:rPr lang="es-419" noProof="0" dirty="0" smtClean="0"/>
+              <a:t> no reflejan </a:t>
+            </a:r>
+            <a:r>
+              <a:rPr lang="es-419" noProof="0" dirty="0" smtClean="0"/>
+              <a:t>tu </a:t>
+            </a:r>
+            <a:r>
+              <a:rPr lang="es-419" noProof="0" dirty="0" smtClean="0"/>
+              <a:t>conocimiento</a:t>
+            </a:r>
+            <a:endParaRPr lang="es-419" noProof="0" dirty="0"/>
           </a:p>
         </p:txBody>
       </p:sp>

--- a/dia3/lecture3_modeling.pptx
+++ b/dia3/lecture3_modeling.pptx
@@ -229,7 +229,7 @@
           <a:p>
             <a:fld id="{9EC8F33C-A7AA-43A7-BCA9-F081EA0B4664}" type="datetimeFigureOut">
               <a:rPr lang="en-US" smtClean="0"/>
-              <a:t>1/15/2019</a:t>
+              <a:t>1/16/2019</a:t>
             </a:fld>
             <a:endParaRPr lang="en-US"/>
           </a:p>
@@ -578,7 +578,7 @@
           </a:ln>
           <a:extLst>
             <a:ext uri="{909E8E84-426E-40dd-AFC4-6F175D3DCCD1}">
-              <a14:hiddenFill xmlns:a14="http://schemas.microsoft.com/office/drawing/2010/main" xmlns="">
+              <a14:hiddenFill xmlns="" xmlns:a14="http://schemas.microsoft.com/office/drawing/2010/main">
                 <a:solidFill>
                   <a:srgbClr val="FFFFFF"/>
                 </a:solidFill>
@@ -621,7 +621,7 @@
           </a:ln>
           <a:extLst>
             <a:ext uri="{909E8E84-426E-40dd-AFC4-6F175D3DCCD1}">
-              <a14:hiddenFill xmlns:a14="http://schemas.microsoft.com/office/drawing/2010/main" xmlns="">
+              <a14:hiddenFill xmlns="" xmlns:a14="http://schemas.microsoft.com/office/drawing/2010/main">
                 <a:noFill/>
               </a14:hiddenFill>
             </a:ext>
@@ -720,7 +720,7 @@
           <a:p>
             <a:fld id="{9A356AEA-056F-417E-9B38-4BA8743FE6C4}" type="datetime1">
               <a:rPr lang="en-US" smtClean="0"/>
-              <a:t>1/15/2019</a:t>
+              <a:t>1/16/2019</a:t>
             </a:fld>
             <a:endParaRPr lang="en-US"/>
           </a:p>
@@ -907,7 +907,7 @@
           <a:p>
             <a:fld id="{09867F7C-1948-4907-9EBC-DD38682B5188}" type="datetime1">
               <a:rPr lang="en-US" smtClean="0"/>
-              <a:t>1/15/2019</a:t>
+              <a:t>1/16/2019</a:t>
             </a:fld>
             <a:endParaRPr lang="en-US"/>
           </a:p>
@@ -1103,7 +1103,7 @@
           <a:p>
             <a:fld id="{A5996870-3492-4879-A20C-50CF7F25E309}" type="datetime1">
               <a:rPr lang="en-US" smtClean="0"/>
-              <a:t>1/15/2019</a:t>
+              <a:t>1/16/2019</a:t>
             </a:fld>
             <a:endParaRPr lang="en-US"/>
           </a:p>
@@ -1355,7 +1355,7 @@
           <a:p>
             <a:fld id="{3339509F-2835-4D20-8448-C5CCD453FC4A}" type="datetime1">
               <a:rPr lang="en-US" smtClean="0"/>
-              <a:t>1/15/2019</a:t>
+              <a:t>1/16/2019</a:t>
             </a:fld>
             <a:endParaRPr lang="en-US"/>
           </a:p>
@@ -1579,7 +1579,7 @@
           <a:p>
             <a:fld id="{7A6EDDDE-DBE4-4114-B865-EC3A2920782E}" type="datetime1">
               <a:rPr lang="en-US" smtClean="0"/>
-              <a:t>1/15/2019</a:t>
+              <a:t>1/16/2019</a:t>
             </a:fld>
             <a:endParaRPr lang="en-US"/>
           </a:p>
@@ -1887,7 +1887,7 @@
           <a:p>
             <a:fld id="{8DA96907-43AE-4B1E-B5FF-6853ADDA5697}" type="datetime1">
               <a:rPr lang="en-US" smtClean="0"/>
-              <a:t>1/15/2019</a:t>
+              <a:t>1/16/2019</a:t>
             </a:fld>
             <a:endParaRPr lang="en-US"/>
           </a:p>
@@ -2055,7 +2055,7 @@
           <a:p>
             <a:fld id="{2E65DF97-DE0F-4515-8F8D-0E1C627BC4E9}" type="datetime1">
               <a:rPr lang="en-US" smtClean="0"/>
-              <a:t>1/15/2019</a:t>
+              <a:t>1/16/2019</a:t>
             </a:fld>
             <a:endParaRPr lang="en-US"/>
           </a:p>
@@ -2367,7 +2367,7 @@
           <a:p>
             <a:fld id="{23B9FD00-80D5-4EA7-B536-8F4F2C3959C9}" type="datetime1">
               <a:rPr lang="en-US" smtClean="0"/>
-              <a:t>1/15/2019</a:t>
+              <a:t>1/16/2019</a:t>
             </a:fld>
             <a:endParaRPr lang="en-US"/>
           </a:p>
@@ -2679,7 +2679,7 @@
           <a:p>
             <a:fld id="{DAC77084-4DB4-4A23-9870-BF49183ACB4C}" type="datetime1">
               <a:rPr lang="en-US" smtClean="0"/>
-              <a:t>1/15/2019</a:t>
+              <a:t>1/16/2019</a:t>
             </a:fld>
             <a:endParaRPr lang="en-US"/>
           </a:p>
@@ -2865,7 +2865,7 @@
           <a:p>
             <a:fld id="{6E487ECE-0D8C-4AFB-BD35-997F06E0971C}" type="datetime1">
               <a:rPr lang="en-US" smtClean="0"/>
-              <a:t>1/15/2019</a:t>
+              <a:t>1/16/2019</a:t>
             </a:fld>
             <a:endParaRPr lang="en-US"/>
           </a:p>
@@ -3074,7 +3074,7 @@
           <a:p>
             <a:fld id="{D4F6DC8D-78A1-49CC-B033-F77D87B04958}" type="datetime1">
               <a:rPr lang="en-US" smtClean="0"/>
-              <a:t>1/15/2019</a:t>
+              <a:t>1/16/2019</a:t>
             </a:fld>
             <a:endParaRPr lang="en-US"/>
           </a:p>
@@ -3377,7 +3377,7 @@
           <a:p>
             <a:fld id="{3BCF4A7C-A413-48DA-9211-5240CAEE1DD4}" type="datetime1">
               <a:rPr lang="en-US" smtClean="0"/>
-              <a:t>1/15/2019</a:t>
+              <a:t>1/16/2019</a:t>
             </a:fld>
             <a:endParaRPr lang="en-US"/>
           </a:p>
@@ -3819,7 +3819,7 @@
           <a:p>
             <a:fld id="{AAE887C4-8D00-4515-BD6B-6D6B646F02F7}" type="datetime1">
               <a:rPr lang="en-US" smtClean="0"/>
-              <a:t>1/15/2019</a:t>
+              <a:t>1/16/2019</a:t>
             </a:fld>
             <a:endParaRPr lang="en-US"/>
           </a:p>
@@ -3954,7 +3954,7 @@
           <a:p>
             <a:fld id="{10C13C5A-776A-4D2B-A91E-2ACB7D90E7CC}" type="datetime1">
               <a:rPr lang="en-US" smtClean="0"/>
-              <a:t>1/15/2019</a:t>
+              <a:t>1/16/2019</a:t>
             </a:fld>
             <a:endParaRPr lang="en-US"/>
           </a:p>
@@ -4067,7 +4067,7 @@
           <a:p>
             <a:fld id="{00A5D59F-6FC3-492C-BAE3-F50C9D1FBA31}" type="datetime1">
               <a:rPr lang="en-US" smtClean="0"/>
-              <a:t>1/15/2019</a:t>
+              <a:t>1/16/2019</a:t>
             </a:fld>
             <a:endParaRPr lang="en-US"/>
           </a:p>
@@ -4360,7 +4360,7 @@
           <a:p>
             <a:fld id="{CD78B45F-E474-4F2F-801A-58FC9FE22655}" type="datetime1">
               <a:rPr lang="en-US" smtClean="0"/>
-              <a:t>1/15/2019</a:t>
+              <a:t>1/16/2019</a:t>
             </a:fld>
             <a:endParaRPr lang="en-US"/>
           </a:p>
@@ -4634,7 +4634,7 @@
           <a:p>
             <a:fld id="{FDF35450-A835-4587-8F84-782057674F92}" type="datetime1">
               <a:rPr lang="en-US" smtClean="0"/>
-              <a:t>1/15/2019</a:t>
+              <a:t>1/16/2019</a:t>
             </a:fld>
             <a:endParaRPr lang="en-US"/>
           </a:p>
@@ -4756,17 +4756,17 @@
           </a:ln>
           <a:extLst>
             <a:ext uri="{FAA26D3D-D897-4be2-8F04-BA451C77F1D7}">
-              <ma14:placeholderFlag xmlns:ma14="http://schemas.microsoft.com/office/mac/drawingml/2011/main" xmlns="" val="1"/>
+              <ma14:placeholderFlag xmlns="" xmlns:ma14="http://schemas.microsoft.com/office/mac/drawingml/2011/main" val="1"/>
             </a:ext>
             <a:ext uri="{909E8E84-426E-40dd-AFC4-6F175D3DCCD1}">
-              <a14:hiddenFill xmlns:a14="http://schemas.microsoft.com/office/drawing/2010/main" xmlns="">
+              <a14:hiddenFill xmlns="" xmlns:a14="http://schemas.microsoft.com/office/drawing/2010/main">
                 <a:solidFill>
                   <a:srgbClr val="FFFFFF"/>
                 </a:solidFill>
               </a14:hiddenFill>
             </a:ext>
             <a:ext uri="{91240B29-F687-4f45-9708-019B960494DF}">
-              <a14:hiddenLine xmlns:a14="http://schemas.microsoft.com/office/drawing/2010/main" xmlns="" w="9525">
+              <a14:hiddenLine xmlns="" xmlns:a14="http://schemas.microsoft.com/office/drawing/2010/main" w="9525">
                 <a:solidFill>
                   <a:srgbClr val="000000"/>
                 </a:solidFill>
@@ -4818,17 +4818,17 @@
           </a:ln>
           <a:extLst>
             <a:ext uri="{FAA26D3D-D897-4be2-8F04-BA451C77F1D7}">
-              <ma14:placeholderFlag xmlns:ma14="http://schemas.microsoft.com/office/mac/drawingml/2011/main" xmlns="" val="1"/>
+              <ma14:placeholderFlag xmlns="" xmlns:ma14="http://schemas.microsoft.com/office/mac/drawingml/2011/main" val="1"/>
             </a:ext>
             <a:ext uri="{909E8E84-426E-40dd-AFC4-6F175D3DCCD1}">
-              <a14:hiddenFill xmlns:a14="http://schemas.microsoft.com/office/drawing/2010/main" xmlns="">
+              <a14:hiddenFill xmlns="" xmlns:a14="http://schemas.microsoft.com/office/drawing/2010/main">
                 <a:solidFill>
                   <a:srgbClr val="FFFFFF"/>
                 </a:solidFill>
               </a14:hiddenFill>
             </a:ext>
             <a:ext uri="{91240B29-F687-4f45-9708-019B960494DF}">
-              <a14:hiddenLine xmlns:a14="http://schemas.microsoft.com/office/drawing/2010/main" xmlns="" w="9525">
+              <a14:hiddenLine xmlns="" xmlns:a14="http://schemas.microsoft.com/office/drawing/2010/main" w="9525">
                 <a:solidFill>
                   <a:srgbClr val="000000"/>
                 </a:solidFill>
@@ -4928,7 +4928,7 @@
           <a:p>
             <a:fld id="{F6803E09-2A09-4EEA-8E99-292225B5EDFC}" type="datetime1">
               <a:rPr lang="en-US" smtClean="0"/>
-              <a:t>1/15/2019</a:t>
+              <a:t>1/16/2019</a:t>
             </a:fld>
             <a:endParaRPr lang="en-US"/>
           </a:p>
@@ -5096,7 +5096,7 @@
           </a:ln>
           <a:extLst>
             <a:ext uri="{909E8E84-426E-40dd-AFC4-6F175D3DCCD1}">
-              <a14:hiddenFill xmlns:a14="http://schemas.microsoft.com/office/drawing/2010/main" xmlns="">
+              <a14:hiddenFill xmlns="" xmlns:a14="http://schemas.microsoft.com/office/drawing/2010/main">
                 <a:solidFill>
                   <a:srgbClr val="FFFFFF"/>
                 </a:solidFill>
@@ -5139,7 +5139,7 @@
           </a:ln>
           <a:extLst>
             <a:ext uri="{909E8E84-426E-40dd-AFC4-6F175D3DCCD1}">
-              <a14:hiddenFill xmlns:a14="http://schemas.microsoft.com/office/drawing/2010/main" xmlns="">
+              <a14:hiddenFill xmlns="" xmlns:a14="http://schemas.microsoft.com/office/drawing/2010/main">
                 <a:noFill/>
               </a14:hiddenFill>
             </a:ext>
@@ -5624,7 +5624,7 @@
           <p:cNvPr id="2" name="Title 1">
             <a:extLst>
               <a:ext uri="{FF2B5EF4-FFF2-40B4-BE49-F238E27FC236}">
-                <a16:creationId xmlns:a16="http://schemas.microsoft.com/office/drawing/2014/main" xmlns="" id="{4819A39B-28BB-4873-9914-8FEE18891DD4}"/>
+                <a16:creationId xmlns="" xmlns:a16="http://schemas.microsoft.com/office/drawing/2014/main" id="{4819A39B-28BB-4873-9914-8FEE18891DD4}"/>
               </a:ext>
             </a:extLst>
           </p:cNvPr>
@@ -5655,7 +5655,7 @@
           <p:cNvPr id="5" name="Subtitle 2">
             <a:extLst>
               <a:ext uri="{FF2B5EF4-FFF2-40B4-BE49-F238E27FC236}">
-                <a16:creationId xmlns:a16="http://schemas.microsoft.com/office/drawing/2014/main" xmlns="" id="{2BECD79D-0B3A-44C2-A155-03EC2A6A5D3B}"/>
+                <a16:creationId xmlns="" xmlns:a16="http://schemas.microsoft.com/office/drawing/2014/main" id="{2BECD79D-0B3A-44C2-A155-03EC2A6A5D3B}"/>
               </a:ext>
             </a:extLst>
           </p:cNvPr>
@@ -5678,17 +5678,17 @@
           </a:ln>
           <a:extLst>
             <a:ext uri="{FAA26D3D-D897-4be2-8F04-BA451C77F1D7}">
-              <ma14:placeholderFlag xmlns:ma14="http://schemas.microsoft.com/office/mac/drawingml/2011/main" xmlns="" val="1"/>
+              <ma14:placeholderFlag xmlns="" xmlns:ma14="http://schemas.microsoft.com/office/mac/drawingml/2011/main" val="1"/>
             </a:ext>
             <a:ext uri="{909E8E84-426E-40dd-AFC4-6F175D3DCCD1}">
-              <a14:hiddenFill xmlns:a14="http://schemas.microsoft.com/office/drawing/2010/main" xmlns="">
+              <a14:hiddenFill xmlns="" xmlns:a14="http://schemas.microsoft.com/office/drawing/2010/main">
                 <a:solidFill>
                   <a:srgbClr val="FFFFFF"/>
                 </a:solidFill>
               </a14:hiddenFill>
             </a:ext>
             <a:ext uri="{91240B29-F687-4f45-9708-019B960494DF}">
-              <a14:hiddenLine xmlns:a14="http://schemas.microsoft.com/office/drawing/2010/main" xmlns="" w="9525">
+              <a14:hiddenLine xmlns="" xmlns:a14="http://schemas.microsoft.com/office/drawing/2010/main" w="9525">
                 <a:solidFill>
                   <a:srgbClr val="000000"/>
                 </a:solidFill>
@@ -6019,25 +6019,13 @@
           <a:p>
             <a:r>
               <a:rPr lang="es-419" noProof="0" dirty="0" smtClean="0"/>
-              <a:t>Se marca 20 animales, y esperas que entre 10 y 20 vayan a sobrevivir </a:t>
-            </a:r>
-            <a:r>
-              <a:rPr lang="es-419" noProof="0" dirty="0" smtClean="0"/>
-              <a:t>(S) </a:t>
-            </a:r>
-            <a:r>
-              <a:rPr lang="es-419" noProof="0" dirty="0" smtClean="0"/>
-              <a:t>(i.e., binomial verosimilitud)</a:t>
-            </a:r>
-          </a:p>
-          <a:p>
-            <a:r>
-              <a:rPr lang="es-419" noProof="0" dirty="0" smtClean="0"/>
-              <a:t>La probabilidad de sobrevivencia =p</a:t>
-            </a:r>
-            <a:r>
-              <a:rPr lang="es-419" noProof="0" dirty="0" smtClean="0"/>
-              <a:t>=</a:t>
+              <a:t>Se marca 20 animales, y esperas que entre 10 y 20 vayan a sobrevivir (S) (i.e., binomial verosimilitud)</a:t>
+            </a:r>
+          </a:p>
+          <a:p>
+            <a:r>
+              <a:rPr lang="es-419" noProof="0" dirty="0" smtClean="0"/>
+              <a:t>La probabilidad de sobrevivencia =p=</a:t>
             </a:r>
             <a:r>
               <a:rPr lang="es-419" noProof="0" dirty="0" err="1" smtClean="0"/>
@@ -6045,15 +6033,7 @@
             </a:r>
             <a:r>
               <a:rPr lang="es-419" noProof="0" dirty="0" smtClean="0"/>
-              <a:t>(theta</a:t>
-            </a:r>
-            <a:r>
-              <a:rPr lang="es-419" noProof="0" dirty="0" smtClean="0"/>
-              <a:t>) </a:t>
-            </a:r>
-            <a:r>
-              <a:rPr lang="es-419" noProof="0" dirty="0" smtClean="0"/>
-              <a:t>donde </a:t>
+              <a:t>(theta) donde </a:t>
             </a:r>
             <a:r>
               <a:rPr lang="es-419" noProof="0" dirty="0" err="1" smtClean="0"/>
@@ -6061,17 +6041,8 @@
             </a:r>
             <a:r>
               <a:rPr lang="es-419" noProof="0" dirty="0" smtClean="0"/>
-              <a:t>=1</a:t>
-            </a:r>
-            <a:r>
-              <a:rPr lang="es-419" noProof="0" dirty="0" smtClean="0"/>
-              <a:t>/(1+exp</a:t>
-            </a:r>
-            <a:r>
-              <a:rPr lang="es-419" noProof="0" dirty="0" smtClean="0"/>
-              <a:t>(-theta))</a:t>
-            </a:r>
-            <a:endParaRPr lang="es-419" noProof="0" dirty="0" smtClean="0"/>
+              <a:t>=1/(1+exp(-theta))</a:t>
+            </a:r>
           </a:p>
           <a:p>
             <a:r>
@@ -6118,17 +6089,8 @@
             </a:r>
             <a:r>
               <a:rPr lang="es-419" noProof="0" dirty="0" smtClean="0"/>
-              <a:t> </a:t>
-            </a:r>
-            <a:r>
-              <a:rPr lang="es-419" noProof="0" dirty="0" smtClean="0"/>
-              <a:t>de</a:t>
-            </a:r>
-            <a:r>
-              <a:rPr lang="es-419" noProof="0" dirty="0" smtClean="0"/>
-              <a:t> S</a:t>
-            </a:r>
-            <a:endParaRPr lang="es-419" noProof="0" dirty="0" smtClean="0"/>
+              <a:t> de S</a:t>
+            </a:r>
           </a:p>
         </p:txBody>
       </p:sp>
@@ -6165,6 +6127,13 @@
   <p:clrMapOvr>
     <a:masterClrMapping/>
   </p:clrMapOvr>
+  <p:timing>
+    <p:tnLst>
+      <p:par>
+        <p:cTn id="1" dur="indefinite" restart="never" nodeType="tmRoot"/>
+      </p:par>
+    </p:tnLst>
+  </p:timing>
 </p:sld>
 </file>
 
@@ -6230,11 +6199,7 @@
           <a:p>
             <a:r>
               <a:rPr lang="es-419" noProof="0" dirty="0" smtClean="0"/>
-              <a:t>Se marca 20 animales, y esperas que entre 10 y 20 vayan a sobrevivir </a:t>
-            </a:r>
-            <a:r>
-              <a:rPr lang="es-419" noProof="0" dirty="0" smtClean="0"/>
-              <a:t>(=S) </a:t>
+              <a:t>Se marca 20 animales, y esperas que entre 10 y 20 vayan a sobrevivir (=S) </a:t>
             </a:r>
           </a:p>
           <a:p>
@@ -6246,16 +6211,11 @@
               <a:rPr lang="es-419" noProof="0" dirty="0" smtClean="0"/>
               <a:t>binomial verosimilitud</a:t>
             </a:r>
-            <a:endParaRPr lang="es-419" noProof="0" dirty="0" smtClean="0"/>
-          </a:p>
-          <a:p>
-            <a:r>
-              <a:rPr lang="es-419" noProof="0" dirty="0" smtClean="0"/>
-              <a:t>La probabilidad de sobrevivencia =p</a:t>
-            </a:r>
-            <a:r>
-              <a:rPr lang="es-419" noProof="0" dirty="0" smtClean="0"/>
-              <a:t>=</a:t>
+          </a:p>
+          <a:p>
+            <a:r>
+              <a:rPr lang="es-419" noProof="0" dirty="0" smtClean="0"/>
+              <a:t>La probabilidad de sobrevivencia =p=</a:t>
             </a:r>
             <a:r>
               <a:rPr lang="es-419" noProof="0" dirty="0" err="1" smtClean="0"/>
@@ -6263,15 +6223,7 @@
             </a:r>
             <a:r>
               <a:rPr lang="es-419" noProof="0" dirty="0" smtClean="0"/>
-              <a:t>(theta</a:t>
-            </a:r>
-            <a:r>
-              <a:rPr lang="es-419" noProof="0" dirty="0" smtClean="0"/>
-              <a:t>) </a:t>
-            </a:r>
-            <a:r>
-              <a:rPr lang="es-419" noProof="0" dirty="0" smtClean="0"/>
-              <a:t>donde </a:t>
+              <a:t>(theta) donde </a:t>
             </a:r>
             <a:r>
               <a:rPr lang="es-419" noProof="0" dirty="0" err="1" smtClean="0"/>
@@ -6279,17 +6231,8 @@
             </a:r>
             <a:r>
               <a:rPr lang="es-419" noProof="0" dirty="0" smtClean="0"/>
-              <a:t>=1</a:t>
-            </a:r>
-            <a:r>
-              <a:rPr lang="es-419" noProof="0" dirty="0" smtClean="0"/>
-              <a:t>/(1+exp</a:t>
-            </a:r>
-            <a:r>
-              <a:rPr lang="es-419" noProof="0" dirty="0" smtClean="0"/>
-              <a:t>(-theta))</a:t>
-            </a:r>
-            <a:endParaRPr lang="es-419" noProof="0" dirty="0" smtClean="0"/>
+              <a:t>=1/(1+exp(-theta))</a:t>
+            </a:r>
           </a:p>
           <a:p>
             <a:r>
@@ -6336,15 +6279,7 @@
             </a:r>
             <a:r>
               <a:rPr lang="es-419" noProof="0" dirty="0" smtClean="0"/>
-              <a:t> </a:t>
-            </a:r>
-            <a:r>
-              <a:rPr lang="es-419" noProof="0" dirty="0" smtClean="0"/>
-              <a:t>de</a:t>
-            </a:r>
-            <a:r>
-              <a:rPr lang="es-419" noProof="0" dirty="0" smtClean="0"/>
-              <a:t> S</a:t>
+              <a:t> de S</a:t>
             </a:r>
           </a:p>
           <a:p>
@@ -6389,6 +6324,13 @@
   <p:clrMapOvr>
     <a:masterClrMapping/>
   </p:clrMapOvr>
+  <p:timing>
+    <p:tnLst>
+      <p:par>
+        <p:cTn id="1" dur="indefinite" restart="never" nodeType="tmRoot"/>
+      </p:par>
+    </p:tnLst>
+  </p:timing>
 </p:sld>
 </file>
 
@@ -6505,52 +6447,45 @@
                 <a:latin typeface="Courier New" panose="02070309020205020404" pitchFamily="49" charset="0"/>
                 <a:cs typeface="Courier New" panose="02070309020205020404" pitchFamily="49" charset="0"/>
               </a:rPr>
-              <a:t>(mu, </a:t>
-            </a:r>
+              <a:t>(mu, 1/(sigma*sigma))</a:t>
+            </a:r>
+          </a:p>
+          <a:p>
+            <a:pPr marL="0" indent="0">
+              <a:buNone/>
+            </a:pPr>
             <a:r>
               <a:rPr lang="es-419" sz="2400" noProof="0" dirty="0" smtClean="0">
                 <a:latin typeface="Courier New" panose="02070309020205020404" pitchFamily="49" charset="0"/>
                 <a:cs typeface="Courier New" panose="02070309020205020404" pitchFamily="49" charset="0"/>
               </a:rPr>
-              <a:t>1</a:t>
+              <a:t>   p </a:t>
             </a:r>
             <a:r>
               <a:rPr lang="es-419" sz="2400" noProof="0" dirty="0" smtClean="0">
                 <a:latin typeface="Courier New" panose="02070309020205020404" pitchFamily="49" charset="0"/>
                 <a:cs typeface="Courier New" panose="02070309020205020404" pitchFamily="49" charset="0"/>
               </a:rPr>
-              <a:t>/(sigma*sigma))</a:t>
+              <a:t>&lt;- </a:t>
+            </a:r>
+            <a:r>
+              <a:rPr lang="es-419" sz="2400" noProof="0" dirty="0" err="1" smtClean="0">
+                <a:latin typeface="Courier New" panose="02070309020205020404" pitchFamily="49" charset="0"/>
+                <a:cs typeface="Courier New" panose="02070309020205020404" pitchFamily="49" charset="0"/>
+              </a:rPr>
+              <a:t>ilogit</a:t>
+            </a:r>
+            <a:r>
+              <a:rPr lang="es-419" sz="2400" noProof="0" dirty="0" smtClean="0">
+                <a:latin typeface="Courier New" panose="02070309020205020404" pitchFamily="49" charset="0"/>
+                <a:cs typeface="Courier New" panose="02070309020205020404" pitchFamily="49" charset="0"/>
+              </a:rPr>
+              <a:t>(theta)</a:t>
             </a:r>
             <a:endParaRPr lang="es-419" sz="2400" noProof="0" dirty="0" smtClean="0">
               <a:latin typeface="Courier New" panose="02070309020205020404" pitchFamily="49" charset="0"/>
               <a:cs typeface="Courier New" panose="02070309020205020404" pitchFamily="49" charset="0"/>
             </a:endParaRPr>
-          </a:p>
-          <a:p>
-            <a:pPr marL="0" indent="0">
-              <a:buNone/>
-            </a:pPr>
-            <a:r>
-              <a:rPr lang="es-419" sz="2400" noProof="0" dirty="0" smtClean="0">
-                <a:latin typeface="Courier New" panose="02070309020205020404" pitchFamily="49" charset="0"/>
-                <a:cs typeface="Courier New" panose="02070309020205020404" pitchFamily="49" charset="0"/>
-              </a:rPr>
-              <a:t>  </a:t>
-            </a:r>
-            <a:r>
-              <a:rPr lang="es-419" sz="2400" noProof="0" dirty="0" err="1" smtClean="0">
-                <a:latin typeface="Courier New" panose="02070309020205020404" pitchFamily="49" charset="0"/>
-                <a:cs typeface="Courier New" panose="02070309020205020404" pitchFamily="49" charset="0"/>
-              </a:rPr>
-              <a:t>logit</a:t>
-            </a:r>
-            <a:r>
-              <a:rPr lang="es-419" sz="2400" noProof="0" dirty="0" smtClean="0">
-                <a:latin typeface="Courier New" panose="02070309020205020404" pitchFamily="49" charset="0"/>
-                <a:cs typeface="Courier New" panose="02070309020205020404" pitchFamily="49" charset="0"/>
-              </a:rPr>
-              <a:t>(p) &lt;- theta</a:t>
-            </a:r>
           </a:p>
           <a:p>
             <a:pPr marL="0" indent="0">
@@ -6664,17 +6599,17 @@
           </a:ln>
           <a:extLst>
             <a:ext uri="{FAA26D3D-D897-4be2-8F04-BA451C77F1D7}">
-              <ma14:placeholderFlag xmlns:ma14="http://schemas.microsoft.com/office/mac/drawingml/2011/main" xmlns="" val="1"/>
+              <ma14:placeholderFlag xmlns="" xmlns:ma14="http://schemas.microsoft.com/office/mac/drawingml/2011/main" val="1"/>
             </a:ext>
             <a:ext uri="{909E8E84-426E-40dd-AFC4-6F175D3DCCD1}">
-              <a14:hiddenFill xmlns:a14="http://schemas.microsoft.com/office/drawing/2010/main" xmlns="">
+              <a14:hiddenFill xmlns="" xmlns:a14="http://schemas.microsoft.com/office/drawing/2010/main">
                 <a:solidFill>
                   <a:srgbClr val="FFFFFF"/>
                 </a:solidFill>
               </a14:hiddenFill>
             </a:ext>
             <a:ext uri="{91240B29-F687-4f45-9708-019B960494DF}">
-              <a14:hiddenLine xmlns:a14="http://schemas.microsoft.com/office/drawing/2010/main" xmlns="" w="9525">
+              <a14:hiddenLine xmlns="" xmlns:a14="http://schemas.microsoft.com/office/drawing/2010/main" w="9525">
                 <a:solidFill>
                   <a:srgbClr val="000000"/>
                 </a:solidFill>
@@ -6890,15 +6825,7 @@
             <a:pPr defTabSz="914400"/>
             <a:r>
               <a:rPr lang="es-419" kern="0" noProof="1" smtClean="0"/>
-              <a:t>Chequea </a:t>
-            </a:r>
-            <a:r>
-              <a:rPr lang="es-419" kern="0" noProof="1" smtClean="0"/>
-              <a:t>por senals de no hay convergencia [</a:t>
-            </a:r>
-            <a:r>
-              <a:rPr lang="es-419" kern="0" noProof="1" smtClean="0"/>
-              <a:t>Demo in R]</a:t>
+              <a:t>Chequea por senals de no hay convergencia [Demo in R]</a:t>
             </a:r>
             <a:endParaRPr lang="es-419" sz="2000" kern="0" noProof="1">
               <a:latin typeface="Courier New" panose="02070309020205020404" pitchFamily="49" charset="0"/>
@@ -6982,9 +6909,16 @@
           <a:p>
             <a:r>
               <a:rPr lang="es-419" noProof="0" dirty="0" smtClean="0"/>
-              <a:t>Actualiza el modelo JAGS (logistic2.jags) y código de R para usar datos de tres sitios independientes</a:t>
-            </a:r>
-            <a:endParaRPr lang="es-419" noProof="0" dirty="0" smtClean="0"/>
+              <a:t>Actualiza el modelo JAGS (logistic2.jags) y código de R para usar datos de </a:t>
+            </a:r>
+            <a:r>
+              <a:rPr lang="es-419" noProof="0" dirty="0" smtClean="0"/>
+              <a:t>diez sitios </a:t>
+            </a:r>
+            <a:r>
+              <a:rPr lang="es-419" noProof="0" dirty="0" smtClean="0"/>
+              <a:t>independientes</a:t>
+            </a:r>
           </a:p>
           <a:p>
             <a:pPr marL="0" indent="0">
@@ -6995,14 +6929,7 @@
                 <a:latin typeface="Courier New" panose="02070309020205020404" pitchFamily="49" charset="0"/>
                 <a:cs typeface="Courier New" panose="02070309020205020404" pitchFamily="49" charset="0"/>
               </a:rPr>
-              <a:t>dat2 </a:t>
-            </a:r>
-            <a:r>
-              <a:rPr lang="es-419" sz="2400" noProof="0" dirty="0" smtClean="0">
-                <a:latin typeface="Courier New" panose="02070309020205020404" pitchFamily="49" charset="0"/>
-                <a:cs typeface="Courier New" panose="02070309020205020404" pitchFamily="49" charset="0"/>
-              </a:rPr>
-              <a:t>&lt;- </a:t>
+              <a:t>dat2 &lt;- </a:t>
             </a:r>
             <a:r>
               <a:rPr lang="es-419" sz="2400" noProof="0" dirty="0" err="1" smtClean="0">
@@ -7016,21 +6943,7 @@
                 <a:latin typeface="Courier New" panose="02070309020205020404" pitchFamily="49" charset="0"/>
                 <a:cs typeface="Courier New" panose="02070309020205020404" pitchFamily="49" charset="0"/>
               </a:rPr>
-              <a:t>(y=c(15, 12, 11, 12, 4, 15, 17, </a:t>
-            </a:r>
-            <a:r>
-              <a:rPr lang="es-419" sz="2400" noProof="0" dirty="0" smtClean="0">
-                <a:latin typeface="Courier New" panose="02070309020205020404" pitchFamily="49" charset="0"/>
-                <a:cs typeface="Courier New" panose="02070309020205020404" pitchFamily="49" charset="0"/>
-              </a:rPr>
-              <a:t>1	 2</a:t>
-            </a:r>
-            <a:r>
-              <a:rPr lang="es-419" sz="2400" noProof="0" dirty="0" smtClean="0">
-                <a:latin typeface="Courier New" panose="02070309020205020404" pitchFamily="49" charset="0"/>
-                <a:cs typeface="Courier New" panose="02070309020205020404" pitchFamily="49" charset="0"/>
-              </a:rPr>
-              <a:t>, 16, 14),</a:t>
+              <a:t>(y=c(15, 12, 11, 12, 4, 15, 17, 1	 2, 16, 14),</a:t>
             </a:r>
           </a:p>
           <a:p>
@@ -7056,19 +6969,8 @@
                 <a:latin typeface="Courier New" panose="02070309020205020404" pitchFamily="49" charset="0"/>
                 <a:cs typeface="Courier New" panose="02070309020205020404" pitchFamily="49" charset="0"/>
               </a:rPr>
-              <a:t>(20, 10), </a:t>
-            </a:r>
-            <a:r>
-              <a:rPr lang="es-419" sz="2400" noProof="0" dirty="0" smtClean="0">
-                <a:latin typeface="Courier New" panose="02070309020205020404" pitchFamily="49" charset="0"/>
-                <a:cs typeface="Courier New" panose="02070309020205020404" pitchFamily="49" charset="0"/>
-              </a:rPr>
-              <a:t>R=10, mu=1, sigma=0.5)</a:t>
-            </a:r>
-            <a:endParaRPr lang="es-419" sz="2400" noProof="0" dirty="0" smtClean="0">
-              <a:latin typeface="Courier New" panose="02070309020205020404" pitchFamily="49" charset="0"/>
-              <a:cs typeface="Courier New" panose="02070309020205020404" pitchFamily="49" charset="0"/>
-            </a:endParaRPr>
+              <a:t>(20, 10), R=10, mu=1, sigma=0.5)</a:t>
+            </a:r>
           </a:p>
           <a:p>
             <a:r>
@@ -7214,14 +7116,12 @@
               <a:rPr lang="es-419" noProof="0" dirty="0" smtClean="0"/>
               <a:t>Pero MCMC convergencia no significa que el ajuste del modelo es bueno. </a:t>
             </a:r>
-            <a:endParaRPr lang="es-419" noProof="0" dirty="0" smtClean="0"/>
           </a:p>
           <a:p>
             <a:r>
               <a:rPr lang="es-419" noProof="0" dirty="0" smtClean="0"/>
               <a:t>Entonces, como se puede saber si es bueno? Que la estructura del modelo es suficiente compleja? </a:t>
             </a:r>
-            <a:endParaRPr lang="es-419" noProof="0" dirty="0" smtClean="0"/>
           </a:p>
           <a:p>
             <a:r>
@@ -7285,6 +7185,13 @@
   <p:clrMapOvr>
     <a:masterClrMapping/>
   </p:clrMapOvr>
+  <p:timing>
+    <p:tnLst>
+      <p:par>
+        <p:cTn id="1" dur="indefinite" restart="never" nodeType="tmRoot"/>
+      </p:par>
+    </p:tnLst>
+  </p:timing>
 </p:sld>
 </file>
 
@@ -7370,7 +7277,6 @@
               <a:rPr lang="es-419" noProof="0" dirty="0" smtClean="0"/>
               <a:t>Se puede hacerlo en R o JAGS</a:t>
             </a:r>
-            <a:endParaRPr lang="es-419" noProof="0" dirty="0" smtClean="0"/>
           </a:p>
           <a:p>
             <a:r>
@@ -7414,7 +7320,15 @@
           <a:p>
             <a:r>
               <a:rPr lang="es-419" dirty="0" smtClean="0"/>
-              <a:t>Los reales deben parecer como los precedidos, y si no el modelo no es suficiente </a:t>
+              <a:t>Los reales deben parecer como los </a:t>
+            </a:r>
+            <a:r>
+              <a:rPr lang="es-419" dirty="0" smtClean="0"/>
+              <a:t>predichos, </a:t>
+            </a:r>
+            <a:r>
+              <a:rPr lang="es-419" dirty="0" smtClean="0"/>
+              <a:t>y si no el modelo no es suficiente </a:t>
             </a:r>
             <a:endParaRPr lang="es-419" noProof="0" dirty="0"/>
           </a:p>
@@ -7453,6 +7367,13 @@
   <p:clrMapOvr>
     <a:masterClrMapping/>
   </p:clrMapOvr>
+  <p:timing>
+    <p:tnLst>
+      <p:par>
+        <p:cTn id="1" dur="indefinite" restart="never" nodeType="tmRoot"/>
+      </p:par>
+    </p:tnLst>
+  </p:timing>
 </p:sld>
 </file>
 
@@ -7533,11 +7454,7 @@
             </a:r>
             <a:r>
               <a:rPr lang="es-419" noProof="0" dirty="0" smtClean="0"/>
-              <a:t> </a:t>
-            </a:r>
-            <a:r>
-              <a:rPr lang="es-419" noProof="0" dirty="0" smtClean="0"/>
-              <a:t>después podemos simular otro dato </a:t>
+              <a:t> después podemos simular otro dato </a:t>
             </a:r>
             <a:r>
               <a:rPr lang="es-419" i="1" noProof="0" dirty="0" smtClean="0"/>
@@ -7552,15 +7469,7 @@
             </a:r>
             <a:r>
               <a:rPr lang="es-419" noProof="0" dirty="0" smtClean="0"/>
-              <a:t>., </a:t>
-            </a:r>
-            <a:r>
-              <a:rPr lang="es-419" noProof="0" dirty="0" smtClean="0"/>
-              <a:t>en nuestro caso y</a:t>
-            </a:r>
-            <a:r>
-              <a:rPr lang="es-419" noProof="0" dirty="0" smtClean="0"/>
-              <a:t>*=</a:t>
+              <a:t>., en nuestro caso y*=</a:t>
             </a:r>
             <a:r>
               <a:rPr lang="es-419" noProof="0" dirty="0" err="1" smtClean="0"/>
@@ -7568,11 +7477,7 @@
             </a:r>
             <a:r>
               <a:rPr lang="es-419" noProof="0" dirty="0" smtClean="0"/>
-              <a:t>(1, 20, p*). </a:t>
-            </a:r>
-            <a:r>
-              <a:rPr lang="es-419" noProof="0" dirty="0" smtClean="0"/>
-              <a:t>Se produce un dato. </a:t>
+              <a:t>(1, 20, p*). Se produce un dato. </a:t>
             </a:r>
           </a:p>
           <a:p>
@@ -7582,19 +7487,11 @@
             </a:r>
             <a:r>
               <a:rPr lang="es-419" i="1" noProof="0" dirty="0" smtClean="0"/>
-              <a:t>θ</a:t>
-            </a:r>
-            <a:r>
-              <a:rPr lang="es-419" i="1" noProof="0" dirty="0" smtClean="0"/>
-              <a:t>*</a:t>
-            </a:r>
-            <a:r>
-              <a:rPr lang="es-419" noProof="0" dirty="0" smtClean="0"/>
-              <a:t> </a:t>
-            </a:r>
-            <a:r>
-              <a:rPr lang="es-419" noProof="0" dirty="0" smtClean="0"/>
-              <a:t>para formar una distribución (</a:t>
+              <a:t>θ*</a:t>
+            </a:r>
+            <a:r>
+              <a:rPr lang="es-419" noProof="0" dirty="0" smtClean="0"/>
+              <a:t> para formar una distribución (</a:t>
             </a:r>
             <a:r>
               <a:rPr lang="es-419" i="1" noProof="0" dirty="0" smtClean="0"/>
@@ -7615,7 +7512,6 @@
               <a:rPr lang="es-419" noProof="0" dirty="0" smtClean="0"/>
               <a:t>Finalmente, compara eso (a veces visualmente) a los datos observados para encontrar patrones malos</a:t>
             </a:r>
-            <a:endParaRPr lang="es-419" noProof="0" dirty="0" smtClean="0"/>
           </a:p>
         </p:txBody>
       </p:sp>
@@ -7652,6 +7548,13 @@
   <p:clrMapOvr>
     <a:masterClrMapping/>
   </p:clrMapOvr>
+  <p:timing>
+    <p:tnLst>
+      <p:par>
+        <p:cTn id="1" dur="indefinite" restart="never" nodeType="tmRoot"/>
+      </p:par>
+    </p:tnLst>
+  </p:timing>
 </p:sld>
 </file>
 
@@ -7792,7 +7695,7 @@
             </a:r>
             <a:r>
               <a:rPr lang="es-419" noProof="0" dirty="0" err="1" smtClean="0"/>
-              <a:t>replicate</a:t>
+              <a:t>site</a:t>
             </a:r>
             <a:r>
               <a:rPr lang="es-419" noProof="0" dirty="0" smtClean="0"/>
@@ -7945,11 +7848,7 @@
             </a:r>
             <a:r>
               <a:rPr lang="es-419" noProof="0" dirty="0" smtClean="0"/>
-              <a:t> vs </a:t>
-            </a:r>
-            <a:r>
-              <a:rPr lang="es-419" noProof="0" dirty="0" smtClean="0"/>
-              <a:t>posterior </a:t>
+              <a:t> vs posterior </a:t>
             </a:r>
             <a:r>
               <a:rPr lang="es-419" noProof="0" dirty="0" err="1" smtClean="0"/>
@@ -8066,6 +7965,13 @@
   <p:clrMapOvr>
     <a:masterClrMapping/>
   </p:clrMapOvr>
+  <p:timing>
+    <p:tnLst>
+      <p:par>
+        <p:cTn id="1" dur="indefinite" restart="never" nodeType="tmRoot"/>
+      </p:par>
+    </p:tnLst>
+  </p:timing>
 </p:sld>
 </file>
 
@@ -8200,6 +8106,13 @@
   <p:clrMapOvr>
     <a:masterClrMapping/>
   </p:clrMapOvr>
+  <p:timing>
+    <p:tnLst>
+      <p:par>
+        <p:cTn id="1" dur="indefinite" restart="never" nodeType="tmRoot"/>
+      </p:par>
+    </p:tnLst>
+  </p:timing>
 </p:sld>
 </file>
 
@@ -8225,7 +8138,7 @@
           <p:cNvPr id="2" name="Title 1">
             <a:extLst>
               <a:ext uri="{FF2B5EF4-FFF2-40B4-BE49-F238E27FC236}">
-                <a16:creationId xmlns:a16="http://schemas.microsoft.com/office/drawing/2014/main" xmlns="" id="{3F85E31D-5021-4B9C-A2F6-6670EA453677}"/>
+                <a16:creationId xmlns="" xmlns:a16="http://schemas.microsoft.com/office/drawing/2014/main" id="{3F85E31D-5021-4B9C-A2F6-6670EA453677}"/>
               </a:ext>
             </a:extLst>
           </p:cNvPr>
@@ -8254,7 +8167,7 @@
           <p:cNvPr id="3" name="Content Placeholder 2">
             <a:extLst>
               <a:ext uri="{FF2B5EF4-FFF2-40B4-BE49-F238E27FC236}">
-                <a16:creationId xmlns:a16="http://schemas.microsoft.com/office/drawing/2014/main" xmlns="" id="{28B492CE-B56B-411E-ACCC-F83AC37AA46D}"/>
+                <a16:creationId xmlns="" xmlns:a16="http://schemas.microsoft.com/office/drawing/2014/main" id="{28B492CE-B56B-411E-ACCC-F83AC37AA46D}"/>
               </a:ext>
             </a:extLst>
           </p:cNvPr>
@@ -8333,25 +8246,13 @@
           <a:p>
             <a:r>
               <a:rPr lang="es-419" noProof="0" dirty="0" smtClean="0"/>
-              <a:t>Usa las </a:t>
-            </a:r>
-            <a:r>
-              <a:rPr lang="es-419" noProof="0" dirty="0" smtClean="0"/>
-              <a:t>muestras </a:t>
-            </a:r>
-            <a:r>
-              <a:rPr lang="es-419" noProof="0" dirty="0" smtClean="0"/>
-              <a:t>para aproximar las probabilidades </a:t>
-            </a:r>
-          </a:p>
-          <a:p>
-            <a:r>
-              <a:rPr lang="es-419" noProof="0" dirty="0" smtClean="0"/>
-              <a:t>Hay que chequear para señales de no </a:t>
-            </a:r>
-            <a:r>
-              <a:rPr lang="es-419" noProof="0" dirty="0" smtClean="0"/>
-              <a:t>hay convergencia </a:t>
+              <a:t>Usa las muestras para aproximar las probabilidades </a:t>
+            </a:r>
+          </a:p>
+          <a:p>
+            <a:r>
+              <a:rPr lang="es-419" noProof="0" dirty="0" smtClean="0"/>
+              <a:t>Hay que chequear para señales de no hay convergencia </a:t>
             </a:r>
             <a:endParaRPr lang="es-419" noProof="0" dirty="0"/>
           </a:p>
@@ -8362,7 +8263,7 @@
           <p:cNvPr id="4" name="Slide Number Placeholder 3">
             <a:extLst>
               <a:ext uri="{FF2B5EF4-FFF2-40B4-BE49-F238E27FC236}">
-                <a16:creationId xmlns:a16="http://schemas.microsoft.com/office/drawing/2014/main" xmlns="" id="{EC538D91-6F8B-42BB-A135-BD948D230469}"/>
+                <a16:creationId xmlns="" xmlns:a16="http://schemas.microsoft.com/office/drawing/2014/main" id="{EC538D91-6F8B-42BB-A135-BD948D230469}"/>
               </a:ext>
             </a:extLst>
           </p:cNvPr>
@@ -8396,6 +8297,13 @@
   <p:clrMapOvr>
     <a:masterClrMapping/>
   </p:clrMapOvr>
+  <p:timing>
+    <p:tnLst>
+      <p:par>
+        <p:cTn id="1" dur="indefinite" restart="never" nodeType="tmRoot"/>
+      </p:par>
+    </p:tnLst>
+  </p:timing>
 </p:sld>
 </file>
 
@@ -8542,6 +8450,13 @@
   <p:clrMapOvr>
     <a:masterClrMapping/>
   </p:clrMapOvr>
+  <p:timing>
+    <p:tnLst>
+      <p:par>
+        <p:cTn id="1" dur="indefinite" restart="never" nodeType="tmRoot"/>
+      </p:par>
+    </p:tnLst>
+  </p:timing>
 </p:sld>
 </file>
 
@@ -8688,6 +8603,13 @@
   <p:clrMapOvr>
     <a:masterClrMapping/>
   </p:clrMapOvr>
+  <p:timing>
+    <p:tnLst>
+      <p:par>
+        <p:cTn id="1" dur="indefinite" restart="never" nodeType="tmRoot"/>
+      </p:par>
+    </p:tnLst>
+  </p:timing>
 </p:sld>
 </file>
 
@@ -8753,11 +8675,7 @@
           <a:p>
             <a:r>
               <a:rPr lang="es-419" noProof="0" dirty="0" smtClean="0"/>
-              <a:t>Identifica los parámetros desconocidos del proceso y </a:t>
-            </a:r>
-            <a:r>
-              <a:rPr lang="es-419" noProof="0" dirty="0" smtClean="0"/>
-              <a:t>especifica </a:t>
+              <a:t>Identifica los parámetros desconocidos del proceso y especifica </a:t>
             </a:r>
             <a:r>
               <a:rPr lang="es-419" noProof="0" dirty="0" err="1" smtClean="0"/>
@@ -8767,7 +8685,6 @@
               <a:rPr lang="es-419" noProof="0" dirty="0" smtClean="0"/>
               <a:t> </a:t>
             </a:r>
-            <a:endParaRPr lang="es-419" noProof="0" dirty="0" smtClean="0"/>
           </a:p>
           <a:p>
             <a:r>
@@ -8822,6 +8739,13 @@
   <p:clrMapOvr>
     <a:masterClrMapping/>
   </p:clrMapOvr>
+  <p:timing>
+    <p:tnLst>
+      <p:par>
+        <p:cTn id="1" dur="indefinite" restart="never" nodeType="tmRoot"/>
+      </p:par>
+    </p:tnLst>
+  </p:timing>
 </p:sld>
 </file>
 
@@ -8915,13 +8839,8 @@
             </a:r>
             <a:r>
               <a:rPr lang="es-419" sz="2800" noProof="0" dirty="0" smtClean="0"/>
-              <a:t>” </a:t>
-            </a:r>
-            <a:r>
-              <a:rPr lang="es-419" sz="2800" noProof="0" dirty="0" smtClean="0"/>
-              <a:t>etc. no son definidos</a:t>
-            </a:r>
-            <a:endParaRPr lang="es-419" sz="2800" noProof="0" dirty="0" smtClean="0"/>
+              <a:t>” etc. no son definidos</a:t>
+            </a:r>
           </a:p>
           <a:p>
             <a:r>
@@ -8944,7 +8863,6 @@
               <a:rPr lang="es-419" sz="2800" noProof="0" dirty="0" smtClean="0"/>
               <a:t>)</a:t>
             </a:r>
-            <a:endParaRPr lang="es-419" sz="2800" noProof="0" dirty="0" smtClean="0"/>
           </a:p>
           <a:p>
             <a:pPr lvl="1"/>
@@ -8962,17 +8880,8 @@
             </a:r>
             <a:r>
               <a:rPr lang="es-419" sz="2400" noProof="0" dirty="0" smtClean="0"/>
-              <a:t> los predictores</a:t>
-            </a:r>
-            <a:r>
-              <a:rPr lang="es-419" sz="2400" noProof="0" dirty="0" smtClean="0"/>
-              <a:t>, </a:t>
-            </a:r>
-            <a:r>
-              <a:rPr lang="es-419" sz="2400" noProof="0" dirty="0" smtClean="0"/>
-              <a:t>divide por la escala</a:t>
-            </a:r>
-            <a:endParaRPr lang="es-419" sz="2400" noProof="0" dirty="0" smtClean="0"/>
+              <a:t> los predictores, divide por la escala</a:t>
+            </a:r>
           </a:p>
           <a:p>
             <a:pPr lvl="1"/>
@@ -8992,15 +8901,7 @@
           <a:p>
             <a:r>
               <a:rPr lang="es-419" sz="2800" noProof="0" dirty="0" smtClean="0"/>
-              <a:t>Evita restricciones duras, a menos que hay una razón </a:t>
-            </a:r>
-            <a:r>
-              <a:rPr lang="es-419" sz="2800" noProof="0" dirty="0" smtClean="0"/>
-              <a:t>física,</a:t>
-            </a:r>
-            <a:r>
-              <a:rPr lang="es-419" sz="2800" noProof="0" dirty="0" smtClean="0"/>
-              <a:t> </a:t>
+              <a:t>Evita restricciones duras, a menos que hay una razón física, </a:t>
             </a:r>
             <a:r>
               <a:rPr lang="es-419" sz="2800" noProof="0" dirty="0" err="1" smtClean="0"/>
@@ -9026,31 +8927,7 @@
             </a:r>
             <a:r>
               <a:rPr lang="es-419" sz="2800" noProof="0" dirty="0" smtClean="0"/>
-              <a:t>., </a:t>
-            </a:r>
-            <a:r>
-              <a:rPr lang="es-419" sz="2800" noProof="0" dirty="0" smtClean="0"/>
-              <a:t>si piensas 0</a:t>
-            </a:r>
-            <a:r>
-              <a:rPr lang="es-419" sz="2800" noProof="0" dirty="0" smtClean="0"/>
-              <a:t>&lt; θ &lt;1, </a:t>
-            </a:r>
-            <a:r>
-              <a:rPr lang="es-419" sz="2800" noProof="0" dirty="0" smtClean="0"/>
-              <a:t>usa </a:t>
-            </a:r>
-            <a:r>
-              <a:rPr lang="es-419" sz="2800" noProof="0" dirty="0" smtClean="0"/>
-              <a:t>N(.5,.5) </a:t>
-            </a:r>
-            <a:r>
-              <a:rPr lang="es-419" sz="2800" noProof="0" dirty="0" smtClean="0"/>
-              <a:t>en lugar de U(0,1</a:t>
-            </a:r>
-            <a:r>
-              <a:rPr lang="es-419" sz="2800" noProof="0" dirty="0" smtClean="0"/>
-              <a:t>)</a:t>
+              <a:t>., si piensas 0&lt; θ &lt;1, usa N(.5,.5) en lugar de U(0,1)</a:t>
             </a:r>
             <a:endParaRPr lang="es-419" sz="2800" noProof="0" dirty="0"/>
           </a:p>
@@ -9118,6 +8995,13 @@
   <p:clrMapOvr>
     <a:masterClrMapping/>
   </p:clrMapOvr>
+  <p:timing>
+    <p:tnLst>
+      <p:par>
+        <p:cTn id="1" dur="indefinite" restart="never" nodeType="tmRoot"/>
+      </p:par>
+    </p:tnLst>
+  </p:timing>
 </p:sld>
 </file>
 
@@ -9329,6 +9213,13 @@
   <p:clrMapOvr>
     <a:masterClrMapping/>
   </p:clrMapOvr>
+  <p:timing>
+    <p:tnLst>
+      <p:par>
+        <p:cTn id="1" dur="indefinite" restart="never" nodeType="tmRoot"/>
+      </p:par>
+    </p:tnLst>
+  </p:timing>
 </p:sld>
 </file>
 
@@ -9565,12 +9456,12 @@
               <a:t>Pocos valores son mas </a:t>
             </a:r>
             <a:r>
-              <a:rPr lang="es-419" noProof="0" dirty="0" err="1" smtClean="0"/>
-              <a:t>alla</a:t>
-            </a:r>
-            <a:r>
-              <a:rPr lang="es-419" noProof="0" dirty="0" smtClean="0"/>
-              <a:t> del umbral (</a:t>
+              <a:rPr lang="es-419" noProof="0" dirty="0" smtClean="0"/>
+              <a:t>allá </a:t>
+            </a:r>
+            <a:r>
+              <a:rPr lang="es-419" noProof="0" dirty="0" smtClean="0"/>
+              <a:t>del umbral (</a:t>
             </a:r>
             <a:r>
               <a:rPr lang="es-419" i="1" noProof="0" dirty="0" smtClean="0"/>
@@ -9703,6 +9594,13 @@
   <p:clrMapOvr>
     <a:masterClrMapping/>
   </p:clrMapOvr>
+  <p:timing>
+    <p:tnLst>
+      <p:par>
+        <p:cTn id="1" dur="indefinite" restart="never" nodeType="tmRoot"/>
+      </p:par>
+    </p:tnLst>
+  </p:timing>
 </p:sld>
 </file>
 
@@ -9794,14 +9692,12 @@
               <a:rPr lang="es-419" noProof="0" dirty="0" smtClean="0"/>
               <a:t> </a:t>
             </a:r>
-            <a:endParaRPr lang="es-419" noProof="0" dirty="0" smtClean="0"/>
           </a:p>
           <a:p>
             <a:r>
               <a:rPr lang="es-419" noProof="0" dirty="0" smtClean="0"/>
               <a:t>En R o JAGS</a:t>
             </a:r>
-            <a:endParaRPr lang="es-419" noProof="0" dirty="0" smtClean="0"/>
           </a:p>
           <a:p>
             <a:r>
@@ -9830,15 +9726,7 @@
             </a:r>
             <a:r>
               <a:rPr lang="es-419" noProof="0" dirty="0" smtClean="0"/>
-              <a:t> no reflejan </a:t>
-            </a:r>
-            <a:r>
-              <a:rPr lang="es-419" noProof="0" dirty="0" smtClean="0"/>
-              <a:t>tu </a:t>
-            </a:r>
-            <a:r>
-              <a:rPr lang="es-419" noProof="0" dirty="0" smtClean="0"/>
-              <a:t>conocimiento</a:t>
+              <a:t> no reflejan tu conocimiento</a:t>
             </a:r>
             <a:endParaRPr lang="es-419" noProof="0" dirty="0"/>
           </a:p>
@@ -10167,6 +10055,13 @@
   <p:clrMapOvr>
     <a:masterClrMapping/>
   </p:clrMapOvr>
+  <p:timing>
+    <p:tnLst>
+      <p:par>
+        <p:cTn id="1" dur="indefinite" restart="never" nodeType="tmRoot"/>
+      </p:par>
+    </p:tnLst>
+  </p:timing>
 </p:sld>
 </file>
 

--- a/dia3/lecture3_modeling.pptx
+++ b/dia3/lecture3_modeling.pptx
@@ -229,7 +229,7 @@
           <a:p>
             <a:fld id="{9EC8F33C-A7AA-43A7-BCA9-F081EA0B4664}" type="datetimeFigureOut">
               <a:rPr lang="en-US" smtClean="0"/>
-              <a:t>1/16/2019</a:t>
+              <a:t>1/22/2019</a:t>
             </a:fld>
             <a:endParaRPr lang="en-US"/>
           </a:p>
@@ -578,7 +578,7 @@
           </a:ln>
           <a:extLst>
             <a:ext uri="{909E8E84-426E-40dd-AFC4-6F175D3DCCD1}">
-              <a14:hiddenFill xmlns="" xmlns:a14="http://schemas.microsoft.com/office/drawing/2010/main">
+              <a14:hiddenFill xmlns:a14="http://schemas.microsoft.com/office/drawing/2010/main" xmlns="">
                 <a:solidFill>
                   <a:srgbClr val="FFFFFF"/>
                 </a:solidFill>
@@ -621,7 +621,7 @@
           </a:ln>
           <a:extLst>
             <a:ext uri="{909E8E84-426E-40dd-AFC4-6F175D3DCCD1}">
-              <a14:hiddenFill xmlns="" xmlns:a14="http://schemas.microsoft.com/office/drawing/2010/main">
+              <a14:hiddenFill xmlns:a14="http://schemas.microsoft.com/office/drawing/2010/main" xmlns="">
                 <a:noFill/>
               </a14:hiddenFill>
             </a:ext>
@@ -720,7 +720,7 @@
           <a:p>
             <a:fld id="{9A356AEA-056F-417E-9B38-4BA8743FE6C4}" type="datetime1">
               <a:rPr lang="en-US" smtClean="0"/>
-              <a:t>1/16/2019</a:t>
+              <a:t>1/22/2019</a:t>
             </a:fld>
             <a:endParaRPr lang="en-US"/>
           </a:p>
@@ -907,7 +907,7 @@
           <a:p>
             <a:fld id="{09867F7C-1948-4907-9EBC-DD38682B5188}" type="datetime1">
               <a:rPr lang="en-US" smtClean="0"/>
-              <a:t>1/16/2019</a:t>
+              <a:t>1/22/2019</a:t>
             </a:fld>
             <a:endParaRPr lang="en-US"/>
           </a:p>
@@ -1103,7 +1103,7 @@
           <a:p>
             <a:fld id="{A5996870-3492-4879-A20C-50CF7F25E309}" type="datetime1">
               <a:rPr lang="en-US" smtClean="0"/>
-              <a:t>1/16/2019</a:t>
+              <a:t>1/22/2019</a:t>
             </a:fld>
             <a:endParaRPr lang="en-US"/>
           </a:p>
@@ -1355,7 +1355,7 @@
           <a:p>
             <a:fld id="{3339509F-2835-4D20-8448-C5CCD453FC4A}" type="datetime1">
               <a:rPr lang="en-US" smtClean="0"/>
-              <a:t>1/16/2019</a:t>
+              <a:t>1/22/2019</a:t>
             </a:fld>
             <a:endParaRPr lang="en-US"/>
           </a:p>
@@ -1579,7 +1579,7 @@
           <a:p>
             <a:fld id="{7A6EDDDE-DBE4-4114-B865-EC3A2920782E}" type="datetime1">
               <a:rPr lang="en-US" smtClean="0"/>
-              <a:t>1/16/2019</a:t>
+              <a:t>1/22/2019</a:t>
             </a:fld>
             <a:endParaRPr lang="en-US"/>
           </a:p>
@@ -1887,7 +1887,7 @@
           <a:p>
             <a:fld id="{8DA96907-43AE-4B1E-B5FF-6853ADDA5697}" type="datetime1">
               <a:rPr lang="en-US" smtClean="0"/>
-              <a:t>1/16/2019</a:t>
+              <a:t>1/22/2019</a:t>
             </a:fld>
             <a:endParaRPr lang="en-US"/>
           </a:p>
@@ -2055,7 +2055,7 @@
           <a:p>
             <a:fld id="{2E65DF97-DE0F-4515-8F8D-0E1C627BC4E9}" type="datetime1">
               <a:rPr lang="en-US" smtClean="0"/>
-              <a:t>1/16/2019</a:t>
+              <a:t>1/22/2019</a:t>
             </a:fld>
             <a:endParaRPr lang="en-US"/>
           </a:p>
@@ -2367,7 +2367,7 @@
           <a:p>
             <a:fld id="{23B9FD00-80D5-4EA7-B536-8F4F2C3959C9}" type="datetime1">
               <a:rPr lang="en-US" smtClean="0"/>
-              <a:t>1/16/2019</a:t>
+              <a:t>1/22/2019</a:t>
             </a:fld>
             <a:endParaRPr lang="en-US"/>
           </a:p>
@@ -2679,7 +2679,7 @@
           <a:p>
             <a:fld id="{DAC77084-4DB4-4A23-9870-BF49183ACB4C}" type="datetime1">
               <a:rPr lang="en-US" smtClean="0"/>
-              <a:t>1/16/2019</a:t>
+              <a:t>1/22/2019</a:t>
             </a:fld>
             <a:endParaRPr lang="en-US"/>
           </a:p>
@@ -2865,7 +2865,7 @@
           <a:p>
             <a:fld id="{6E487ECE-0D8C-4AFB-BD35-997F06E0971C}" type="datetime1">
               <a:rPr lang="en-US" smtClean="0"/>
-              <a:t>1/16/2019</a:t>
+              <a:t>1/22/2019</a:t>
             </a:fld>
             <a:endParaRPr lang="en-US"/>
           </a:p>
@@ -3074,7 +3074,7 @@
           <a:p>
             <a:fld id="{D4F6DC8D-78A1-49CC-B033-F77D87B04958}" type="datetime1">
               <a:rPr lang="en-US" smtClean="0"/>
-              <a:t>1/16/2019</a:t>
+              <a:t>1/22/2019</a:t>
             </a:fld>
             <a:endParaRPr lang="en-US"/>
           </a:p>
@@ -3377,7 +3377,7 @@
           <a:p>
             <a:fld id="{3BCF4A7C-A413-48DA-9211-5240CAEE1DD4}" type="datetime1">
               <a:rPr lang="en-US" smtClean="0"/>
-              <a:t>1/16/2019</a:t>
+              <a:t>1/22/2019</a:t>
             </a:fld>
             <a:endParaRPr lang="en-US"/>
           </a:p>
@@ -3819,7 +3819,7 @@
           <a:p>
             <a:fld id="{AAE887C4-8D00-4515-BD6B-6D6B646F02F7}" type="datetime1">
               <a:rPr lang="en-US" smtClean="0"/>
-              <a:t>1/16/2019</a:t>
+              <a:t>1/22/2019</a:t>
             </a:fld>
             <a:endParaRPr lang="en-US"/>
           </a:p>
@@ -3954,7 +3954,7 @@
           <a:p>
             <a:fld id="{10C13C5A-776A-4D2B-A91E-2ACB7D90E7CC}" type="datetime1">
               <a:rPr lang="en-US" smtClean="0"/>
-              <a:t>1/16/2019</a:t>
+              <a:t>1/22/2019</a:t>
             </a:fld>
             <a:endParaRPr lang="en-US"/>
           </a:p>
@@ -4067,7 +4067,7 @@
           <a:p>
             <a:fld id="{00A5D59F-6FC3-492C-BAE3-F50C9D1FBA31}" type="datetime1">
               <a:rPr lang="en-US" smtClean="0"/>
-              <a:t>1/16/2019</a:t>
+              <a:t>1/22/2019</a:t>
             </a:fld>
             <a:endParaRPr lang="en-US"/>
           </a:p>
@@ -4360,7 +4360,7 @@
           <a:p>
             <a:fld id="{CD78B45F-E474-4F2F-801A-58FC9FE22655}" type="datetime1">
               <a:rPr lang="en-US" smtClean="0"/>
-              <a:t>1/16/2019</a:t>
+              <a:t>1/22/2019</a:t>
             </a:fld>
             <a:endParaRPr lang="en-US"/>
           </a:p>
@@ -4634,7 +4634,7 @@
           <a:p>
             <a:fld id="{FDF35450-A835-4587-8F84-782057674F92}" type="datetime1">
               <a:rPr lang="en-US" smtClean="0"/>
-              <a:t>1/16/2019</a:t>
+              <a:t>1/22/2019</a:t>
             </a:fld>
             <a:endParaRPr lang="en-US"/>
           </a:p>
@@ -4756,17 +4756,17 @@
           </a:ln>
           <a:extLst>
             <a:ext uri="{FAA26D3D-D897-4be2-8F04-BA451C77F1D7}">
-              <ma14:placeholderFlag xmlns="" xmlns:ma14="http://schemas.microsoft.com/office/mac/drawingml/2011/main" val="1"/>
+              <ma14:placeholderFlag xmlns:ma14="http://schemas.microsoft.com/office/mac/drawingml/2011/main" xmlns="" val="1"/>
             </a:ext>
             <a:ext uri="{909E8E84-426E-40dd-AFC4-6F175D3DCCD1}">
-              <a14:hiddenFill xmlns="" xmlns:a14="http://schemas.microsoft.com/office/drawing/2010/main">
+              <a14:hiddenFill xmlns:a14="http://schemas.microsoft.com/office/drawing/2010/main" xmlns="">
                 <a:solidFill>
                   <a:srgbClr val="FFFFFF"/>
                 </a:solidFill>
               </a14:hiddenFill>
             </a:ext>
             <a:ext uri="{91240B29-F687-4f45-9708-019B960494DF}">
-              <a14:hiddenLine xmlns="" xmlns:a14="http://schemas.microsoft.com/office/drawing/2010/main" w="9525">
+              <a14:hiddenLine xmlns:a14="http://schemas.microsoft.com/office/drawing/2010/main" xmlns="" w="9525">
                 <a:solidFill>
                   <a:srgbClr val="000000"/>
                 </a:solidFill>
@@ -4818,17 +4818,17 @@
           </a:ln>
           <a:extLst>
             <a:ext uri="{FAA26D3D-D897-4be2-8F04-BA451C77F1D7}">
-              <ma14:placeholderFlag xmlns="" xmlns:ma14="http://schemas.microsoft.com/office/mac/drawingml/2011/main" val="1"/>
+              <ma14:placeholderFlag xmlns:ma14="http://schemas.microsoft.com/office/mac/drawingml/2011/main" xmlns="" val="1"/>
             </a:ext>
             <a:ext uri="{909E8E84-426E-40dd-AFC4-6F175D3DCCD1}">
-              <a14:hiddenFill xmlns="" xmlns:a14="http://schemas.microsoft.com/office/drawing/2010/main">
+              <a14:hiddenFill xmlns:a14="http://schemas.microsoft.com/office/drawing/2010/main" xmlns="">
                 <a:solidFill>
                   <a:srgbClr val="FFFFFF"/>
                 </a:solidFill>
               </a14:hiddenFill>
             </a:ext>
             <a:ext uri="{91240B29-F687-4f45-9708-019B960494DF}">
-              <a14:hiddenLine xmlns="" xmlns:a14="http://schemas.microsoft.com/office/drawing/2010/main" w="9525">
+              <a14:hiddenLine xmlns:a14="http://schemas.microsoft.com/office/drawing/2010/main" xmlns="" w="9525">
                 <a:solidFill>
                   <a:srgbClr val="000000"/>
                 </a:solidFill>
@@ -4928,7 +4928,7 @@
           <a:p>
             <a:fld id="{F6803E09-2A09-4EEA-8E99-292225B5EDFC}" type="datetime1">
               <a:rPr lang="en-US" smtClean="0"/>
-              <a:t>1/16/2019</a:t>
+              <a:t>1/22/2019</a:t>
             </a:fld>
             <a:endParaRPr lang="en-US"/>
           </a:p>
@@ -5096,7 +5096,7 @@
           </a:ln>
           <a:extLst>
             <a:ext uri="{909E8E84-426E-40dd-AFC4-6F175D3DCCD1}">
-              <a14:hiddenFill xmlns="" xmlns:a14="http://schemas.microsoft.com/office/drawing/2010/main">
+              <a14:hiddenFill xmlns:a14="http://schemas.microsoft.com/office/drawing/2010/main" xmlns="">
                 <a:solidFill>
                   <a:srgbClr val="FFFFFF"/>
                 </a:solidFill>
@@ -5139,7 +5139,7 @@
           </a:ln>
           <a:extLst>
             <a:ext uri="{909E8E84-426E-40dd-AFC4-6F175D3DCCD1}">
-              <a14:hiddenFill xmlns="" xmlns:a14="http://schemas.microsoft.com/office/drawing/2010/main">
+              <a14:hiddenFill xmlns:a14="http://schemas.microsoft.com/office/drawing/2010/main" xmlns="">
                 <a:noFill/>
               </a14:hiddenFill>
             </a:ext>
@@ -5624,7 +5624,7 @@
           <p:cNvPr id="2" name="Title 1">
             <a:extLst>
               <a:ext uri="{FF2B5EF4-FFF2-40B4-BE49-F238E27FC236}">
-                <a16:creationId xmlns="" xmlns:a16="http://schemas.microsoft.com/office/drawing/2014/main" id="{4819A39B-28BB-4873-9914-8FEE18891DD4}"/>
+                <a16:creationId xmlns:a16="http://schemas.microsoft.com/office/drawing/2014/main" xmlns="" id="{4819A39B-28BB-4873-9914-8FEE18891DD4}"/>
               </a:ext>
             </a:extLst>
           </p:cNvPr>
@@ -5655,7 +5655,7 @@
           <p:cNvPr id="5" name="Subtitle 2">
             <a:extLst>
               <a:ext uri="{FF2B5EF4-FFF2-40B4-BE49-F238E27FC236}">
-                <a16:creationId xmlns="" xmlns:a16="http://schemas.microsoft.com/office/drawing/2014/main" id="{2BECD79D-0B3A-44C2-A155-03EC2A6A5D3B}"/>
+                <a16:creationId xmlns:a16="http://schemas.microsoft.com/office/drawing/2014/main" xmlns="" id="{2BECD79D-0B3A-44C2-A155-03EC2A6A5D3B}"/>
               </a:ext>
             </a:extLst>
           </p:cNvPr>
@@ -5678,17 +5678,17 @@
           </a:ln>
           <a:extLst>
             <a:ext uri="{FAA26D3D-D897-4be2-8F04-BA451C77F1D7}">
-              <ma14:placeholderFlag xmlns="" xmlns:ma14="http://schemas.microsoft.com/office/mac/drawingml/2011/main" val="1"/>
+              <ma14:placeholderFlag xmlns:ma14="http://schemas.microsoft.com/office/mac/drawingml/2011/main" xmlns="" val="1"/>
             </a:ext>
             <a:ext uri="{909E8E84-426E-40dd-AFC4-6F175D3DCCD1}">
-              <a14:hiddenFill xmlns="" xmlns:a14="http://schemas.microsoft.com/office/drawing/2010/main">
+              <a14:hiddenFill xmlns:a14="http://schemas.microsoft.com/office/drawing/2010/main" xmlns="">
                 <a:solidFill>
                   <a:srgbClr val="FFFFFF"/>
                 </a:solidFill>
               </a14:hiddenFill>
             </a:ext>
             <a:ext uri="{91240B29-F687-4f45-9708-019B960494DF}">
-              <a14:hiddenLine xmlns="" xmlns:a14="http://schemas.microsoft.com/office/drawing/2010/main" w="9525">
+              <a14:hiddenLine xmlns:a14="http://schemas.microsoft.com/office/drawing/2010/main" xmlns="" w="9525">
                 <a:solidFill>
                   <a:srgbClr val="000000"/>
                 </a:solidFill>
@@ -5938,7 +5938,7 @@
             </a:r>
             <a:r>
               <a:rPr lang="en-US" kern="0" dirty="0" smtClean="0"/>
-              <a:t>2018</a:t>
+              <a:t>2019</a:t>
             </a:r>
             <a:endParaRPr lang="en-US" kern="0" dirty="0"/>
           </a:p>
@@ -6459,14 +6459,7 @@
                 <a:latin typeface="Courier New" panose="02070309020205020404" pitchFamily="49" charset="0"/>
                 <a:cs typeface="Courier New" panose="02070309020205020404" pitchFamily="49" charset="0"/>
               </a:rPr>
-              <a:t>   p </a:t>
-            </a:r>
-            <a:r>
-              <a:rPr lang="es-419" sz="2400" noProof="0" dirty="0" smtClean="0">
-                <a:latin typeface="Courier New" panose="02070309020205020404" pitchFamily="49" charset="0"/>
-                <a:cs typeface="Courier New" panose="02070309020205020404" pitchFamily="49" charset="0"/>
-              </a:rPr>
-              <a:t>&lt;- </a:t>
+              <a:t>   p &lt;- </a:t>
             </a:r>
             <a:r>
               <a:rPr lang="es-419" sz="2400" noProof="0" dirty="0" err="1" smtClean="0">
@@ -6482,10 +6475,6 @@
               </a:rPr>
               <a:t>(theta)</a:t>
             </a:r>
-            <a:endParaRPr lang="es-419" sz="2400" noProof="0" dirty="0" smtClean="0">
-              <a:latin typeface="Courier New" panose="02070309020205020404" pitchFamily="49" charset="0"/>
-              <a:cs typeface="Courier New" panose="02070309020205020404" pitchFamily="49" charset="0"/>
-            </a:endParaRPr>
           </a:p>
           <a:p>
             <a:pPr marL="0" indent="0">
@@ -6599,17 +6588,17 @@
           </a:ln>
           <a:extLst>
             <a:ext uri="{FAA26D3D-D897-4be2-8F04-BA451C77F1D7}">
-              <ma14:placeholderFlag xmlns="" xmlns:ma14="http://schemas.microsoft.com/office/mac/drawingml/2011/main" val="1"/>
+              <ma14:placeholderFlag xmlns:ma14="http://schemas.microsoft.com/office/mac/drawingml/2011/main" xmlns="" val="1"/>
             </a:ext>
             <a:ext uri="{909E8E84-426E-40dd-AFC4-6F175D3DCCD1}">
-              <a14:hiddenFill xmlns="" xmlns:a14="http://schemas.microsoft.com/office/drawing/2010/main">
+              <a14:hiddenFill xmlns:a14="http://schemas.microsoft.com/office/drawing/2010/main" xmlns="">
                 <a:solidFill>
                   <a:srgbClr val="FFFFFF"/>
                 </a:solidFill>
               </a14:hiddenFill>
             </a:ext>
             <a:ext uri="{91240B29-F687-4f45-9708-019B960494DF}">
-              <a14:hiddenLine xmlns="" xmlns:a14="http://schemas.microsoft.com/office/drawing/2010/main" w="9525">
+              <a14:hiddenLine xmlns:a14="http://schemas.microsoft.com/office/drawing/2010/main" xmlns="" w="9525">
                 <a:solidFill>
                   <a:srgbClr val="000000"/>
                 </a:solidFill>
@@ -6909,15 +6898,7 @@
           <a:p>
             <a:r>
               <a:rPr lang="es-419" noProof="0" dirty="0" smtClean="0"/>
-              <a:t>Actualiza el modelo JAGS (logistic2.jags) y código de R para usar datos de </a:t>
-            </a:r>
-            <a:r>
-              <a:rPr lang="es-419" noProof="0" dirty="0" smtClean="0"/>
-              <a:t>diez sitios </a:t>
-            </a:r>
-            <a:r>
-              <a:rPr lang="es-419" noProof="0" dirty="0" smtClean="0"/>
-              <a:t>independientes</a:t>
+              <a:t>Actualiza el modelo JAGS (logistic2.jags) y código de R para usar datos de diez sitios independientes</a:t>
             </a:r>
           </a:p>
           <a:p>
@@ -7320,15 +7301,7 @@
           <a:p>
             <a:r>
               <a:rPr lang="es-419" dirty="0" smtClean="0"/>
-              <a:t>Los reales deben parecer como los </a:t>
-            </a:r>
-            <a:r>
-              <a:rPr lang="es-419" dirty="0" smtClean="0"/>
-              <a:t>predichos, </a:t>
-            </a:r>
-            <a:r>
-              <a:rPr lang="es-419" dirty="0" smtClean="0"/>
-              <a:t>y si no el modelo no es suficiente </a:t>
+              <a:t>Los reales deben parecer como los predichos, y si no el modelo no es suficiente </a:t>
             </a:r>
             <a:endParaRPr lang="es-419" noProof="0" dirty="0"/>
           </a:p>
@@ -8138,7 +8111,7 @@
           <p:cNvPr id="2" name="Title 1">
             <a:extLst>
               <a:ext uri="{FF2B5EF4-FFF2-40B4-BE49-F238E27FC236}">
-                <a16:creationId xmlns="" xmlns:a16="http://schemas.microsoft.com/office/drawing/2014/main" id="{3F85E31D-5021-4B9C-A2F6-6670EA453677}"/>
+                <a16:creationId xmlns:a16="http://schemas.microsoft.com/office/drawing/2014/main" xmlns="" id="{3F85E31D-5021-4B9C-A2F6-6670EA453677}"/>
               </a:ext>
             </a:extLst>
           </p:cNvPr>
@@ -8167,7 +8140,7 @@
           <p:cNvPr id="3" name="Content Placeholder 2">
             <a:extLst>
               <a:ext uri="{FF2B5EF4-FFF2-40B4-BE49-F238E27FC236}">
-                <a16:creationId xmlns="" xmlns:a16="http://schemas.microsoft.com/office/drawing/2014/main" id="{28B492CE-B56B-411E-ACCC-F83AC37AA46D}"/>
+                <a16:creationId xmlns:a16="http://schemas.microsoft.com/office/drawing/2014/main" xmlns="" id="{28B492CE-B56B-411E-ACCC-F83AC37AA46D}"/>
               </a:ext>
             </a:extLst>
           </p:cNvPr>
@@ -8263,7 +8236,7 @@
           <p:cNvPr id="4" name="Slide Number Placeholder 3">
             <a:extLst>
               <a:ext uri="{FF2B5EF4-FFF2-40B4-BE49-F238E27FC236}">
-                <a16:creationId xmlns="" xmlns:a16="http://schemas.microsoft.com/office/drawing/2014/main" id="{EC538D91-6F8B-42BB-A135-BD948D230469}"/>
+                <a16:creationId xmlns:a16="http://schemas.microsoft.com/office/drawing/2014/main" xmlns="" id="{EC538D91-6F8B-42BB-A135-BD948D230469}"/>
               </a:ext>
             </a:extLst>
           </p:cNvPr>
@@ -9453,15 +9426,7 @@
             <a:pPr lvl="1"/>
             <a:r>
               <a:rPr lang="es-419" noProof="0" dirty="0" smtClean="0"/>
-              <a:t>Pocos valores son mas </a:t>
-            </a:r>
-            <a:r>
-              <a:rPr lang="es-419" noProof="0" dirty="0" smtClean="0"/>
-              <a:t>allá </a:t>
-            </a:r>
-            <a:r>
-              <a:rPr lang="es-419" noProof="0" dirty="0" smtClean="0"/>
-              <a:t>del umbral (</a:t>
+              <a:t>Pocos valores son mas allá del umbral (</a:t>
             </a:r>
             <a:r>
               <a:rPr lang="es-419" i="1" noProof="0" dirty="0" smtClean="0"/>
